--- a/EE5993_PowerPoint.pptx
+++ b/EE5993_PowerPoint.pptx
@@ -360,7 +360,7 @@
             <a:pPr indent="0" algn="r">
               <a:buNone/>
             </a:pPr>
-            <a:fld id="{5C7BE146-24F3-42EF-A987-D316612DF696}" type="slidenum">
+            <a:fld id="{A6BAB993-71C6-4FF3-AD42-A80610C8D46C}" type="slidenum">
               <a:rPr b="0" lang="en-US" sz="1400" spc="-1" strike="noStrike">
                 <a:solidFill>
                   <a:srgbClr val="000000"/>
@@ -553,7 +553,7 @@
               </a:lnSpc>
               <a:buNone/>
             </a:pPr>
-            <a:fld id="{15836BBC-DF1F-47F2-A8B7-9B32786335D6}" type="slidenum">
+            <a:fld id="{5EFE7AB2-8258-4F92-9D00-7CDE0503DD6B}" type="slidenum">
               <a:rPr b="0" lang="en-US" sz="1200" spc="-1" strike="noStrike">
                 <a:solidFill>
                   <a:srgbClr val="000000"/>
@@ -1415,7 +1415,61 @@
                 </a:solidFill>
                 <a:latin typeface="Arial"/>
               </a:rPr>
-              <a:t>Click to edit Master title style</a:t>
+              <a:t>Clic</a:t>
+            </a:r>
+            <a:r>
+              <a:rPr b="0" lang="en-US" sz="4400" spc="-1" strike="noStrike">
+                <a:solidFill>
+                  <a:srgbClr val="000000"/>
+                </a:solidFill>
+                <a:latin typeface="Arial"/>
+              </a:rPr>
+              <a:t>k to </a:t>
+            </a:r>
+            <a:r>
+              <a:rPr b="0" lang="en-US" sz="4400" spc="-1" strike="noStrike">
+                <a:solidFill>
+                  <a:srgbClr val="000000"/>
+                </a:solidFill>
+                <a:latin typeface="Arial"/>
+              </a:rPr>
+              <a:t>edit </a:t>
+            </a:r>
+            <a:r>
+              <a:rPr b="0" lang="en-US" sz="4400" spc="-1" strike="noStrike">
+                <a:solidFill>
+                  <a:srgbClr val="000000"/>
+                </a:solidFill>
+                <a:latin typeface="Arial"/>
+              </a:rPr>
+              <a:t>Mas</a:t>
+            </a:r>
+            <a:r>
+              <a:rPr b="0" lang="en-US" sz="4400" spc="-1" strike="noStrike">
+                <a:solidFill>
+                  <a:srgbClr val="000000"/>
+                </a:solidFill>
+                <a:latin typeface="Arial"/>
+              </a:rPr>
+              <a:t>ter </a:t>
+            </a:r>
+            <a:r>
+              <a:rPr b="0" lang="en-US" sz="4400" spc="-1" strike="noStrike">
+                <a:solidFill>
+                  <a:srgbClr val="000000"/>
+                </a:solidFill>
+                <a:latin typeface="Arial"/>
+              </a:rPr>
+              <a:t>title </a:t>
+            </a:r>
+            <a:r>
+              <a:rPr b="0" lang="en-US" sz="4400" spc="-1" strike="noStrike">
+                <a:solidFill>
+                  <a:srgbClr val="000000"/>
+                </a:solidFill>
+                <a:latin typeface="Arial"/>
+              </a:rPr>
+              <a:t>style</a:t>
             </a:r>
             <a:endParaRPr b="0" lang="en-US" sz="4400" spc="-1" strike="noStrike">
               <a:solidFill>
@@ -2587,7 +2641,61 @@
                 </a:solidFill>
                 <a:latin typeface="Arial"/>
               </a:rPr>
-              <a:t>Click to edit Master title style</a:t>
+              <a:t>Clic</a:t>
+            </a:r>
+            <a:r>
+              <a:rPr b="0" lang="en-US" sz="4400" spc="-1" strike="noStrike">
+                <a:solidFill>
+                  <a:srgbClr val="000000"/>
+                </a:solidFill>
+                <a:latin typeface="Arial"/>
+              </a:rPr>
+              <a:t>k to </a:t>
+            </a:r>
+            <a:r>
+              <a:rPr b="0" lang="en-US" sz="4400" spc="-1" strike="noStrike">
+                <a:solidFill>
+                  <a:srgbClr val="000000"/>
+                </a:solidFill>
+                <a:latin typeface="Arial"/>
+              </a:rPr>
+              <a:t>edit </a:t>
+            </a:r>
+            <a:r>
+              <a:rPr b="0" lang="en-US" sz="4400" spc="-1" strike="noStrike">
+                <a:solidFill>
+                  <a:srgbClr val="000000"/>
+                </a:solidFill>
+                <a:latin typeface="Arial"/>
+              </a:rPr>
+              <a:t>Mas</a:t>
+            </a:r>
+            <a:r>
+              <a:rPr b="0" lang="en-US" sz="4400" spc="-1" strike="noStrike">
+                <a:solidFill>
+                  <a:srgbClr val="000000"/>
+                </a:solidFill>
+                <a:latin typeface="Arial"/>
+              </a:rPr>
+              <a:t>ter </a:t>
+            </a:r>
+            <a:r>
+              <a:rPr b="0" lang="en-US" sz="4400" spc="-1" strike="noStrike">
+                <a:solidFill>
+                  <a:srgbClr val="000000"/>
+                </a:solidFill>
+                <a:latin typeface="Arial"/>
+              </a:rPr>
+              <a:t>title </a:t>
+            </a:r>
+            <a:r>
+              <a:rPr b="0" lang="en-US" sz="4400" spc="-1" strike="noStrike">
+                <a:solidFill>
+                  <a:srgbClr val="000000"/>
+                </a:solidFill>
+                <a:latin typeface="Arial"/>
+              </a:rPr>
+              <a:t>style</a:t>
             </a:r>
             <a:endParaRPr b="0" lang="en-US" sz="4400" spc="-1" strike="noStrike">
               <a:solidFill>
@@ -3818,8 +3926,8 @@
             </p:nvSpPr>
             <p:spPr>
               <a:xfrm>
-                <a:off x="2500920" y="3200400"/>
-                <a:ext cx="4357080" cy="529920"/>
+                <a:off x="2474280" y="3200400"/>
+                <a:ext cx="4383720" cy="528480"/>
               </a:xfrm>
               <a:prstGeom prst="rect">
                 <a:avLst/>
@@ -3871,7 +3979,7 @@
                           <m:t xml:space="preserve">+</m:t>
                         </m:r>
                         <m:r>
-                          <m:t xml:space="preserve">FP</m:t>
+                          <m:t xml:space="preserve">FN</m:t>
                         </m:r>
                       </m:den>
                     </m:f>
@@ -4289,7 +4397,7 @@
           <p:nvPr/>
         </p:nvGraphicFramePr>
         <p:xfrm>
-          <a:off x="229320" y="3218760"/>
+          <a:off x="229320" y="3084840"/>
           <a:ext cx="8685720" cy="3516480"/>
         </p:xfrm>
         <a:graphic>
@@ -7670,7 +7778,52 @@
                 </a:solidFill>
                 <a:latin typeface="Arial"/>
               </a:rPr>
-              <a:t>Sentiment Awareness</a:t>
+              <a:t>Sent</a:t>
+            </a:r>
+            <a:r>
+              <a:rPr b="0" lang="en-US" sz="4400" spc="-1" strike="noStrike">
+                <a:solidFill>
+                  <a:srgbClr val="000000"/>
+                </a:solidFill>
+                <a:latin typeface="Arial"/>
+              </a:rPr>
+              <a:t>ime</a:t>
+            </a:r>
+            <a:r>
+              <a:rPr b="0" lang="en-US" sz="4400" spc="-1" strike="noStrike">
+                <a:solidFill>
+                  <a:srgbClr val="000000"/>
+                </a:solidFill>
+                <a:latin typeface="Arial"/>
+              </a:rPr>
+              <a:t>nt </a:t>
+            </a:r>
+            <a:r>
+              <a:rPr b="0" lang="en-US" sz="4400" spc="-1" strike="noStrike">
+                <a:solidFill>
+                  <a:srgbClr val="000000"/>
+                </a:solidFill>
+                <a:latin typeface="Arial"/>
+              </a:rPr>
+              <a:t>Awa</a:t>
+            </a:r>
+            <a:r>
+              <a:rPr b="0" lang="en-US" sz="4400" spc="-1" strike="noStrike">
+                <a:solidFill>
+                  <a:srgbClr val="000000"/>
+                </a:solidFill>
+                <a:latin typeface="Arial"/>
+              </a:rPr>
+              <a:t>rene</a:t>
+            </a:r>
+            <a:r>
+              <a:rPr b="0" lang="en-US" sz="4400" spc="-1" strike="noStrike">
+                <a:solidFill>
+                  <a:srgbClr val="000000"/>
+                </a:solidFill>
+                <a:latin typeface="Arial"/>
+              </a:rPr>
+              <a:t>ss</a:t>
             </a:r>
             <a:endParaRPr b="0" lang="en-US" sz="4400" spc="-1" strike="noStrike">
               <a:solidFill>
@@ -7900,7 +8053,43 @@
                 </a:solidFill>
                 <a:latin typeface="Arial"/>
               </a:rPr>
-              <a:t>Mason Conkel and Sudman Sakib </a:t>
+              <a:t>Mason </a:t>
+            </a:r>
+            <a:r>
+              <a:rPr b="1" lang="en-US" sz="1800" spc="-1" strike="noStrike">
+                <a:solidFill>
+                  <a:srgbClr val="f26000"/>
+                </a:solidFill>
+                <a:latin typeface="Arial"/>
+              </a:rPr>
+              <a:t>Conkel </a:t>
+            </a:r>
+            <a:r>
+              <a:rPr b="1" lang="en-US" sz="1800" spc="-1" strike="noStrike">
+                <a:solidFill>
+                  <a:srgbClr val="f26000"/>
+                </a:solidFill>
+                <a:latin typeface="Arial"/>
+              </a:rPr>
+              <a:t>and </a:t>
+            </a:r>
+            <a:r>
+              <a:rPr b="1" lang="en-US" sz="1800" spc="-1" strike="noStrike">
+                <a:solidFill>
+                  <a:srgbClr val="f26000"/>
+                </a:solidFill>
+                <a:latin typeface="Arial"/>
+              </a:rPr>
+              <a:t>Sudman </a:t>
+            </a:r>
+            <a:r>
+              <a:rPr b="1" lang="en-US" sz="1800" spc="-1" strike="noStrike">
+                <a:solidFill>
+                  <a:srgbClr val="f26000"/>
+                </a:solidFill>
+                <a:latin typeface="Arial"/>
+              </a:rPr>
+              <a:t>Sakib </a:t>
             </a:r>
             <a:r>
               <a:rPr b="1" lang="en-US" sz="1800" spc="-1" strike="noStrike">
@@ -7975,8 +8164,8 @@
             </p:nvSpPr>
             <p:spPr>
               <a:xfrm>
-                <a:off x="1541880" y="3429000"/>
-                <a:ext cx="6060240" cy="307080"/>
+                <a:off x="1600200" y="3429000"/>
+                <a:ext cx="5914800" cy="549000"/>
               </a:xfrm>
               <a:prstGeom prst="rect">
                 <a:avLst/>
@@ -7994,9 +8183,6 @@
                       <m:t xml:space="preserve">=</m:t>
                     </m:r>
                     <m:f>
-                      <m:fPr>
-                        <m:type m:val="lin"/>
-                      </m:fPr>
                       <m:num>
                         <m:r>
                           <m:t xml:space="preserve">1</m:t>
@@ -8044,7 +8230,7 @@
                       </m:e>
                     </m:d>
                     <m:r>
-                      <m:t xml:space="preserve">∗</m:t>
+                      <m:t xml:space="preserve">×</m:t>
                     </m:r>
                     <m:r>
                       <m:t xml:space="preserve">RSS</m:t>
@@ -9588,88 +9774,7 @@
                 </a:solidFill>
                 <a:latin typeface="Arial"/>
               </a:rPr>
-              <a:t>rabbit died rabbit </a:t>
-            </a:r>
-            <a:r>
-              <a:rPr b="0" lang="en-US" sz="2800" spc="-1" strike="noStrike">
-                <a:solidFill>
-                  <a:srgbClr val="000000"/>
-                </a:solidFill>
-                <a:latin typeface="Arial"/>
-              </a:rPr>
-              <a:t>named thumper died </a:t>
-            </a:r>
-            <a:r>
-              <a:rPr b="0" lang="en-US" sz="2800" spc="-1" strike="noStrike">
-                <a:solidFill>
-                  <a:srgbClr val="000000"/>
-                </a:solidFill>
-                <a:latin typeface="Arial"/>
-              </a:rPr>
-              <a:t>fell garden pot broke </a:t>
-            </a:r>
-            <a:r>
-              <a:rPr b="0" lang="en-US" sz="2800" spc="-1" strike="noStrike">
-                <a:solidFill>
-                  <a:srgbClr val="000000"/>
-                </a:solidFill>
-                <a:latin typeface="Arial"/>
-              </a:rPr>
-              <a:t>neck really nice </a:t>
-            </a:r>
-            <a:r>
-              <a:rPr b="0" lang="en-US" sz="2800" spc="-1" strike="noStrike">
-                <a:solidFill>
-                  <a:srgbClr val="000000"/>
-                </a:solidFill>
-                <a:latin typeface="Arial"/>
-              </a:rPr>
-              <a:t>bunny fearless </a:t>
-            </a:r>
-            <a:r>
-              <a:rPr b="0" lang="en-US" sz="2800" spc="-1" strike="noStrike">
-                <a:solidFill>
-                  <a:srgbClr val="000000"/>
-                </a:solidFill>
-                <a:latin typeface="Arial"/>
-              </a:rPr>
-              <a:t>scared anyone add </a:t>
-            </a:r>
-            <a:r>
-              <a:rPr b="0" lang="en-US" sz="2800" spc="-1" strike="noStrike">
-                <a:solidFill>
-                  <a:srgbClr val="000000"/>
-                </a:solidFill>
-                <a:latin typeface="Arial"/>
-              </a:rPr>
-              <a:t>insult injury </a:t>
-            </a:r>
-            <a:r>
-              <a:rPr b="0" lang="en-US" sz="2800" spc="-1" strike="noStrike">
-                <a:solidFill>
-                  <a:srgbClr val="000000"/>
-                </a:solidFill>
-                <a:latin typeface="Arial"/>
-              </a:rPr>
-              <a:t>happened right </a:t>
-            </a:r>
-            <a:r>
-              <a:rPr b="0" lang="en-US" sz="2800" spc="-1" strike="noStrike">
-                <a:solidFill>
-                  <a:srgbClr val="000000"/>
-                </a:solidFill>
-                <a:latin typeface="Arial"/>
-              </a:rPr>
-              <a:t>birthday idk posting </a:t>
-            </a:r>
-            <a:r>
-              <a:rPr b="0" lang="en-US" sz="2800" spc="-1" strike="noStrike">
-                <a:solidFill>
-                  <a:srgbClr val="000000"/>
-                </a:solidFill>
-                <a:latin typeface="Arial"/>
-              </a:rPr>
-              <a:t>sad” </a:t>
+              <a:t>rabbit died rabbit named thumper died fell garden pot broke neck really nice bunny fearless scared anyone add insult injury happened right birthday idk posting sad” </a:t>
             </a:r>
             <a:endParaRPr b="0" lang="en-US" sz="2800" spc="-1" strike="noStrike">
               <a:solidFill>
@@ -9731,34 +9836,7 @@
                 </a:solidFill>
                 <a:latin typeface="Arial"/>
               </a:rPr>
-              <a:t>GPT2: Sadness, </a:t>
-            </a:r>
-            <a:r>
-              <a:rPr b="0" lang="en-US" sz="2000" spc="-1" strike="noStrike">
-                <a:solidFill>
-                  <a:srgbClr val="000000"/>
-                </a:solidFill>
-                <a:latin typeface="Arial"/>
-              </a:rPr>
-              <a:t>Suicidal (99.98%, </a:t>
-            </a:r>
-            <a:r>
-              <a:rPr b="0" lang="en-US" sz="2000" spc="-1" strike="noStrike">
-                <a:solidFill>
-                  <a:srgbClr val="000000"/>
-                </a:solidFill>
-                <a:latin typeface="Arial"/>
-              </a:rPr>
-              <a:t>78.45%); SAware </a:t>
-            </a:r>
-            <a:r>
-              <a:rPr b="0" lang="en-US" sz="2000" spc="-1" strike="noStrike">
-                <a:solidFill>
-                  <a:srgbClr val="000000"/>
-                </a:solidFill>
-                <a:latin typeface="Arial"/>
-              </a:rPr>
-              <a:t>(41.52%)</a:t>
+              <a:t>GPT2: Sadness, Suicidal (99.98%, 78.45%); SAware (41.52%)</a:t>
             </a:r>
             <a:endParaRPr b="0" lang="en-US" sz="2000" spc="-1" strike="noStrike">
               <a:solidFill>
@@ -9789,25 +9867,7 @@
                 </a:solidFill>
                 <a:latin typeface="Arial"/>
               </a:rPr>
-              <a:t>BERT: Sadness, Normal </a:t>
-            </a:r>
-            <a:r>
-              <a:rPr b="0" lang="en-US" sz="2000" spc="-1" strike="noStrike">
-                <a:solidFill>
-                  <a:srgbClr val="000000"/>
-                </a:solidFill>
-                <a:latin typeface="Arial"/>
-              </a:rPr>
-              <a:t>(99.29%, 99.96%); </a:t>
-            </a:r>
-            <a:r>
-              <a:rPr b="0" lang="en-US" sz="2000" spc="-1" strike="noStrike">
-                <a:solidFill>
-                  <a:srgbClr val="000000"/>
-                </a:solidFill>
-                <a:latin typeface="Arial"/>
-              </a:rPr>
-              <a:t>SAware (32.89%)</a:t>
+              <a:t>BERT: Sadness, Normal (99.29%, 99.96%); SAware (32.89%)</a:t>
             </a:r>
             <a:endParaRPr b="0" lang="en-US" sz="2000" spc="-1" strike="noStrike">
               <a:solidFill>
@@ -9838,25 +9898,7 @@
                 </a:solidFill>
                 <a:latin typeface="Arial"/>
               </a:rPr>
-              <a:t>Custom: Anger, Suicidal </a:t>
-            </a:r>
-            <a:r>
-              <a:rPr b="0" lang="en-US" sz="2000" spc="-1" strike="noStrike">
-                <a:solidFill>
-                  <a:srgbClr val="000000"/>
-                </a:solidFill>
-                <a:latin typeface="Arial"/>
-              </a:rPr>
-              <a:t>(99.99%, 86.67%); </a:t>
-            </a:r>
-            <a:r>
-              <a:rPr b="0" lang="en-US" sz="2000" spc="-1" strike="noStrike">
-                <a:solidFill>
-                  <a:srgbClr val="000000"/>
-                </a:solidFill>
-                <a:latin typeface="Arial"/>
-              </a:rPr>
-              <a:t>SAware (5.96%)</a:t>
+              <a:t>Custom: Anger, Suicidal (99.99%, 86.67%); SAware (5.96%)</a:t>
             </a:r>
             <a:endParaRPr b="0" lang="en-US" sz="2000" spc="-1" strike="noStrike">
               <a:solidFill>
@@ -11041,25 +11083,7 @@
                 </a:solidFill>
                 <a:latin typeface="Arial"/>
               </a:rPr>
-              <a:t>Sentiment Analysis for </a:t>
-            </a:r>
-            <a:r>
-              <a:rPr b="0" lang="en-US" sz="2000" spc="-1" strike="noStrike">
-                <a:solidFill>
-                  <a:srgbClr val="000000"/>
-                </a:solidFill>
-                <a:latin typeface="Arial"/>
-              </a:rPr>
-              <a:t>Mental Health using </a:t>
-            </a:r>
-            <a:r>
-              <a:rPr b="0" lang="en-US" sz="2000" spc="-1" strike="noStrike">
-                <a:solidFill>
-                  <a:srgbClr val="000000"/>
-                </a:solidFill>
-                <a:latin typeface="Arial"/>
-              </a:rPr>
-              <a:t>Labeled Social Media</a:t>
+              <a:t>Sentiment Analysis for Mental Health using Labeled Social Media</a:t>
             </a:r>
             <a:endParaRPr b="0" lang="en-US" sz="2000" spc="-1" strike="noStrike">
               <a:solidFill>
@@ -11121,25 +11145,7 @@
                 </a:solidFill>
                 <a:latin typeface="Arial"/>
               </a:rPr>
-              <a:t>Dual, Distinct Models </a:t>
-            </a:r>
-            <a:r>
-              <a:rPr b="0" lang="en-US" sz="2000" spc="-1" strike="noStrike">
-                <a:solidFill>
-                  <a:srgbClr val="000000"/>
-                </a:solidFill>
-                <a:latin typeface="Arial"/>
-              </a:rPr>
-              <a:t>using GPT2, BERT and </a:t>
-            </a:r>
-            <a:r>
-              <a:rPr b="0" lang="en-US" sz="2000" spc="-1" strike="noStrike">
-                <a:solidFill>
-                  <a:srgbClr val="000000"/>
-                </a:solidFill>
-                <a:latin typeface="Arial"/>
-              </a:rPr>
-              <a:t>Encode-Transformer</a:t>
+              <a:t>Dual, Distinct Models using GPT2, BERT and Encode-Transformer</a:t>
             </a:r>
             <a:endParaRPr b="0" lang="en-US" sz="2000" spc="-1" strike="noStrike">
               <a:solidFill>
@@ -11210,43 +11216,7 @@
                 </a:solidFill>
                 <a:latin typeface="Arial"/>
               </a:rPr>
-              <a:t>Accuracy, F1 Score, </a:t>
-            </a:r>
-            <a:r>
-              <a:rPr b="0" lang="en-US" sz="2000" spc="-1" strike="noStrike">
-                <a:solidFill>
-                  <a:srgbClr val="000000"/>
-                </a:solidFill>
-                <a:latin typeface="Arial"/>
-              </a:rPr>
-              <a:t>Confidence, Probability </a:t>
-            </a:r>
-            <a:r>
-              <a:rPr b="0" lang="en-US" sz="2000" spc="-1" strike="noStrike">
-                <a:solidFill>
-                  <a:srgbClr val="000000"/>
-                </a:solidFill>
-                <a:latin typeface="Arial"/>
-              </a:rPr>
-              <a:t>of Cross-Tabular </a:t>
-            </a:r>
-            <a:r>
-              <a:rPr b="0" lang="en-US" sz="2000" spc="-1" strike="noStrike">
-                <a:solidFill>
-                  <a:srgbClr val="000000"/>
-                </a:solidFill>
-                <a:latin typeface="Arial"/>
-              </a:rPr>
-              <a:t>Intersection and </a:t>
-            </a:r>
-            <a:r>
-              <a:rPr b="0" lang="en-US" sz="2000" spc="-1" strike="noStrike">
-                <a:solidFill>
-                  <a:srgbClr val="000000"/>
-                </a:solidFill>
-                <a:latin typeface="Arial"/>
-              </a:rPr>
-              <a:t>Sentiment Awareness</a:t>
+              <a:t>Accuracy, F1 Score, Confidence, Probability of Cross-Tabular Intersection and Sentiment Awareness</a:t>
             </a:r>
             <a:endParaRPr b="0" lang="en-US" sz="2000" spc="-1" strike="noStrike">
               <a:solidFill>
@@ -11277,43 +11247,7 @@
                 </a:solidFill>
                 <a:latin typeface="Arial"/>
               </a:rPr>
-              <a:t>Sentiment Awareness </a:t>
-            </a:r>
-            <a:r>
-              <a:rPr b="0" lang="en-US" sz="2000" spc="-1" strike="noStrike">
-                <a:solidFill>
-                  <a:srgbClr val="000000"/>
-                </a:solidFill>
-                <a:latin typeface="Arial"/>
-              </a:rPr>
-              <a:t>provides actionable and </a:t>
-            </a:r>
-            <a:r>
-              <a:rPr b="0" lang="en-US" sz="2000" spc="-1" strike="noStrike">
-                <a:solidFill>
-                  <a:srgbClr val="000000"/>
-                </a:solidFill>
-                <a:latin typeface="Arial"/>
-              </a:rPr>
-              <a:t>tunable metric for to </a:t>
-            </a:r>
-            <a:r>
-              <a:rPr b="0" lang="en-US" sz="2000" spc="-1" strike="noStrike">
-                <a:solidFill>
-                  <a:srgbClr val="000000"/>
-                </a:solidFill>
-                <a:latin typeface="Arial"/>
-              </a:rPr>
-              <a:t>explain and assure </a:t>
-            </a:r>
-            <a:r>
-              <a:rPr b="0" lang="en-US" sz="2000" spc="-1" strike="noStrike">
-                <a:solidFill>
-                  <a:srgbClr val="000000"/>
-                </a:solidFill>
-                <a:latin typeface="Arial"/>
-              </a:rPr>
-              <a:t>decision making.</a:t>
+              <a:t>Sentiment Awareness provides actionable and tunable metric for to explain and assure decision making.</a:t>
             </a:r>
             <a:endParaRPr b="0" lang="en-US" sz="2000" spc="-1" strike="noStrike">
               <a:solidFill>
@@ -13577,7 +13511,70 @@
                 </a:solidFill>
                 <a:latin typeface="Arial"/>
               </a:rPr>
-              <a:t>AI-Driven Sentiment Analysis of Social </a:t>
+              <a:t>AI-</a:t>
+            </a:r>
+            <a:r>
+              <a:rPr b="1" lang="en-US" sz="3000" spc="-1" strike="noStrike">
+                <a:solidFill>
+                  <a:srgbClr val="000000"/>
+                </a:solidFill>
+                <a:latin typeface="Arial"/>
+              </a:rPr>
+              <a:t>Drive</a:t>
+            </a:r>
+            <a:r>
+              <a:rPr b="1" lang="en-US" sz="3000" spc="-1" strike="noStrike">
+                <a:solidFill>
+                  <a:srgbClr val="000000"/>
+                </a:solidFill>
+                <a:latin typeface="Arial"/>
+              </a:rPr>
+              <a:t>n </a:t>
+            </a:r>
+            <a:r>
+              <a:rPr b="1" lang="en-US" sz="3000" spc="-1" strike="noStrike">
+                <a:solidFill>
+                  <a:srgbClr val="000000"/>
+                </a:solidFill>
+                <a:latin typeface="Arial"/>
+              </a:rPr>
+              <a:t>Senti</a:t>
+            </a:r>
+            <a:r>
+              <a:rPr b="1" lang="en-US" sz="3000" spc="-1" strike="noStrike">
+                <a:solidFill>
+                  <a:srgbClr val="000000"/>
+                </a:solidFill>
+                <a:latin typeface="Arial"/>
+              </a:rPr>
+              <a:t>ment </a:t>
+            </a:r>
+            <a:r>
+              <a:rPr b="1" lang="en-US" sz="3000" spc="-1" strike="noStrike">
+                <a:solidFill>
+                  <a:srgbClr val="000000"/>
+                </a:solidFill>
+                <a:latin typeface="Arial"/>
+              </a:rPr>
+              <a:t>Analy</a:t>
+            </a:r>
+            <a:r>
+              <a:rPr b="1" lang="en-US" sz="3000" spc="-1" strike="noStrike">
+                <a:solidFill>
+                  <a:srgbClr val="000000"/>
+                </a:solidFill>
+                <a:latin typeface="Arial"/>
+              </a:rPr>
+              <a:t>sis of </a:t>
+            </a:r>
+            <a:r>
+              <a:rPr b="1" lang="en-US" sz="3000" spc="-1" strike="noStrike">
+                <a:solidFill>
+                  <a:srgbClr val="000000"/>
+                </a:solidFill>
+                <a:latin typeface="Arial"/>
+              </a:rPr>
+              <a:t>Social </a:t>
             </a:r>
             <a:br>
               <a:rPr sz="3000"/>
@@ -13589,7 +13586,61 @@
                 </a:solidFill>
                 <a:latin typeface="Arial"/>
               </a:rPr>
-              <a:t>Media for Mental Health Indicators</a:t>
+              <a:t>Media </a:t>
+            </a:r>
+            <a:r>
+              <a:rPr b="1" lang="en-US" sz="3000" spc="-1" strike="noStrike">
+                <a:solidFill>
+                  <a:srgbClr val="000000"/>
+                </a:solidFill>
+                <a:latin typeface="Arial"/>
+              </a:rPr>
+              <a:t>for </a:t>
+            </a:r>
+            <a:r>
+              <a:rPr b="1" lang="en-US" sz="3000" spc="-1" strike="noStrike">
+                <a:solidFill>
+                  <a:srgbClr val="000000"/>
+                </a:solidFill>
+                <a:latin typeface="Arial"/>
+              </a:rPr>
+              <a:t>Menta</a:t>
+            </a:r>
+            <a:r>
+              <a:rPr b="1" lang="en-US" sz="3000" spc="-1" strike="noStrike">
+                <a:solidFill>
+                  <a:srgbClr val="000000"/>
+                </a:solidFill>
+                <a:latin typeface="Arial"/>
+              </a:rPr>
+              <a:t>l </a:t>
+            </a:r>
+            <a:r>
+              <a:rPr b="1" lang="en-US" sz="3000" spc="-1" strike="noStrike">
+                <a:solidFill>
+                  <a:srgbClr val="000000"/>
+                </a:solidFill>
+                <a:latin typeface="Arial"/>
+              </a:rPr>
+              <a:t>Health </a:t>
+            </a:r>
+            <a:r>
+              <a:rPr b="1" lang="en-US" sz="3000" spc="-1" strike="noStrike">
+                <a:solidFill>
+                  <a:srgbClr val="000000"/>
+                </a:solidFill>
+                <a:latin typeface="Arial"/>
+              </a:rPr>
+              <a:t>Indica</a:t>
+            </a:r>
+            <a:r>
+              <a:rPr b="1" lang="en-US" sz="3000" spc="-1" strike="noStrike">
+                <a:solidFill>
+                  <a:srgbClr val="000000"/>
+                </a:solidFill>
+                <a:latin typeface="Arial"/>
+              </a:rPr>
+              <a:t>tors</a:t>
             </a:r>
             <a:endParaRPr b="1" lang="en-US" sz="3000" spc="-1" strike="noStrike">
               <a:solidFill>
@@ -14624,7 +14675,43 @@
                 </a:solidFill>
                 <a:latin typeface="Arial"/>
               </a:rPr>
-              <a:t>Model Architectures</a:t>
+              <a:t>Mod</a:t>
+            </a:r>
+            <a:r>
+              <a:rPr b="0" lang="en-US" sz="4400" spc="-1" strike="noStrike">
+                <a:solidFill>
+                  <a:srgbClr val="000000"/>
+                </a:solidFill>
+                <a:latin typeface="Arial"/>
+              </a:rPr>
+              <a:t>el </a:t>
+            </a:r>
+            <a:r>
+              <a:rPr b="0" lang="en-US" sz="4400" spc="-1" strike="noStrike">
+                <a:solidFill>
+                  <a:srgbClr val="000000"/>
+                </a:solidFill>
+                <a:latin typeface="Arial"/>
+              </a:rPr>
+              <a:t>Arch</a:t>
+            </a:r>
+            <a:r>
+              <a:rPr b="0" lang="en-US" sz="4400" spc="-1" strike="noStrike">
+                <a:solidFill>
+                  <a:srgbClr val="000000"/>
+                </a:solidFill>
+                <a:latin typeface="Arial"/>
+              </a:rPr>
+              <a:t>itect</a:t>
+            </a:r>
+            <a:r>
+              <a:rPr b="0" lang="en-US" sz="4400" spc="-1" strike="noStrike">
+                <a:solidFill>
+                  <a:srgbClr val="000000"/>
+                </a:solidFill>
+                <a:latin typeface="Arial"/>
+              </a:rPr>
+              <a:t>ures</a:t>
             </a:r>
             <a:endParaRPr b="0" lang="en-US" sz="4400" spc="-1" strike="noStrike">
               <a:solidFill>

--- a/EE5993_PowerPoint.pptx
+++ b/EE5993_PowerPoint.pptx
@@ -56,7 +56,7 @@
       </p:grpSpPr>
       <p:sp>
         <p:nvSpPr>
-          <p:cNvPr id="39" name="PlaceHolder 1"/>
+          <p:cNvPr id="34" name="PlaceHolder 1"/>
           <p:cNvSpPr>
             <a:spLocks noGrp="1"/>
           </p:cNvSpPr>
@@ -82,8 +82,9 @@
             <a:noAutofit/>
           </a:bodyPr>
           <a:p>
-            <a:r>
-              <a:rPr b="0" lang="en-US" sz="1800" spc="-1" strike="noStrike">
+            <a:pPr algn="ctr"/>
+            <a:r>
+              <a:rPr b="0" lang="en-US" sz="4400" spc="-1" strike="noStrike">
                 <a:solidFill>
                   <a:srgbClr val="000000"/>
                 </a:solidFill>
@@ -91,7 +92,7 @@
               </a:rPr>
               <a:t>Click to move the slide</a:t>
             </a:r>
-            <a:endParaRPr b="0" lang="en-US" sz="1800" spc="-1" strike="noStrike">
+            <a:endParaRPr b="0" lang="en-US" sz="4400" spc="-1" strike="noStrike">
               <a:solidFill>
                 <a:srgbClr val="000000"/>
               </a:solidFill>
@@ -102,7 +103,7 @@
       </p:sp>
       <p:sp>
         <p:nvSpPr>
-          <p:cNvPr id="40" name="PlaceHolder 2"/>
+          <p:cNvPr id="35" name="PlaceHolder 2"/>
           <p:cNvSpPr>
             <a:spLocks noGrp="1"/>
           </p:cNvSpPr>
@@ -151,7 +152,7 @@
       </p:sp>
       <p:sp>
         <p:nvSpPr>
-          <p:cNvPr id="41" name="PlaceHolder 3"/>
+          <p:cNvPr id="36" name="PlaceHolder 3"/>
           <p:cNvSpPr>
             <a:spLocks noGrp="1"/>
           </p:cNvSpPr>
@@ -200,7 +201,7 @@
       </p:sp>
       <p:sp>
         <p:nvSpPr>
-          <p:cNvPr id="42" name="PlaceHolder 4"/>
+          <p:cNvPr id="37" name="PlaceHolder 4"/>
           <p:cNvSpPr>
             <a:spLocks noGrp="1"/>
           </p:cNvSpPr>
@@ -260,7 +261,7 @@
       </p:sp>
       <p:sp>
         <p:nvSpPr>
-          <p:cNvPr id="43" name="PlaceHolder 5"/>
+          <p:cNvPr id="38" name="PlaceHolder 5"/>
           <p:cNvSpPr>
             <a:spLocks noGrp="1"/>
           </p:cNvSpPr>
@@ -320,7 +321,7 @@
       </p:sp>
       <p:sp>
         <p:nvSpPr>
-          <p:cNvPr id="44" name="PlaceHolder 6"/>
+          <p:cNvPr id="39" name="PlaceHolder 6"/>
           <p:cNvSpPr>
             <a:spLocks noGrp="1"/>
           </p:cNvSpPr>
@@ -360,7 +361,7 @@
             <a:pPr indent="0" algn="r">
               <a:buNone/>
             </a:pPr>
-            <a:fld id="{A6BAB993-71C6-4FF3-AD42-A80610C8D46C}" type="slidenum">
+            <a:fld id="{7FE06D81-3D97-4C02-ABCB-A92024AF13FF}" type="slidenum">
               <a:rPr b="0" lang="en-US" sz="1400" spc="-1" strike="noStrike">
                 <a:solidFill>
                   <a:srgbClr val="000000"/>
@@ -403,7 +404,7 @@
       </p:grpSpPr>
       <p:sp>
         <p:nvSpPr>
-          <p:cNvPr id="158" name="PlaceHolder 1"/>
+          <p:cNvPr id="153" name="PlaceHolder 1"/>
           <p:cNvSpPr>
             <a:spLocks noGrp="1"/>
           </p:cNvSpPr>
@@ -414,7 +415,7 @@
         <p:spPr>
           <a:xfrm>
             <a:off x="1371600" y="1143000"/>
-            <a:ext cx="4114440" cy="3085920"/>
+            <a:ext cx="4114080" cy="3085560"/>
           </a:xfrm>
           <a:prstGeom prst="rect">
             <a:avLst/>
@@ -426,7 +427,7 @@
       </p:sp>
       <p:sp>
         <p:nvSpPr>
-          <p:cNvPr id="159" name="PlaceHolder 2"/>
+          <p:cNvPr id="154" name="PlaceHolder 2"/>
           <p:cNvSpPr>
             <a:spLocks noGrp="1"/>
           </p:cNvSpPr>
@@ -437,7 +438,7 @@
         <p:spPr>
           <a:xfrm>
             <a:off x="685800" y="4400640"/>
-            <a:ext cx="5486040" cy="3600000"/>
+            <a:ext cx="5485680" cy="3599640"/>
           </a:xfrm>
           <a:prstGeom prst="rect">
             <a:avLst/>
@@ -457,6 +458,9 @@
                 <a:spcPct val="100000"/>
               </a:lnSpc>
               <a:buNone/>
+              <a:tabLst>
+                <a:tab algn="l" pos="0"/>
+              </a:tabLst>
             </a:pPr>
             <a:endParaRPr b="0" lang="en-US" sz="2000" spc="-1" strike="noStrike">
               <a:solidFill>
@@ -471,6 +475,9 @@
                 <a:spcPct val="100000"/>
               </a:lnSpc>
               <a:buNone/>
+              <a:tabLst>
+                <a:tab algn="l" pos="0"/>
+              </a:tabLst>
             </a:pPr>
             <a:r>
               <a:rPr b="0" lang="en-US" sz="2000" spc="-1" strike="noStrike">
@@ -494,6 +501,9 @@
                 <a:spcPct val="100000"/>
               </a:lnSpc>
               <a:buNone/>
+              <a:tabLst>
+                <a:tab algn="l" pos="0"/>
+              </a:tabLst>
             </a:pPr>
             <a:endParaRPr b="0" lang="en-US" sz="2000" spc="-1" strike="noStrike">
               <a:solidFill>
@@ -506,7 +516,7 @@
       </p:sp>
       <p:sp>
         <p:nvSpPr>
-          <p:cNvPr id="160" name="PlaceHolder 3"/>
+          <p:cNvPr id="155" name="PlaceHolder 3"/>
           <p:cNvSpPr>
             <a:spLocks noGrp="1"/>
           </p:cNvSpPr>
@@ -517,7 +527,7 @@
         <p:spPr>
           <a:xfrm>
             <a:off x="3884760" y="8685360"/>
-            <a:ext cx="2971440" cy="458280"/>
+            <a:ext cx="2971080" cy="457920"/>
           </a:xfrm>
           <a:prstGeom prst="rect">
             <a:avLst/>
@@ -537,6 +547,9 @@
                 <a:spcPct val="100000"/>
               </a:lnSpc>
               <a:buNone/>
+              <a:tabLst>
+                <a:tab algn="l" pos="0"/>
+              </a:tabLst>
               <a:defRPr b="0" lang="en-US" sz="1200" spc="-1" strike="noStrike">
                 <a:solidFill>
                   <a:srgbClr val="000000"/>
@@ -552,8 +565,11 @@
                 <a:spcPct val="100000"/>
               </a:lnSpc>
               <a:buNone/>
-            </a:pPr>
-            <a:fld id="{5EFE7AB2-8258-4F92-9D00-7CDE0503DD6B}" type="slidenum">
+              <a:tabLst>
+                <a:tab algn="l" pos="0"/>
+              </a:tabLst>
+            </a:pPr>
+            <a:fld id="{88D953E7-3363-4779-BD16-1DF08718022E}" type="slidenum">
               <a:rPr b="0" lang="en-US" sz="1200" spc="-1" strike="noStrike">
                 <a:solidFill>
                   <a:srgbClr val="000000"/>
@@ -606,8 +622,8 @@
         </p:nvSpPr>
         <p:spPr>
           <a:xfrm>
-            <a:off x="623880" y="1709640"/>
-            <a:ext cx="7886520" cy="2852280"/>
+            <a:off x="457200" y="273600"/>
+            <a:ext cx="8229240" cy="1144800"/>
           </a:xfrm>
           <a:prstGeom prst="rect">
             <a:avLst/>
@@ -622,10 +638,10 @@
             <a:noAutofit/>
           </a:bodyPr>
           <a:p>
-            <a:pPr indent="0">
+            <a:pPr indent="0" algn="ctr">
               <a:buNone/>
             </a:pPr>
-            <a:endParaRPr b="0" lang="en-US" sz="1800" spc="-1" strike="noStrike">
+            <a:endParaRPr b="0" lang="en-US" sz="4400" spc="-1" strike="noStrike">
               <a:solidFill>
                 <a:srgbClr val="000000"/>
               </a:solidFill>
@@ -646,8 +662,8 @@
         </p:nvSpPr>
         <p:spPr>
           <a:xfrm>
-            <a:off x="623880" y="4589640"/>
-            <a:ext cx="7886520" cy="1499760"/>
+            <a:off x="457200" y="1604520"/>
+            <a:ext cx="8229240" cy="3977280"/>
           </a:xfrm>
           <a:prstGeom prst="rect">
             <a:avLst/>
@@ -778,7 +794,7 @@
         <p:spPr>
           <a:xfrm>
             <a:off x="0" y="659520"/>
-            <a:ext cx="9143640" cy="5747400"/>
+            <a:ext cx="9143280" cy="5747040"/>
           </a:xfrm>
           <a:prstGeom prst="rect">
             <a:avLst/>
@@ -803,11 +819,17 @@
             <a:noAutofit/>
           </a:bodyPr>
           <a:p>
+            <a:pPr>
+              <a:lnSpc>
+                <a:spcPct val="100000"/>
+              </a:lnSpc>
+            </a:pPr>
             <a:endParaRPr b="0" lang="en-US" sz="1800" spc="-1" strike="noStrike">
               <a:solidFill>
                 <a:srgbClr val="ffffff"/>
               </a:solidFill>
               <a:latin typeface="Arial"/>
+              <a:ea typeface="DejaVu Sans"/>
             </a:endParaRPr>
           </a:p>
         </p:txBody>
@@ -821,7 +843,7 @@
         <p:spPr>
           <a:xfrm>
             <a:off x="0" y="6427080"/>
-            <a:ext cx="9143640" cy="430560"/>
+            <a:ext cx="9143280" cy="430200"/>
           </a:xfrm>
           <a:prstGeom prst="rect">
             <a:avLst/>
@@ -844,11 +866,17 @@
             <a:noAutofit/>
           </a:bodyPr>
           <a:p>
+            <a:pPr>
+              <a:lnSpc>
+                <a:spcPct val="100000"/>
+              </a:lnSpc>
+            </a:pPr>
             <a:endParaRPr b="0" lang="en-US" sz="1800" spc="-1" strike="noStrike">
               <a:solidFill>
                 <a:srgbClr val="ffffff"/>
               </a:solidFill>
               <a:latin typeface="Arial"/>
+              <a:ea typeface="DejaVu Sans"/>
             </a:endParaRPr>
           </a:p>
         </p:txBody>
@@ -862,7 +890,7 @@
         <p:spPr>
           <a:xfrm>
             <a:off x="0" y="0"/>
-            <a:ext cx="9143640" cy="633240"/>
+            <a:ext cx="9143280" cy="632880"/>
           </a:xfrm>
           <a:prstGeom prst="rect">
             <a:avLst/>
@@ -885,11 +913,17 @@
             <a:noAutofit/>
           </a:bodyPr>
           <a:p>
+            <a:pPr>
+              <a:lnSpc>
+                <a:spcPct val="100000"/>
+              </a:lnSpc>
+            </a:pPr>
             <a:endParaRPr b="0" lang="en-US" sz="1800" spc="-1" strike="noStrike">
               <a:solidFill>
                 <a:srgbClr val="ffffff"/>
               </a:solidFill>
               <a:latin typeface="Arial"/>
+              <a:ea typeface="DejaVu Sans"/>
             </a:endParaRPr>
           </a:p>
         </p:txBody>
@@ -931,6 +965,7 @@
                 <a:srgbClr val="000000"/>
               </a:solidFill>
               <a:latin typeface="Arial"/>
+              <a:ea typeface="DejaVu Sans"/>
             </a:endParaRPr>
           </a:p>
         </p:txBody>
@@ -972,6 +1007,7 @@
                 <a:srgbClr val="000000"/>
               </a:solidFill>
               <a:latin typeface="Arial"/>
+              <a:ea typeface="DejaVu Sans"/>
             </a:endParaRPr>
           </a:p>
         </p:txBody>
@@ -989,7 +1025,7 @@
         <p:spPr>
           <a:xfrm>
             <a:off x="231480" y="192240"/>
-            <a:ext cx="2923920" cy="241920"/>
+            <a:ext cx="2923560" cy="241560"/>
           </a:xfrm>
           <a:prstGeom prst="rect">
             <a:avLst/>
@@ -1006,76 +1042,13 @@
             <a:spLocks noGrp="1"/>
           </p:cNvSpPr>
           <p:nvPr>
-            <p:ph type="body"/>
-          </p:nvPr>
-        </p:nvSpPr>
-        <p:spPr>
-          <a:xfrm>
-            <a:off x="260280" y="6480720"/>
-            <a:ext cx="8623080" cy="376920"/>
-          </a:xfrm>
-          <a:prstGeom prst="rect">
-            <a:avLst/>
-          </a:prstGeom>
-          <a:noFill/>
-          <a:ln w="0">
-            <a:noFill/>
-          </a:ln>
-        </p:spPr>
-        <p:txBody>
-          <a:bodyPr lIns="90000" rIns="90000" tIns="45000" bIns="45000" anchor="t">
-            <a:noAutofit/>
-          </a:bodyPr>
-          <a:p>
-            <a:pPr marL="432000" indent="-324000" algn="ctr">
-              <a:lnSpc>
-                <a:spcPct val="90000"/>
-              </a:lnSpc>
-              <a:spcBef>
-                <a:spcPts val="1001"/>
-              </a:spcBef>
-              <a:buClr>
-                <a:srgbClr val="000000"/>
-              </a:buClr>
-              <a:buSzPct val="45000"/>
-              <a:buFont typeface="Wingdings" charset="2"/>
-              <a:buChar char=""/>
-              <a:tabLst>
-                <a:tab algn="l" pos="0"/>
-              </a:tabLst>
-            </a:pPr>
-            <a:r>
-              <a:rPr b="0" lang="en-US" sz="1800" spc="-1" strike="noStrike">
-                <a:solidFill>
-                  <a:srgbClr val="ffffff"/>
-                </a:solidFill>
-                <a:latin typeface="Arial"/>
-              </a:rPr>
-              <a:t>Department or Office Name</a:t>
-            </a:r>
-            <a:endParaRPr b="0" lang="en-US" sz="1800" spc="-1" strike="noStrike">
-              <a:solidFill>
-                <a:srgbClr val="000000"/>
-              </a:solidFill>
-              <a:latin typeface="Arial"/>
-            </a:endParaRPr>
-          </a:p>
-        </p:txBody>
-      </p:sp>
-      <p:sp>
-        <p:nvSpPr>
-          <p:cNvPr id="7" name="PlaceHolder 2"/>
-          <p:cNvSpPr>
-            <a:spLocks noGrp="1"/>
-          </p:cNvSpPr>
-          <p:nvPr>
             <p:ph type="title"/>
           </p:nvPr>
         </p:nvSpPr>
         <p:spPr>
           <a:xfrm>
-            <a:off x="457200" y="273600"/>
-            <a:ext cx="8229240" cy="1144800"/>
+            <a:off x="623880" y="1709640"/>
+            <a:ext cx="7886160" cy="2851920"/>
           </a:xfrm>
           <a:prstGeom prst="rect">
             <a:avLst/>
@@ -1103,6 +1076,231 @@
               <a:t>Click to edit the title text format</a:t>
             </a:r>
             <a:endParaRPr b="0" lang="en-US" sz="1800" spc="-1" strike="noStrike">
+              <a:solidFill>
+                <a:srgbClr val="000000"/>
+              </a:solidFill>
+              <a:latin typeface="Arial"/>
+            </a:endParaRPr>
+          </a:p>
+        </p:txBody>
+      </p:sp>
+      <p:sp>
+        <p:nvSpPr>
+          <p:cNvPr id="7" name="PlaceHolder 2"/>
+          <p:cNvSpPr>
+            <a:spLocks noGrp="1"/>
+          </p:cNvSpPr>
+          <p:nvPr>
+            <p:ph type="body"/>
+          </p:nvPr>
+        </p:nvSpPr>
+        <p:spPr>
+          <a:xfrm>
+            <a:off x="457200" y="1604520"/>
+            <a:ext cx="8229240" cy="3977280"/>
+          </a:xfrm>
+          <a:prstGeom prst="rect">
+            <a:avLst/>
+          </a:prstGeom>
+          <a:noFill/>
+          <a:ln w="0">
+            <a:noFill/>
+          </a:ln>
+        </p:spPr>
+        <p:txBody>
+          <a:bodyPr lIns="0" rIns="0" tIns="0" bIns="0" anchor="t">
+            <a:normAutofit/>
+          </a:bodyPr>
+          <a:p>
+            <a:pPr marL="432000" indent="-324000">
+              <a:spcBef>
+                <a:spcPts val="1417"/>
+              </a:spcBef>
+              <a:buClr>
+                <a:srgbClr val="000000"/>
+              </a:buClr>
+              <a:buSzPct val="45000"/>
+              <a:buFont typeface="Wingdings" charset="2"/>
+              <a:buChar char=""/>
+            </a:pPr>
+            <a:r>
+              <a:rPr b="0" lang="en-US" sz="3200" spc="-1" strike="noStrike">
+                <a:solidFill>
+                  <a:srgbClr val="000000"/>
+                </a:solidFill>
+                <a:latin typeface="Arial"/>
+              </a:rPr>
+              <a:t>Click to edit the outline text format</a:t>
+            </a:r>
+            <a:endParaRPr b="0" lang="en-US" sz="3200" spc="-1" strike="noStrike">
+              <a:solidFill>
+                <a:srgbClr val="000000"/>
+              </a:solidFill>
+              <a:latin typeface="Arial"/>
+            </a:endParaRPr>
+          </a:p>
+          <a:p>
+            <a:pPr lvl="1" marL="864000" indent="-324000">
+              <a:spcBef>
+                <a:spcPts val="1134"/>
+              </a:spcBef>
+              <a:buClr>
+                <a:srgbClr val="000000"/>
+              </a:buClr>
+              <a:buSzPct val="75000"/>
+              <a:buFont typeface="Symbol" charset="2"/>
+              <a:buChar char=""/>
+            </a:pPr>
+            <a:r>
+              <a:rPr b="0" lang="en-US" sz="2800" spc="-1" strike="noStrike">
+                <a:solidFill>
+                  <a:srgbClr val="000000"/>
+                </a:solidFill>
+                <a:latin typeface="Arial"/>
+              </a:rPr>
+              <a:t>Second Outline Level</a:t>
+            </a:r>
+            <a:endParaRPr b="0" lang="en-US" sz="2800" spc="-1" strike="noStrike">
+              <a:solidFill>
+                <a:srgbClr val="000000"/>
+              </a:solidFill>
+              <a:latin typeface="Arial"/>
+            </a:endParaRPr>
+          </a:p>
+          <a:p>
+            <a:pPr lvl="2" marL="1296000" indent="-288000">
+              <a:spcBef>
+                <a:spcPts val="850"/>
+              </a:spcBef>
+              <a:buClr>
+                <a:srgbClr val="000000"/>
+              </a:buClr>
+              <a:buSzPct val="45000"/>
+              <a:buFont typeface="Wingdings" charset="2"/>
+              <a:buChar char=""/>
+            </a:pPr>
+            <a:r>
+              <a:rPr b="0" lang="en-US" sz="2400" spc="-1" strike="noStrike">
+                <a:solidFill>
+                  <a:srgbClr val="000000"/>
+                </a:solidFill>
+                <a:latin typeface="Arial"/>
+              </a:rPr>
+              <a:t>Third Outline Level</a:t>
+            </a:r>
+            <a:endParaRPr b="0" lang="en-US" sz="2400" spc="-1" strike="noStrike">
+              <a:solidFill>
+                <a:srgbClr val="000000"/>
+              </a:solidFill>
+              <a:latin typeface="Arial"/>
+            </a:endParaRPr>
+          </a:p>
+          <a:p>
+            <a:pPr lvl="3" marL="1728000" indent="-216000">
+              <a:spcBef>
+                <a:spcPts val="567"/>
+              </a:spcBef>
+              <a:buClr>
+                <a:srgbClr val="000000"/>
+              </a:buClr>
+              <a:buSzPct val="75000"/>
+              <a:buFont typeface="Symbol" charset="2"/>
+              <a:buChar char=""/>
+            </a:pPr>
+            <a:r>
+              <a:rPr b="0" lang="en-US" sz="2000" spc="-1" strike="noStrike">
+                <a:solidFill>
+                  <a:srgbClr val="000000"/>
+                </a:solidFill>
+                <a:latin typeface="Arial"/>
+              </a:rPr>
+              <a:t>Fourth Outline Level</a:t>
+            </a:r>
+            <a:endParaRPr b="0" lang="en-US" sz="2000" spc="-1" strike="noStrike">
+              <a:solidFill>
+                <a:srgbClr val="000000"/>
+              </a:solidFill>
+              <a:latin typeface="Arial"/>
+            </a:endParaRPr>
+          </a:p>
+          <a:p>
+            <a:pPr lvl="4" marL="2160000" indent="-216000">
+              <a:spcBef>
+                <a:spcPts val="283"/>
+              </a:spcBef>
+              <a:buClr>
+                <a:srgbClr val="000000"/>
+              </a:buClr>
+              <a:buSzPct val="45000"/>
+              <a:buFont typeface="Wingdings" charset="2"/>
+              <a:buChar char=""/>
+            </a:pPr>
+            <a:r>
+              <a:rPr b="0" lang="en-US" sz="2000" spc="-1" strike="noStrike">
+                <a:solidFill>
+                  <a:srgbClr val="000000"/>
+                </a:solidFill>
+                <a:latin typeface="Arial"/>
+              </a:rPr>
+              <a:t>Fifth Outline Level</a:t>
+            </a:r>
+            <a:endParaRPr b="0" lang="en-US" sz="2000" spc="-1" strike="noStrike">
+              <a:solidFill>
+                <a:srgbClr val="000000"/>
+              </a:solidFill>
+              <a:latin typeface="Arial"/>
+            </a:endParaRPr>
+          </a:p>
+          <a:p>
+            <a:pPr lvl="5" marL="2592000" indent="-216000">
+              <a:spcBef>
+                <a:spcPts val="283"/>
+              </a:spcBef>
+              <a:buClr>
+                <a:srgbClr val="000000"/>
+              </a:buClr>
+              <a:buSzPct val="45000"/>
+              <a:buFont typeface="Wingdings" charset="2"/>
+              <a:buChar char=""/>
+            </a:pPr>
+            <a:r>
+              <a:rPr b="0" lang="en-US" sz="2000" spc="-1" strike="noStrike">
+                <a:solidFill>
+                  <a:srgbClr val="000000"/>
+                </a:solidFill>
+                <a:latin typeface="Arial"/>
+              </a:rPr>
+              <a:t>Sixth Outline Level</a:t>
+            </a:r>
+            <a:endParaRPr b="0" lang="en-US" sz="2000" spc="-1" strike="noStrike">
+              <a:solidFill>
+                <a:srgbClr val="000000"/>
+              </a:solidFill>
+              <a:latin typeface="Arial"/>
+            </a:endParaRPr>
+          </a:p>
+          <a:p>
+            <a:pPr lvl="6" marL="3024000" indent="-216000">
+              <a:spcBef>
+                <a:spcPts val="283"/>
+              </a:spcBef>
+              <a:buClr>
+                <a:srgbClr val="000000"/>
+              </a:buClr>
+              <a:buSzPct val="45000"/>
+              <a:buFont typeface="Wingdings" charset="2"/>
+              <a:buChar char=""/>
+            </a:pPr>
+            <a:r>
+              <a:rPr b="0" lang="en-US" sz="2000" spc="-1" strike="noStrike">
+                <a:solidFill>
+                  <a:srgbClr val="000000"/>
+                </a:solidFill>
+                <a:latin typeface="Arial"/>
+              </a:rPr>
+              <a:t>Seventh Outline Level</a:t>
+            </a:r>
+            <a:endParaRPr b="0" lang="en-US" sz="2000" spc="-1" strike="noStrike">
               <a:solidFill>
                 <a:srgbClr val="000000"/>
               </a:solidFill>
@@ -1153,7 +1351,7 @@
         <p:spPr>
           <a:xfrm>
             <a:off x="0" y="659520"/>
-            <a:ext cx="9143640" cy="5747400"/>
+            <a:ext cx="9143280" cy="5747040"/>
           </a:xfrm>
           <a:prstGeom prst="rect">
             <a:avLst/>
@@ -1178,11 +1376,17 @@
             <a:noAutofit/>
           </a:bodyPr>
           <a:p>
+            <a:pPr>
+              <a:lnSpc>
+                <a:spcPct val="100000"/>
+              </a:lnSpc>
+            </a:pPr>
             <a:endParaRPr b="0" lang="en-US" sz="1800" spc="-1" strike="noStrike">
               <a:solidFill>
                 <a:srgbClr val="ffffff"/>
               </a:solidFill>
               <a:latin typeface="Arial"/>
+              <a:ea typeface="DejaVu Sans"/>
             </a:endParaRPr>
           </a:p>
         </p:txBody>
@@ -1196,7 +1400,7 @@
         <p:spPr>
           <a:xfrm>
             <a:off x="0" y="6427080"/>
-            <a:ext cx="9143640" cy="430560"/>
+            <a:ext cx="9143280" cy="430200"/>
           </a:xfrm>
           <a:prstGeom prst="rect">
             <a:avLst/>
@@ -1219,11 +1423,17 @@
             <a:noAutofit/>
           </a:bodyPr>
           <a:p>
+            <a:pPr>
+              <a:lnSpc>
+                <a:spcPct val="100000"/>
+              </a:lnSpc>
+            </a:pPr>
             <a:endParaRPr b="0" lang="en-US" sz="1800" spc="-1" strike="noStrike">
               <a:solidFill>
                 <a:srgbClr val="ffffff"/>
               </a:solidFill>
               <a:latin typeface="Arial"/>
+              <a:ea typeface="DejaVu Sans"/>
             </a:endParaRPr>
           </a:p>
         </p:txBody>
@@ -1237,7 +1447,7 @@
         <p:spPr>
           <a:xfrm>
             <a:off x="0" y="0"/>
-            <a:ext cx="9143640" cy="633240"/>
+            <a:ext cx="9143280" cy="632880"/>
           </a:xfrm>
           <a:prstGeom prst="rect">
             <a:avLst/>
@@ -1260,11 +1470,17 @@
             <a:noAutofit/>
           </a:bodyPr>
           <a:p>
+            <a:pPr>
+              <a:lnSpc>
+                <a:spcPct val="100000"/>
+              </a:lnSpc>
+            </a:pPr>
             <a:endParaRPr b="0" lang="en-US" sz="1800" spc="-1" strike="noStrike">
               <a:solidFill>
                 <a:srgbClr val="ffffff"/>
               </a:solidFill>
               <a:latin typeface="Arial"/>
+              <a:ea typeface="DejaVu Sans"/>
             </a:endParaRPr>
           </a:p>
         </p:txBody>
@@ -1306,6 +1522,7 @@
                 <a:srgbClr val="000000"/>
               </a:solidFill>
               <a:latin typeface="Arial"/>
+              <a:ea typeface="DejaVu Sans"/>
             </a:endParaRPr>
           </a:p>
         </p:txBody>
@@ -1347,6 +1564,7 @@
                 <a:srgbClr val="000000"/>
               </a:solidFill>
               <a:latin typeface="Arial"/>
+              <a:ea typeface="DejaVu Sans"/>
             </a:endParaRPr>
           </a:p>
         </p:txBody>
@@ -1364,7 +1582,7 @@
         <p:spPr>
           <a:xfrm>
             <a:off x="231480" y="192240"/>
-            <a:ext cx="2923920" cy="241920"/>
+            <a:ext cx="2923560" cy="241560"/>
           </a:xfrm>
           <a:prstGeom prst="rect">
             <a:avLst/>
@@ -1386,8 +1604,8 @@
         </p:nvSpPr>
         <p:spPr>
           <a:xfrm>
-            <a:off x="235080" y="807120"/>
-            <a:ext cx="8676000" cy="1325160"/>
+            <a:off x="457200" y="273600"/>
+            <a:ext cx="8229240" cy="1144800"/>
           </a:xfrm>
           <a:prstGeom prst="rect">
             <a:avLst/>
@@ -1398,14 +1616,11 @@
           </a:ln>
         </p:spPr>
         <p:txBody>
-          <a:bodyPr lIns="90000" rIns="90000" tIns="45000" bIns="45000" anchor="t">
+          <a:bodyPr lIns="0" rIns="0" tIns="0" bIns="0" anchor="ctr">
             <a:noAutofit/>
           </a:bodyPr>
           <a:p>
-            <a:pPr indent="0">
-              <a:lnSpc>
-                <a:spcPct val="90000"/>
-              </a:lnSpc>
+            <a:pPr indent="0" algn="ctr">
               <a:buNone/>
             </a:pPr>
             <a:r>
@@ -1415,61 +1630,7 @@
                 </a:solidFill>
                 <a:latin typeface="Arial"/>
               </a:rPr>
-              <a:t>Clic</a:t>
-            </a:r>
-            <a:r>
-              <a:rPr b="0" lang="en-US" sz="4400" spc="-1" strike="noStrike">
-                <a:solidFill>
-                  <a:srgbClr val="000000"/>
-                </a:solidFill>
-                <a:latin typeface="Arial"/>
-              </a:rPr>
-              <a:t>k to </a:t>
-            </a:r>
-            <a:r>
-              <a:rPr b="0" lang="en-US" sz="4400" spc="-1" strike="noStrike">
-                <a:solidFill>
-                  <a:srgbClr val="000000"/>
-                </a:solidFill>
-                <a:latin typeface="Arial"/>
-              </a:rPr>
-              <a:t>edit </a:t>
-            </a:r>
-            <a:r>
-              <a:rPr b="0" lang="en-US" sz="4400" spc="-1" strike="noStrike">
-                <a:solidFill>
-                  <a:srgbClr val="000000"/>
-                </a:solidFill>
-                <a:latin typeface="Arial"/>
-              </a:rPr>
-              <a:t>Mas</a:t>
-            </a:r>
-            <a:r>
-              <a:rPr b="0" lang="en-US" sz="4400" spc="-1" strike="noStrike">
-                <a:solidFill>
-                  <a:srgbClr val="000000"/>
-                </a:solidFill>
-                <a:latin typeface="Arial"/>
-              </a:rPr>
-              <a:t>ter </a:t>
-            </a:r>
-            <a:r>
-              <a:rPr b="0" lang="en-US" sz="4400" spc="-1" strike="noStrike">
-                <a:solidFill>
-                  <a:srgbClr val="000000"/>
-                </a:solidFill>
-                <a:latin typeface="Arial"/>
-              </a:rPr>
-              <a:t>title </a:t>
-            </a:r>
-            <a:r>
-              <a:rPr b="0" lang="en-US" sz="4400" spc="-1" strike="noStrike">
-                <a:solidFill>
-                  <a:srgbClr val="000000"/>
-                </a:solidFill>
-                <a:latin typeface="Arial"/>
-              </a:rPr>
-              <a:t>style</a:t>
+              <a:t>Click to edit the title text format</a:t>
             </a:r>
             <a:endParaRPr b="0" lang="en-US" sz="4400" spc="-1" strike="noStrike">
               <a:solidFill>
@@ -1492,8 +1653,8 @@
         </p:nvSpPr>
         <p:spPr>
           <a:xfrm>
-            <a:off x="628560" y="1825560"/>
-            <a:ext cx="3885840" cy="4350960"/>
+            <a:off x="457200" y="1604520"/>
+            <a:ext cx="8229240" cy="3977280"/>
           </a:xfrm>
           <a:prstGeom prst="rect">
             <a:avLst/>
@@ -1504,16 +1665,13 @@
           </a:ln>
         </p:spPr>
         <p:txBody>
-          <a:bodyPr lIns="90000" rIns="90000" tIns="45000" bIns="45000" anchor="t">
-            <a:noAutofit/>
+          <a:bodyPr lIns="0" rIns="0" tIns="0" bIns="0" anchor="t">
+            <a:normAutofit/>
           </a:bodyPr>
           <a:p>
             <a:pPr marL="432000" indent="-324000">
-              <a:lnSpc>
-                <a:spcPct val="90000"/>
-              </a:lnSpc>
               <a:spcBef>
-                <a:spcPts val="1001"/>
+                <a:spcPts val="1417"/>
               </a:spcBef>
               <a:buClr>
                 <a:srgbClr val="000000"/>
@@ -1523,15 +1681,15 @@
               <a:buChar char=""/>
             </a:pPr>
             <a:r>
-              <a:rPr b="0" lang="en-US" sz="2800" spc="-1" strike="noStrike">
-                <a:solidFill>
-                  <a:srgbClr val="000000"/>
-                </a:solidFill>
-                <a:latin typeface="Arial"/>
-              </a:rPr>
-              <a:t>Edit Master text styles</a:t>
-            </a:r>
-            <a:endParaRPr b="0" lang="en-US" sz="2800" spc="-1" strike="noStrike">
+              <a:rPr b="0" lang="en-US" sz="3200" spc="-1" strike="noStrike">
+                <a:solidFill>
+                  <a:srgbClr val="000000"/>
+                </a:solidFill>
+                <a:latin typeface="Arial"/>
+              </a:rPr>
+              <a:t>Click to edit the outline text format</a:t>
+            </a:r>
+            <a:endParaRPr b="0" lang="en-US" sz="3200" spc="-1" strike="noStrike">
               <a:solidFill>
                 <a:srgbClr val="000000"/>
               </a:solidFill>
@@ -1540,11 +1698,8 @@
           </a:p>
           <a:p>
             <a:pPr lvl="1" marL="864000" indent="-324000">
-              <a:lnSpc>
-                <a:spcPct val="90000"/>
-              </a:lnSpc>
               <a:spcBef>
-                <a:spcPts val="499"/>
+                <a:spcPts val="1134"/>
               </a:spcBef>
               <a:buClr>
                 <a:srgbClr val="000000"/>
@@ -1554,15 +1709,15 @@
               <a:buChar char=""/>
             </a:pPr>
             <a:r>
-              <a:rPr b="0" lang="en-US" sz="2400" spc="-1" strike="noStrike">
-                <a:solidFill>
-                  <a:srgbClr val="000000"/>
-                </a:solidFill>
-                <a:latin typeface="Arial"/>
-              </a:rPr>
-              <a:t>Second level</a:t>
-            </a:r>
-            <a:endParaRPr b="0" lang="en-US" sz="2400" spc="-1" strike="noStrike">
+              <a:rPr b="0" lang="en-US" sz="2800" spc="-1" strike="noStrike">
+                <a:solidFill>
+                  <a:srgbClr val="000000"/>
+                </a:solidFill>
+                <a:latin typeface="Arial"/>
+              </a:rPr>
+              <a:t>Second Outline Level</a:t>
+            </a:r>
+            <a:endParaRPr b="0" lang="en-US" sz="2800" spc="-1" strike="noStrike">
               <a:solidFill>
                 <a:srgbClr val="000000"/>
               </a:solidFill>
@@ -1571,11 +1726,8 @@
           </a:p>
           <a:p>
             <a:pPr lvl="2" marL="1296000" indent="-288000">
-              <a:lnSpc>
-                <a:spcPct val="90000"/>
-              </a:lnSpc>
               <a:spcBef>
-                <a:spcPts val="499"/>
+                <a:spcPts val="850"/>
               </a:spcBef>
               <a:buClr>
                 <a:srgbClr val="000000"/>
@@ -1585,15 +1737,15 @@
               <a:buChar char=""/>
             </a:pPr>
             <a:r>
-              <a:rPr b="0" lang="en-US" sz="2000" spc="-1" strike="noStrike">
-                <a:solidFill>
-                  <a:srgbClr val="000000"/>
-                </a:solidFill>
-                <a:latin typeface="Arial"/>
-              </a:rPr>
-              <a:t>Third level</a:t>
-            </a:r>
-            <a:endParaRPr b="0" lang="en-US" sz="2000" spc="-1" strike="noStrike">
+              <a:rPr b="0" lang="en-US" sz="2400" spc="-1" strike="noStrike">
+                <a:solidFill>
+                  <a:srgbClr val="000000"/>
+                </a:solidFill>
+                <a:latin typeface="Arial"/>
+              </a:rPr>
+              <a:t>Third Outline Level</a:t>
+            </a:r>
+            <a:endParaRPr b="0" lang="en-US" sz="2400" spc="-1" strike="noStrike">
               <a:solidFill>
                 <a:srgbClr val="000000"/>
               </a:solidFill>
@@ -1602,11 +1754,8 @@
           </a:p>
           <a:p>
             <a:pPr lvl="3" marL="1728000" indent="-216000">
-              <a:lnSpc>
-                <a:spcPct val="90000"/>
-              </a:lnSpc>
               <a:spcBef>
-                <a:spcPts val="499"/>
+                <a:spcPts val="567"/>
               </a:spcBef>
               <a:buClr>
                 <a:srgbClr val="000000"/>
@@ -1616,15 +1765,15 @@
               <a:buChar char=""/>
             </a:pPr>
             <a:r>
-              <a:rPr b="0" lang="en-US" sz="1800" spc="-1" strike="noStrike">
-                <a:solidFill>
-                  <a:srgbClr val="000000"/>
-                </a:solidFill>
-                <a:latin typeface="Arial"/>
-              </a:rPr>
-              <a:t>Fourth level</a:t>
-            </a:r>
-            <a:endParaRPr b="0" lang="en-US" sz="1800" spc="-1" strike="noStrike">
+              <a:rPr b="0" lang="en-US" sz="2000" spc="-1" strike="noStrike">
+                <a:solidFill>
+                  <a:srgbClr val="000000"/>
+                </a:solidFill>
+                <a:latin typeface="Arial"/>
+              </a:rPr>
+              <a:t>Fourth Outline Level</a:t>
+            </a:r>
+            <a:endParaRPr b="0" lang="en-US" sz="2000" spc="-1" strike="noStrike">
               <a:solidFill>
                 <a:srgbClr val="000000"/>
               </a:solidFill>
@@ -1633,11 +1782,8 @@
           </a:p>
           <a:p>
             <a:pPr lvl="4" marL="2160000" indent="-216000">
-              <a:lnSpc>
-                <a:spcPct val="90000"/>
-              </a:lnSpc>
               <a:spcBef>
-                <a:spcPts val="499"/>
+                <a:spcPts val="283"/>
               </a:spcBef>
               <a:buClr>
                 <a:srgbClr val="000000"/>
@@ -1647,123 +1793,60 @@
               <a:buChar char=""/>
             </a:pPr>
             <a:r>
-              <a:rPr b="0" lang="en-US" sz="1800" spc="-1" strike="noStrike">
-                <a:solidFill>
-                  <a:srgbClr val="000000"/>
-                </a:solidFill>
-                <a:latin typeface="Arial"/>
-              </a:rPr>
-              <a:t>Fifth level</a:t>
-            </a:r>
-            <a:endParaRPr b="0" lang="en-US" sz="1800" spc="-1" strike="noStrike">
-              <a:solidFill>
-                <a:srgbClr val="000000"/>
-              </a:solidFill>
-              <a:latin typeface="Arial"/>
-            </a:endParaRPr>
-          </a:p>
-        </p:txBody>
-      </p:sp>
-      <p:sp>
-        <p:nvSpPr>
-          <p:cNvPr id="18" name="PlaceHolder 3"/>
-          <p:cNvSpPr>
-            <a:spLocks noGrp="1"/>
-          </p:cNvSpPr>
-          <p:nvPr>
-            <p:ph type="body"/>
-          </p:nvPr>
-        </p:nvSpPr>
-        <p:spPr>
-          <a:xfrm>
-            <a:off x="4629240" y="1825560"/>
-            <a:ext cx="3885840" cy="4350960"/>
-          </a:xfrm>
-          <a:prstGeom prst="rect">
-            <a:avLst/>
-          </a:prstGeom>
-          <a:noFill/>
-          <a:ln w="0">
-            <a:noFill/>
-          </a:ln>
-        </p:spPr>
-        <p:txBody>
-          <a:bodyPr lIns="90000" rIns="90000" tIns="45000" bIns="45000" anchor="t">
-            <a:noAutofit/>
-          </a:bodyPr>
-          <a:p>
-            <a:pPr marL="228600" indent="-228600">
-              <a:lnSpc>
-                <a:spcPct val="90000"/>
-              </a:lnSpc>
+              <a:rPr b="0" lang="en-US" sz="2000" spc="-1" strike="noStrike">
+                <a:solidFill>
+                  <a:srgbClr val="000000"/>
+                </a:solidFill>
+                <a:latin typeface="Arial"/>
+              </a:rPr>
+              <a:t>Fifth Outline Level</a:t>
+            </a:r>
+            <a:endParaRPr b="0" lang="en-US" sz="2000" spc="-1" strike="noStrike">
+              <a:solidFill>
+                <a:srgbClr val="000000"/>
+              </a:solidFill>
+              <a:latin typeface="Arial"/>
+            </a:endParaRPr>
+          </a:p>
+          <a:p>
+            <a:pPr lvl="5" marL="2592000" indent="-216000">
               <a:spcBef>
-                <a:spcPts val="1001"/>
+                <a:spcPts val="283"/>
               </a:spcBef>
               <a:buClr>
                 <a:srgbClr val="000000"/>
               </a:buClr>
-              <a:buFont typeface="Arial"/>
-              <a:buChar char="•"/>
-            </a:pPr>
-            <a:r>
-              <a:rPr b="0" lang="en-US" sz="2800" spc="-1" strike="noStrike">
-                <a:solidFill>
-                  <a:srgbClr val="000000"/>
-                </a:solidFill>
-                <a:latin typeface="Arial"/>
-              </a:rPr>
-              <a:t>Edit Master text styles</a:t>
-            </a:r>
-            <a:endParaRPr b="0" lang="en-US" sz="2800" spc="-1" strike="noStrike">
-              <a:solidFill>
-                <a:srgbClr val="000000"/>
-              </a:solidFill>
-              <a:latin typeface="Arial"/>
-            </a:endParaRPr>
-          </a:p>
-          <a:p>
-            <a:pPr lvl="1" marL="685800" indent="-228600">
-              <a:lnSpc>
-                <a:spcPct val="90000"/>
-              </a:lnSpc>
+              <a:buSzPct val="45000"/>
+              <a:buFont typeface="Wingdings" charset="2"/>
+              <a:buChar char=""/>
+            </a:pPr>
+            <a:r>
+              <a:rPr b="0" lang="en-US" sz="2000" spc="-1" strike="noStrike">
+                <a:solidFill>
+                  <a:srgbClr val="000000"/>
+                </a:solidFill>
+                <a:latin typeface="Arial"/>
+              </a:rPr>
+              <a:t>Sixth Outline Level</a:t>
+            </a:r>
+            <a:endParaRPr b="0" lang="en-US" sz="2000" spc="-1" strike="noStrike">
+              <a:solidFill>
+                <a:srgbClr val="000000"/>
+              </a:solidFill>
+              <a:latin typeface="Arial"/>
+            </a:endParaRPr>
+          </a:p>
+          <a:p>
+            <a:pPr lvl="6" marL="3024000" indent="-216000">
               <a:spcBef>
-                <a:spcPts val="499"/>
+                <a:spcPts val="283"/>
               </a:spcBef>
               <a:buClr>
                 <a:srgbClr val="000000"/>
               </a:buClr>
-              <a:buFont typeface="Arial"/>
-              <a:buChar char="•"/>
-            </a:pPr>
-            <a:r>
-              <a:rPr b="0" lang="en-US" sz="2400" spc="-1" strike="noStrike">
-                <a:solidFill>
-                  <a:srgbClr val="000000"/>
-                </a:solidFill>
-                <a:latin typeface="Arial"/>
-              </a:rPr>
-              <a:t>Second level</a:t>
-            </a:r>
-            <a:endParaRPr b="0" lang="en-US" sz="2400" spc="-1" strike="noStrike">
-              <a:solidFill>
-                <a:srgbClr val="000000"/>
-              </a:solidFill>
-              <a:latin typeface="Arial"/>
-            </a:endParaRPr>
-          </a:p>
-          <a:p>
-            <a:pPr lvl="2" marL="1143000" indent="-228600">
-              <a:lnSpc>
-                <a:spcPct val="90000"/>
-              </a:lnSpc>
-              <a:spcBef>
-                <a:spcPts val="499"/>
-              </a:spcBef>
-              <a:buClr>
-                <a:srgbClr val="000000"/>
-              </a:buClr>
-              <a:buFont typeface="Arial"/>
-              <a:buChar char="•"/>
+              <a:buSzPct val="45000"/>
+              <a:buFont typeface="Wingdings" charset="2"/>
+              <a:buChar char=""/>
             </a:pPr>
             <a:r>
               <a:rPr b="0" lang="en-US" sz="2000" spc="-1" strike="noStrike">
@@ -1772,127 +1855,9 @@
                 </a:solidFill>
                 <a:latin typeface="Arial"/>
               </a:rPr>
-              <a:t>Third level</a:t>
+              <a:t>Seventh Outline Level</a:t>
             </a:r>
             <a:endParaRPr b="0" lang="en-US" sz="2000" spc="-1" strike="noStrike">
-              <a:solidFill>
-                <a:srgbClr val="000000"/>
-              </a:solidFill>
-              <a:latin typeface="Arial"/>
-            </a:endParaRPr>
-          </a:p>
-          <a:p>
-            <a:pPr lvl="3" marL="1600200" indent="-228600">
-              <a:lnSpc>
-                <a:spcPct val="90000"/>
-              </a:lnSpc>
-              <a:spcBef>
-                <a:spcPts val="499"/>
-              </a:spcBef>
-              <a:buClr>
-                <a:srgbClr val="000000"/>
-              </a:buClr>
-              <a:buFont typeface="Arial"/>
-              <a:buChar char="•"/>
-            </a:pPr>
-            <a:r>
-              <a:rPr b="0" lang="en-US" sz="1800" spc="-1" strike="noStrike">
-                <a:solidFill>
-                  <a:srgbClr val="000000"/>
-                </a:solidFill>
-                <a:latin typeface="Arial"/>
-              </a:rPr>
-              <a:t>Fourth level</a:t>
-            </a:r>
-            <a:endParaRPr b="0" lang="en-US" sz="1800" spc="-1" strike="noStrike">
-              <a:solidFill>
-                <a:srgbClr val="000000"/>
-              </a:solidFill>
-              <a:latin typeface="Arial"/>
-            </a:endParaRPr>
-          </a:p>
-          <a:p>
-            <a:pPr lvl="4" marL="2057400" indent="-228600">
-              <a:lnSpc>
-                <a:spcPct val="90000"/>
-              </a:lnSpc>
-              <a:spcBef>
-                <a:spcPts val="499"/>
-              </a:spcBef>
-              <a:buClr>
-                <a:srgbClr val="000000"/>
-              </a:buClr>
-              <a:buFont typeface="Arial"/>
-              <a:buChar char="•"/>
-            </a:pPr>
-            <a:r>
-              <a:rPr b="0" lang="en-US" sz="1800" spc="-1" strike="noStrike">
-                <a:solidFill>
-                  <a:srgbClr val="000000"/>
-                </a:solidFill>
-                <a:latin typeface="Arial"/>
-              </a:rPr>
-              <a:t>Fifth level</a:t>
-            </a:r>
-            <a:endParaRPr b="0" lang="en-US" sz="1800" spc="-1" strike="noStrike">
-              <a:solidFill>
-                <a:srgbClr val="000000"/>
-              </a:solidFill>
-              <a:latin typeface="Arial"/>
-            </a:endParaRPr>
-          </a:p>
-        </p:txBody>
-      </p:sp>
-      <p:sp>
-        <p:nvSpPr>
-          <p:cNvPr id="19" name="PlaceHolder 4"/>
-          <p:cNvSpPr>
-            <a:spLocks noGrp="1"/>
-          </p:cNvSpPr>
-          <p:nvPr>
-            <p:ph type="body"/>
-          </p:nvPr>
-        </p:nvSpPr>
-        <p:spPr>
-          <a:xfrm>
-            <a:off x="260280" y="6480720"/>
-            <a:ext cx="8623080" cy="376920"/>
-          </a:xfrm>
-          <a:prstGeom prst="rect">
-            <a:avLst/>
-          </a:prstGeom>
-          <a:noFill/>
-          <a:ln w="0">
-            <a:noFill/>
-          </a:ln>
-        </p:spPr>
-        <p:txBody>
-          <a:bodyPr lIns="90000" rIns="90000" tIns="45000" bIns="45000" anchor="t">
-            <a:noAutofit/>
-          </a:bodyPr>
-          <a:p>
-            <a:pPr indent="0" algn="ctr">
-              <a:lnSpc>
-                <a:spcPct val="90000"/>
-              </a:lnSpc>
-              <a:spcBef>
-                <a:spcPts val="1001"/>
-              </a:spcBef>
-              <a:buNone/>
-              <a:tabLst>
-                <a:tab algn="l" pos="0"/>
-              </a:tabLst>
-            </a:pPr>
-            <a:r>
-              <a:rPr b="0" lang="en-US" sz="1800" spc="-1" strike="noStrike">
-                <a:solidFill>
-                  <a:srgbClr val="ffffff"/>
-                </a:solidFill>
-                <a:latin typeface="Arial"/>
-              </a:rPr>
-              <a:t>Department or Office Name</a:t>
-            </a:r>
-            <a:endParaRPr b="0" lang="en-US" sz="1800" spc="-1" strike="noStrike">
               <a:solidFill>
                 <a:srgbClr val="000000"/>
               </a:solidFill>
@@ -1936,14 +1901,14 @@
       </p:grpSpPr>
       <p:sp>
         <p:nvSpPr>
-          <p:cNvPr id="20" name="Rectangle 10"/>
+          <p:cNvPr id="18" name="Rectangle 10"/>
           <p:cNvSpPr/>
           <p:nvPr/>
         </p:nvSpPr>
         <p:spPr>
           <a:xfrm>
             <a:off x="0" y="659520"/>
-            <a:ext cx="9143640" cy="5747400"/>
+            <a:ext cx="9143280" cy="5747040"/>
           </a:xfrm>
           <a:prstGeom prst="rect">
             <a:avLst/>
@@ -1968,25 +1933,31 @@
             <a:noAutofit/>
           </a:bodyPr>
           <a:p>
+            <a:pPr>
+              <a:lnSpc>
+                <a:spcPct val="100000"/>
+              </a:lnSpc>
+            </a:pPr>
             <a:endParaRPr b="0" lang="en-US" sz="1800" spc="-1" strike="noStrike">
               <a:solidFill>
                 <a:srgbClr val="ffffff"/>
               </a:solidFill>
               <a:latin typeface="Arial"/>
+              <a:ea typeface="DejaVu Sans"/>
             </a:endParaRPr>
           </a:p>
         </p:txBody>
       </p:sp>
       <p:sp>
         <p:nvSpPr>
-          <p:cNvPr id="21" name="Rectangle 8"/>
+          <p:cNvPr id="19" name="Rectangle 8"/>
           <p:cNvSpPr/>
           <p:nvPr/>
         </p:nvSpPr>
         <p:spPr>
           <a:xfrm>
             <a:off x="0" y="6427080"/>
-            <a:ext cx="9143640" cy="430560"/>
+            <a:ext cx="9143280" cy="430200"/>
           </a:xfrm>
           <a:prstGeom prst="rect">
             <a:avLst/>
@@ -2009,25 +1980,31 @@
             <a:noAutofit/>
           </a:bodyPr>
           <a:p>
+            <a:pPr>
+              <a:lnSpc>
+                <a:spcPct val="100000"/>
+              </a:lnSpc>
+            </a:pPr>
             <a:endParaRPr b="0" lang="en-US" sz="1800" spc="-1" strike="noStrike">
               <a:solidFill>
                 <a:srgbClr val="ffffff"/>
               </a:solidFill>
               <a:latin typeface="Arial"/>
+              <a:ea typeface="DejaVu Sans"/>
             </a:endParaRPr>
           </a:p>
         </p:txBody>
       </p:sp>
       <p:sp>
         <p:nvSpPr>
-          <p:cNvPr id="22" name="Rectangle 6"/>
+          <p:cNvPr id="20" name="Rectangle 6"/>
           <p:cNvSpPr/>
           <p:nvPr/>
         </p:nvSpPr>
         <p:spPr>
           <a:xfrm>
             <a:off x="0" y="0"/>
-            <a:ext cx="9143640" cy="633240"/>
+            <a:ext cx="9143280" cy="632880"/>
           </a:xfrm>
           <a:prstGeom prst="rect">
             <a:avLst/>
@@ -2050,18 +2027,24 @@
             <a:noAutofit/>
           </a:bodyPr>
           <a:p>
+            <a:pPr>
+              <a:lnSpc>
+                <a:spcPct val="100000"/>
+              </a:lnSpc>
+            </a:pPr>
             <a:endParaRPr b="0" lang="en-US" sz="1800" spc="-1" strike="noStrike">
               <a:solidFill>
                 <a:srgbClr val="ffffff"/>
               </a:solidFill>
               <a:latin typeface="Arial"/>
+              <a:ea typeface="DejaVu Sans"/>
             </a:endParaRPr>
           </a:p>
         </p:txBody>
       </p:sp>
       <p:sp>
         <p:nvSpPr>
-          <p:cNvPr id="23" name="Straight Connector 7"/>
+          <p:cNvPr id="21" name="Straight Connector 7"/>
           <p:cNvSpPr/>
           <p:nvPr/>
         </p:nvSpPr>
@@ -2096,13 +2079,14 @@
                 <a:srgbClr val="000000"/>
               </a:solidFill>
               <a:latin typeface="Arial"/>
+              <a:ea typeface="DejaVu Sans"/>
             </a:endParaRPr>
           </a:p>
         </p:txBody>
       </p:sp>
       <p:sp>
         <p:nvSpPr>
-          <p:cNvPr id="24" name="Straight Connector 9"/>
+          <p:cNvPr id="22" name="Straight Connector 9"/>
           <p:cNvSpPr/>
           <p:nvPr/>
         </p:nvSpPr>
@@ -2137,13 +2121,14 @@
                 <a:srgbClr val="000000"/>
               </a:solidFill>
               <a:latin typeface="Arial"/>
+              <a:ea typeface="DejaVu Sans"/>
             </a:endParaRPr>
           </a:p>
         </p:txBody>
       </p:sp>
       <p:pic>
         <p:nvPicPr>
-          <p:cNvPr id="25" name="Picture 1" descr=""/>
+          <p:cNvPr id="23" name="Picture 1" descr=""/>
           <p:cNvPicPr/>
           <p:nvPr/>
         </p:nvPicPr>
@@ -2154,7 +2139,7 @@
         <p:spPr>
           <a:xfrm>
             <a:off x="231480" y="192240"/>
-            <a:ext cx="2923920" cy="241920"/>
+            <a:ext cx="2923560" cy="241560"/>
           </a:xfrm>
           <a:prstGeom prst="rect">
             <a:avLst/>
@@ -2166,7 +2151,7 @@
       </p:pic>
       <p:sp>
         <p:nvSpPr>
-          <p:cNvPr id="26" name="PlaceHolder 1"/>
+          <p:cNvPr id="24" name="PlaceHolder 1"/>
           <p:cNvSpPr>
             <a:spLocks noGrp="1"/>
           </p:cNvSpPr>
@@ -2176,8 +2161,8 @@
         </p:nvSpPr>
         <p:spPr>
           <a:xfrm>
-            <a:off x="623880" y="1709640"/>
-            <a:ext cx="7886520" cy="2852280"/>
+            <a:off x="457200" y="273600"/>
+            <a:ext cx="8229240" cy="1144800"/>
           </a:xfrm>
           <a:prstGeom prst="rect">
             <a:avLst/>
@@ -2188,26 +2173,23 @@
           </a:ln>
         </p:spPr>
         <p:txBody>
-          <a:bodyPr lIns="90000" rIns="90000" tIns="45000" bIns="45000" anchor="b">
+          <a:bodyPr lIns="0" rIns="0" tIns="0" bIns="0" anchor="ctr">
             <a:noAutofit/>
           </a:bodyPr>
           <a:p>
-            <a:pPr indent="0">
-              <a:lnSpc>
-                <a:spcPct val="90000"/>
-              </a:lnSpc>
+            <a:pPr indent="0" algn="ctr">
               <a:buNone/>
             </a:pPr>
             <a:r>
-              <a:rPr b="0" lang="en-US" sz="6000" spc="-1" strike="noStrike">
-                <a:solidFill>
-                  <a:srgbClr val="000000"/>
-                </a:solidFill>
-                <a:latin typeface="Arial"/>
-              </a:rPr>
-              <a:t>Click to edit Master title style</a:t>
-            </a:r>
-            <a:endParaRPr b="0" lang="en-US" sz="6000" spc="-1" strike="noStrike">
+              <a:rPr b="0" lang="en-US" sz="4400" spc="-1" strike="noStrike">
+                <a:solidFill>
+                  <a:srgbClr val="000000"/>
+                </a:solidFill>
+                <a:latin typeface="Arial"/>
+              </a:rPr>
+              <a:t>Click to edit the title text format</a:t>
+            </a:r>
+            <a:endParaRPr b="0" lang="en-US" sz="4400" spc="-1" strike="noStrike">
               <a:solidFill>
                 <a:srgbClr val="000000"/>
               </a:solidFill>
@@ -2218,7 +2200,7 @@
       </p:sp>
       <p:sp>
         <p:nvSpPr>
-          <p:cNvPr id="27" name="PlaceHolder 2"/>
+          <p:cNvPr id="25" name="PlaceHolder 2"/>
           <p:cNvSpPr>
             <a:spLocks noGrp="1"/>
           </p:cNvSpPr>
@@ -2228,8 +2210,8 @@
         </p:nvSpPr>
         <p:spPr>
           <a:xfrm>
-            <a:off x="623880" y="4589640"/>
-            <a:ext cx="7886520" cy="1499760"/>
+            <a:off x="457200" y="1604520"/>
+            <a:ext cx="8229240" cy="3977280"/>
           </a:xfrm>
           <a:prstGeom prst="rect">
             <a:avLst/>
@@ -2240,16 +2222,13 @@
           </a:ln>
         </p:spPr>
         <p:txBody>
-          <a:bodyPr lIns="90000" rIns="90000" tIns="45000" bIns="45000" anchor="t">
-            <a:noAutofit/>
+          <a:bodyPr lIns="0" rIns="0" tIns="0" bIns="0" anchor="t">
+            <a:normAutofit/>
           </a:bodyPr>
           <a:p>
             <a:pPr marL="432000" indent="-324000">
-              <a:lnSpc>
-                <a:spcPct val="90000"/>
-              </a:lnSpc>
               <a:spcBef>
-                <a:spcPts val="1001"/>
+                <a:spcPts val="1417"/>
               </a:spcBef>
               <a:buClr>
                 <a:srgbClr val="000000"/>
@@ -2257,9 +2236,62 @@
               <a:buSzPct val="45000"/>
               <a:buFont typeface="Wingdings" charset="2"/>
               <a:buChar char=""/>
-              <a:tabLst>
-                <a:tab algn="l" pos="0"/>
-              </a:tabLst>
+            </a:pPr>
+            <a:r>
+              <a:rPr b="0" lang="en-US" sz="3200" spc="-1" strike="noStrike">
+                <a:solidFill>
+                  <a:srgbClr val="000000"/>
+                </a:solidFill>
+                <a:latin typeface="Arial"/>
+              </a:rPr>
+              <a:t>Click to edit the outline text format</a:t>
+            </a:r>
+            <a:endParaRPr b="0" lang="en-US" sz="3200" spc="-1" strike="noStrike">
+              <a:solidFill>
+                <a:srgbClr val="000000"/>
+              </a:solidFill>
+              <a:latin typeface="Arial"/>
+            </a:endParaRPr>
+          </a:p>
+          <a:p>
+            <a:pPr lvl="1" marL="864000" indent="-324000">
+              <a:spcBef>
+                <a:spcPts val="1134"/>
+              </a:spcBef>
+              <a:buClr>
+                <a:srgbClr val="000000"/>
+              </a:buClr>
+              <a:buSzPct val="75000"/>
+              <a:buFont typeface="Symbol" charset="2"/>
+              <a:buChar char=""/>
+            </a:pPr>
+            <a:r>
+              <a:rPr b="0" lang="en-US" sz="2800" spc="-1" strike="noStrike">
+                <a:solidFill>
+                  <a:srgbClr val="000000"/>
+                </a:solidFill>
+                <a:latin typeface="Arial"/>
+              </a:rPr>
+              <a:t>Second Outline Level</a:t>
+            </a:r>
+            <a:endParaRPr b="0" lang="en-US" sz="2800" spc="-1" strike="noStrike">
+              <a:solidFill>
+                <a:srgbClr val="000000"/>
+              </a:solidFill>
+              <a:latin typeface="Arial"/>
+            </a:endParaRPr>
+          </a:p>
+          <a:p>
+            <a:pPr lvl="2" marL="1296000" indent="-288000">
+              <a:spcBef>
+                <a:spcPts val="850"/>
+              </a:spcBef>
+              <a:buClr>
+                <a:srgbClr val="000000"/>
+              </a:buClr>
+              <a:buSzPct val="45000"/>
+              <a:buFont typeface="Wingdings" charset="2"/>
+              <a:buChar char=""/>
             </a:pPr>
             <a:r>
               <a:rPr b="0" lang="en-US" sz="2400" spc="-1" strike="noStrike">
@@ -2268,7 +2300,7 @@
                 </a:solidFill>
                 <a:latin typeface="Arial"/>
               </a:rPr>
-              <a:t>Edit Master text styles</a:t>
+              <a:t>Third Outline Level</a:t>
             </a:r>
             <a:endParaRPr b="0" lang="en-US" sz="2400" spc="-1" strike="noStrike">
               <a:solidFill>
@@ -2277,58 +2309,112 @@
               <a:latin typeface="Arial"/>
             </a:endParaRPr>
           </a:p>
-        </p:txBody>
-      </p:sp>
-      <p:sp>
-        <p:nvSpPr>
-          <p:cNvPr id="28" name="PlaceHolder 3"/>
-          <p:cNvSpPr>
-            <a:spLocks noGrp="1"/>
-          </p:cNvSpPr>
-          <p:nvPr>
-            <p:ph type="body"/>
-          </p:nvPr>
-        </p:nvSpPr>
-        <p:spPr>
-          <a:xfrm>
-            <a:off x="260280" y="6480720"/>
-            <a:ext cx="8623080" cy="376920"/>
-          </a:xfrm>
-          <a:prstGeom prst="rect">
-            <a:avLst/>
-          </a:prstGeom>
-          <a:noFill/>
-          <a:ln w="0">
-            <a:noFill/>
-          </a:ln>
-        </p:spPr>
-        <p:txBody>
-          <a:bodyPr lIns="90000" rIns="90000" tIns="45000" bIns="45000" anchor="t">
-            <a:noAutofit/>
-          </a:bodyPr>
-          <a:p>
-            <a:pPr indent="0" algn="ctr">
-              <a:lnSpc>
-                <a:spcPct val="90000"/>
-              </a:lnSpc>
+          <a:p>
+            <a:pPr lvl="3" marL="1728000" indent="-216000">
               <a:spcBef>
-                <a:spcPts val="1001"/>
+                <a:spcPts val="567"/>
               </a:spcBef>
-              <a:buNone/>
-              <a:tabLst>
-                <a:tab algn="l" pos="0"/>
-              </a:tabLst>
-            </a:pPr>
-            <a:r>
-              <a:rPr b="0" lang="en-US" sz="1800" spc="-1" strike="noStrike">
-                <a:solidFill>
-                  <a:srgbClr val="ffffff"/>
-                </a:solidFill>
-                <a:latin typeface="Arial"/>
-              </a:rPr>
-              <a:t>Department or Office Name</a:t>
-            </a:r>
-            <a:endParaRPr b="0" lang="en-US" sz="1800" spc="-1" strike="noStrike">
+              <a:buClr>
+                <a:srgbClr val="000000"/>
+              </a:buClr>
+              <a:buSzPct val="75000"/>
+              <a:buFont typeface="Symbol" charset="2"/>
+              <a:buChar char=""/>
+            </a:pPr>
+            <a:r>
+              <a:rPr b="0" lang="en-US" sz="2000" spc="-1" strike="noStrike">
+                <a:solidFill>
+                  <a:srgbClr val="000000"/>
+                </a:solidFill>
+                <a:latin typeface="Arial"/>
+              </a:rPr>
+              <a:t>Fourth Outline Level</a:t>
+            </a:r>
+            <a:endParaRPr b="0" lang="en-US" sz="2000" spc="-1" strike="noStrike">
+              <a:solidFill>
+                <a:srgbClr val="000000"/>
+              </a:solidFill>
+              <a:latin typeface="Arial"/>
+            </a:endParaRPr>
+          </a:p>
+          <a:p>
+            <a:pPr lvl="4" marL="2160000" indent="-216000">
+              <a:spcBef>
+                <a:spcPts val="283"/>
+              </a:spcBef>
+              <a:buClr>
+                <a:srgbClr val="000000"/>
+              </a:buClr>
+              <a:buSzPct val="45000"/>
+              <a:buFont typeface="Wingdings" charset="2"/>
+              <a:buChar char=""/>
+            </a:pPr>
+            <a:r>
+              <a:rPr b="0" lang="en-US" sz="2000" spc="-1" strike="noStrike">
+                <a:solidFill>
+                  <a:srgbClr val="000000"/>
+                </a:solidFill>
+                <a:latin typeface="Arial"/>
+              </a:rPr>
+              <a:t>Fifth Outline Level</a:t>
+            </a:r>
+            <a:endParaRPr b="0" lang="en-US" sz="2000" spc="-1" strike="noStrike">
+              <a:solidFill>
+                <a:srgbClr val="000000"/>
+              </a:solidFill>
+              <a:latin typeface="Arial"/>
+            </a:endParaRPr>
+          </a:p>
+          <a:p>
+            <a:pPr lvl="5" marL="2592000" indent="-216000">
+              <a:spcBef>
+                <a:spcPts val="283"/>
+              </a:spcBef>
+              <a:buClr>
+                <a:srgbClr val="000000"/>
+              </a:buClr>
+              <a:buSzPct val="45000"/>
+              <a:buFont typeface="Wingdings" charset="2"/>
+              <a:buChar char=""/>
+            </a:pPr>
+            <a:r>
+              <a:rPr b="0" lang="en-US" sz="2000" spc="-1" strike="noStrike">
+                <a:solidFill>
+                  <a:srgbClr val="000000"/>
+                </a:solidFill>
+                <a:latin typeface="Arial"/>
+              </a:rPr>
+              <a:t>Sixth Outline Level</a:t>
+            </a:r>
+            <a:endParaRPr b="0" lang="en-US" sz="2000" spc="-1" strike="noStrike">
+              <a:solidFill>
+                <a:srgbClr val="000000"/>
+              </a:solidFill>
+              <a:latin typeface="Arial"/>
+            </a:endParaRPr>
+          </a:p>
+          <a:p>
+            <a:pPr lvl="6" marL="3024000" indent="-216000">
+              <a:spcBef>
+                <a:spcPts val="283"/>
+              </a:spcBef>
+              <a:buClr>
+                <a:srgbClr val="000000"/>
+              </a:buClr>
+              <a:buSzPct val="45000"/>
+              <a:buFont typeface="Wingdings" charset="2"/>
+              <a:buChar char=""/>
+            </a:pPr>
+            <a:r>
+              <a:rPr b="0" lang="en-US" sz="2000" spc="-1" strike="noStrike">
+                <a:solidFill>
+                  <a:srgbClr val="000000"/>
+                </a:solidFill>
+                <a:latin typeface="Arial"/>
+              </a:rPr>
+              <a:t>Seventh Outline Level</a:t>
+            </a:r>
+            <a:endParaRPr b="0" lang="en-US" sz="2000" spc="-1" strike="noStrike">
               <a:solidFill>
                 <a:srgbClr val="000000"/>
               </a:solidFill>
@@ -2372,14 +2458,14 @@
       </p:grpSpPr>
       <p:sp>
         <p:nvSpPr>
-          <p:cNvPr id="29" name="Rectangle 10"/>
+          <p:cNvPr id="26" name="Rectangle 10"/>
           <p:cNvSpPr/>
           <p:nvPr/>
         </p:nvSpPr>
         <p:spPr>
           <a:xfrm>
             <a:off x="0" y="659520"/>
-            <a:ext cx="9143640" cy="5747400"/>
+            <a:ext cx="9143280" cy="5747040"/>
           </a:xfrm>
           <a:prstGeom prst="rect">
             <a:avLst/>
@@ -2404,25 +2490,31 @@
             <a:noAutofit/>
           </a:bodyPr>
           <a:p>
+            <a:pPr>
+              <a:lnSpc>
+                <a:spcPct val="100000"/>
+              </a:lnSpc>
+            </a:pPr>
             <a:endParaRPr b="0" lang="en-US" sz="1800" spc="-1" strike="noStrike">
               <a:solidFill>
                 <a:srgbClr val="ffffff"/>
               </a:solidFill>
               <a:latin typeface="Arial"/>
+              <a:ea typeface="DejaVu Sans"/>
             </a:endParaRPr>
           </a:p>
         </p:txBody>
       </p:sp>
       <p:sp>
         <p:nvSpPr>
-          <p:cNvPr id="30" name="Rectangle 8"/>
+          <p:cNvPr id="27" name="Rectangle 8"/>
           <p:cNvSpPr/>
           <p:nvPr/>
         </p:nvSpPr>
         <p:spPr>
           <a:xfrm>
             <a:off x="0" y="6427080"/>
-            <a:ext cx="9143640" cy="430560"/>
+            <a:ext cx="9143280" cy="430200"/>
           </a:xfrm>
           <a:prstGeom prst="rect">
             <a:avLst/>
@@ -2445,25 +2537,31 @@
             <a:noAutofit/>
           </a:bodyPr>
           <a:p>
+            <a:pPr>
+              <a:lnSpc>
+                <a:spcPct val="100000"/>
+              </a:lnSpc>
+            </a:pPr>
             <a:endParaRPr b="0" lang="en-US" sz="1800" spc="-1" strike="noStrike">
               <a:solidFill>
                 <a:srgbClr val="ffffff"/>
               </a:solidFill>
               <a:latin typeface="Arial"/>
+              <a:ea typeface="DejaVu Sans"/>
             </a:endParaRPr>
           </a:p>
         </p:txBody>
       </p:sp>
       <p:sp>
         <p:nvSpPr>
-          <p:cNvPr id="31" name="Rectangle 6"/>
+          <p:cNvPr id="28" name="Rectangle 6"/>
           <p:cNvSpPr/>
           <p:nvPr/>
         </p:nvSpPr>
         <p:spPr>
           <a:xfrm>
             <a:off x="0" y="0"/>
-            <a:ext cx="9143640" cy="633240"/>
+            <a:ext cx="9143280" cy="632880"/>
           </a:xfrm>
           <a:prstGeom prst="rect">
             <a:avLst/>
@@ -2486,18 +2584,24 @@
             <a:noAutofit/>
           </a:bodyPr>
           <a:p>
+            <a:pPr>
+              <a:lnSpc>
+                <a:spcPct val="100000"/>
+              </a:lnSpc>
+            </a:pPr>
             <a:endParaRPr b="0" lang="en-US" sz="1800" spc="-1" strike="noStrike">
               <a:solidFill>
                 <a:srgbClr val="ffffff"/>
               </a:solidFill>
               <a:latin typeface="Arial"/>
+              <a:ea typeface="DejaVu Sans"/>
             </a:endParaRPr>
           </a:p>
         </p:txBody>
       </p:sp>
       <p:sp>
         <p:nvSpPr>
-          <p:cNvPr id="32" name="Straight Connector 7"/>
+          <p:cNvPr id="29" name="Straight Connector 7"/>
           <p:cNvSpPr/>
           <p:nvPr/>
         </p:nvSpPr>
@@ -2532,13 +2636,14 @@
                 <a:srgbClr val="000000"/>
               </a:solidFill>
               <a:latin typeface="Arial"/>
+              <a:ea typeface="DejaVu Sans"/>
             </a:endParaRPr>
           </a:p>
         </p:txBody>
       </p:sp>
       <p:sp>
         <p:nvSpPr>
-          <p:cNvPr id="33" name="Straight Connector 9"/>
+          <p:cNvPr id="30" name="Straight Connector 9"/>
           <p:cNvSpPr/>
           <p:nvPr/>
         </p:nvSpPr>
@@ -2573,13 +2678,14 @@
                 <a:srgbClr val="000000"/>
               </a:solidFill>
               <a:latin typeface="Arial"/>
+              <a:ea typeface="DejaVu Sans"/>
             </a:endParaRPr>
           </a:p>
         </p:txBody>
       </p:sp>
       <p:pic>
         <p:nvPicPr>
-          <p:cNvPr id="34" name="Picture 1" descr=""/>
+          <p:cNvPr id="31" name="Picture 1" descr=""/>
           <p:cNvPicPr/>
           <p:nvPr/>
         </p:nvPicPr>
@@ -2590,7 +2696,7 @@
         <p:spPr>
           <a:xfrm>
             <a:off x="231480" y="192240"/>
-            <a:ext cx="2923920" cy="241920"/>
+            <a:ext cx="2923560" cy="241560"/>
           </a:xfrm>
           <a:prstGeom prst="rect">
             <a:avLst/>
@@ -2602,7 +2708,7 @@
       </p:pic>
       <p:sp>
         <p:nvSpPr>
-          <p:cNvPr id="35" name="PlaceHolder 1"/>
+          <p:cNvPr id="32" name="PlaceHolder 1"/>
           <p:cNvSpPr>
             <a:spLocks noGrp="1"/>
           </p:cNvSpPr>
@@ -2612,8 +2718,8 @@
         </p:nvSpPr>
         <p:spPr>
           <a:xfrm>
-            <a:off x="235080" y="807120"/>
-            <a:ext cx="8676000" cy="1325160"/>
+            <a:off x="457200" y="273600"/>
+            <a:ext cx="8229240" cy="1144800"/>
           </a:xfrm>
           <a:prstGeom prst="rect">
             <a:avLst/>
@@ -2624,14 +2730,11 @@
           </a:ln>
         </p:spPr>
         <p:txBody>
-          <a:bodyPr lIns="90000" rIns="90000" tIns="45000" bIns="45000" anchor="t">
+          <a:bodyPr lIns="0" rIns="0" tIns="0" bIns="0" anchor="ctr">
             <a:noAutofit/>
           </a:bodyPr>
           <a:p>
-            <a:pPr indent="0">
-              <a:lnSpc>
-                <a:spcPct val="90000"/>
-              </a:lnSpc>
+            <a:pPr indent="0" algn="ctr">
               <a:buNone/>
             </a:pPr>
             <a:r>
@@ -2641,61 +2744,7 @@
                 </a:solidFill>
                 <a:latin typeface="Arial"/>
               </a:rPr>
-              <a:t>Clic</a:t>
-            </a:r>
-            <a:r>
-              <a:rPr b="0" lang="en-US" sz="4400" spc="-1" strike="noStrike">
-                <a:solidFill>
-                  <a:srgbClr val="000000"/>
-                </a:solidFill>
-                <a:latin typeface="Arial"/>
-              </a:rPr>
-              <a:t>k to </a:t>
-            </a:r>
-            <a:r>
-              <a:rPr b="0" lang="en-US" sz="4400" spc="-1" strike="noStrike">
-                <a:solidFill>
-                  <a:srgbClr val="000000"/>
-                </a:solidFill>
-                <a:latin typeface="Arial"/>
-              </a:rPr>
-              <a:t>edit </a:t>
-            </a:r>
-            <a:r>
-              <a:rPr b="0" lang="en-US" sz="4400" spc="-1" strike="noStrike">
-                <a:solidFill>
-                  <a:srgbClr val="000000"/>
-                </a:solidFill>
-                <a:latin typeface="Arial"/>
-              </a:rPr>
-              <a:t>Mas</a:t>
-            </a:r>
-            <a:r>
-              <a:rPr b="0" lang="en-US" sz="4400" spc="-1" strike="noStrike">
-                <a:solidFill>
-                  <a:srgbClr val="000000"/>
-                </a:solidFill>
-                <a:latin typeface="Arial"/>
-              </a:rPr>
-              <a:t>ter </a:t>
-            </a:r>
-            <a:r>
-              <a:rPr b="0" lang="en-US" sz="4400" spc="-1" strike="noStrike">
-                <a:solidFill>
-                  <a:srgbClr val="000000"/>
-                </a:solidFill>
-                <a:latin typeface="Arial"/>
-              </a:rPr>
-              <a:t>title </a:t>
-            </a:r>
-            <a:r>
-              <a:rPr b="0" lang="en-US" sz="4400" spc="-1" strike="noStrike">
-                <a:solidFill>
-                  <a:srgbClr val="000000"/>
-                </a:solidFill>
-                <a:latin typeface="Arial"/>
-              </a:rPr>
-              <a:t>style</a:t>
+              <a:t>Click to edit the title text format</a:t>
             </a:r>
             <a:endParaRPr b="0" lang="en-US" sz="4400" spc="-1" strike="noStrike">
               <a:solidFill>
@@ -2708,7 +2757,7 @@
       </p:sp>
       <p:sp>
         <p:nvSpPr>
-          <p:cNvPr id="36" name="PlaceHolder 2"/>
+          <p:cNvPr id="33" name="PlaceHolder 2"/>
           <p:cNvSpPr>
             <a:spLocks noGrp="1"/>
           </p:cNvSpPr>
@@ -2718,8 +2767,8 @@
         </p:nvSpPr>
         <p:spPr>
           <a:xfrm>
-            <a:off x="628560" y="1825560"/>
-            <a:ext cx="3885840" cy="4350960"/>
+            <a:off x="457200" y="1604520"/>
+            <a:ext cx="8229240" cy="3977280"/>
           </a:xfrm>
           <a:prstGeom prst="rect">
             <a:avLst/>
@@ -2730,16 +2779,13 @@
           </a:ln>
         </p:spPr>
         <p:txBody>
-          <a:bodyPr lIns="90000" rIns="90000" tIns="45000" bIns="45000" anchor="t">
-            <a:noAutofit/>
+          <a:bodyPr lIns="0" rIns="0" tIns="0" bIns="0" anchor="t">
+            <a:normAutofit/>
           </a:bodyPr>
           <a:p>
             <a:pPr marL="432000" indent="-324000">
-              <a:lnSpc>
-                <a:spcPct val="90000"/>
-              </a:lnSpc>
               <a:spcBef>
-                <a:spcPts val="1001"/>
+                <a:spcPts val="1417"/>
               </a:spcBef>
               <a:buClr>
                 <a:srgbClr val="000000"/>
@@ -2749,15 +2795,15 @@
               <a:buChar char=""/>
             </a:pPr>
             <a:r>
-              <a:rPr b="0" lang="en-US" sz="2800" spc="-1" strike="noStrike">
-                <a:solidFill>
-                  <a:srgbClr val="000000"/>
-                </a:solidFill>
-                <a:latin typeface="Arial"/>
-              </a:rPr>
-              <a:t>Edit Master text styles</a:t>
-            </a:r>
-            <a:endParaRPr b="0" lang="en-US" sz="2800" spc="-1" strike="noStrike">
+              <a:rPr b="0" lang="en-US" sz="3200" spc="-1" strike="noStrike">
+                <a:solidFill>
+                  <a:srgbClr val="000000"/>
+                </a:solidFill>
+                <a:latin typeface="Arial"/>
+              </a:rPr>
+              <a:t>Click to edit the outline text format</a:t>
+            </a:r>
+            <a:endParaRPr b="0" lang="en-US" sz="3200" spc="-1" strike="noStrike">
               <a:solidFill>
                 <a:srgbClr val="000000"/>
               </a:solidFill>
@@ -2766,11 +2812,8 @@
           </a:p>
           <a:p>
             <a:pPr lvl="1" marL="864000" indent="-324000">
-              <a:lnSpc>
-                <a:spcPct val="90000"/>
-              </a:lnSpc>
               <a:spcBef>
-                <a:spcPts val="499"/>
+                <a:spcPts val="1134"/>
               </a:spcBef>
               <a:buClr>
                 <a:srgbClr val="000000"/>
@@ -2780,15 +2823,15 @@
               <a:buChar char=""/>
             </a:pPr>
             <a:r>
-              <a:rPr b="0" lang="en-US" sz="2400" spc="-1" strike="noStrike">
-                <a:solidFill>
-                  <a:srgbClr val="000000"/>
-                </a:solidFill>
-                <a:latin typeface="Arial"/>
-              </a:rPr>
-              <a:t>Second level</a:t>
-            </a:r>
-            <a:endParaRPr b="0" lang="en-US" sz="2400" spc="-1" strike="noStrike">
+              <a:rPr b="0" lang="en-US" sz="2800" spc="-1" strike="noStrike">
+                <a:solidFill>
+                  <a:srgbClr val="000000"/>
+                </a:solidFill>
+                <a:latin typeface="Arial"/>
+              </a:rPr>
+              <a:t>Second Outline Level</a:t>
+            </a:r>
+            <a:endParaRPr b="0" lang="en-US" sz="2800" spc="-1" strike="noStrike">
               <a:solidFill>
                 <a:srgbClr val="000000"/>
               </a:solidFill>
@@ -2797,11 +2840,8 @@
           </a:p>
           <a:p>
             <a:pPr lvl="2" marL="1296000" indent="-288000">
-              <a:lnSpc>
-                <a:spcPct val="90000"/>
-              </a:lnSpc>
               <a:spcBef>
-                <a:spcPts val="499"/>
+                <a:spcPts val="850"/>
               </a:spcBef>
               <a:buClr>
                 <a:srgbClr val="000000"/>
@@ -2811,15 +2851,15 @@
               <a:buChar char=""/>
             </a:pPr>
             <a:r>
-              <a:rPr b="0" lang="en-US" sz="2000" spc="-1" strike="noStrike">
-                <a:solidFill>
-                  <a:srgbClr val="000000"/>
-                </a:solidFill>
-                <a:latin typeface="Arial"/>
-              </a:rPr>
-              <a:t>Third level</a:t>
-            </a:r>
-            <a:endParaRPr b="0" lang="en-US" sz="2000" spc="-1" strike="noStrike">
+              <a:rPr b="0" lang="en-US" sz="2400" spc="-1" strike="noStrike">
+                <a:solidFill>
+                  <a:srgbClr val="000000"/>
+                </a:solidFill>
+                <a:latin typeface="Arial"/>
+              </a:rPr>
+              <a:t>Third Outline Level</a:t>
+            </a:r>
+            <a:endParaRPr b="0" lang="en-US" sz="2400" spc="-1" strike="noStrike">
               <a:solidFill>
                 <a:srgbClr val="000000"/>
               </a:solidFill>
@@ -2828,11 +2868,8 @@
           </a:p>
           <a:p>
             <a:pPr lvl="3" marL="1728000" indent="-216000">
-              <a:lnSpc>
-                <a:spcPct val="90000"/>
-              </a:lnSpc>
               <a:spcBef>
-                <a:spcPts val="499"/>
+                <a:spcPts val="567"/>
               </a:spcBef>
               <a:buClr>
                 <a:srgbClr val="000000"/>
@@ -2842,15 +2879,15 @@
               <a:buChar char=""/>
             </a:pPr>
             <a:r>
-              <a:rPr b="0" lang="en-US" sz="1800" spc="-1" strike="noStrike">
-                <a:solidFill>
-                  <a:srgbClr val="000000"/>
-                </a:solidFill>
-                <a:latin typeface="Arial"/>
-              </a:rPr>
-              <a:t>Fourth level</a:t>
-            </a:r>
-            <a:endParaRPr b="0" lang="en-US" sz="1800" spc="-1" strike="noStrike">
+              <a:rPr b="0" lang="en-US" sz="2000" spc="-1" strike="noStrike">
+                <a:solidFill>
+                  <a:srgbClr val="000000"/>
+                </a:solidFill>
+                <a:latin typeface="Arial"/>
+              </a:rPr>
+              <a:t>Fourth Outline Level</a:t>
+            </a:r>
+            <a:endParaRPr b="0" lang="en-US" sz="2000" spc="-1" strike="noStrike">
               <a:solidFill>
                 <a:srgbClr val="000000"/>
               </a:solidFill>
@@ -2859,11 +2896,8 @@
           </a:p>
           <a:p>
             <a:pPr lvl="4" marL="2160000" indent="-216000">
-              <a:lnSpc>
-                <a:spcPct val="90000"/>
-              </a:lnSpc>
               <a:spcBef>
-                <a:spcPts val="499"/>
+                <a:spcPts val="283"/>
               </a:spcBef>
               <a:buClr>
                 <a:srgbClr val="000000"/>
@@ -2873,123 +2907,60 @@
               <a:buChar char=""/>
             </a:pPr>
             <a:r>
-              <a:rPr b="0" lang="en-US" sz="1800" spc="-1" strike="noStrike">
-                <a:solidFill>
-                  <a:srgbClr val="000000"/>
-                </a:solidFill>
-                <a:latin typeface="Arial"/>
-              </a:rPr>
-              <a:t>Fifth level</a:t>
-            </a:r>
-            <a:endParaRPr b="0" lang="en-US" sz="1800" spc="-1" strike="noStrike">
-              <a:solidFill>
-                <a:srgbClr val="000000"/>
-              </a:solidFill>
-              <a:latin typeface="Arial"/>
-            </a:endParaRPr>
-          </a:p>
-        </p:txBody>
-      </p:sp>
-      <p:sp>
-        <p:nvSpPr>
-          <p:cNvPr id="37" name="PlaceHolder 3"/>
-          <p:cNvSpPr>
-            <a:spLocks noGrp="1"/>
-          </p:cNvSpPr>
-          <p:nvPr>
-            <p:ph type="body"/>
-          </p:nvPr>
-        </p:nvSpPr>
-        <p:spPr>
-          <a:xfrm>
-            <a:off x="4629240" y="1825560"/>
-            <a:ext cx="3885840" cy="4350960"/>
-          </a:xfrm>
-          <a:prstGeom prst="rect">
-            <a:avLst/>
-          </a:prstGeom>
-          <a:noFill/>
-          <a:ln w="0">
-            <a:noFill/>
-          </a:ln>
-        </p:spPr>
-        <p:txBody>
-          <a:bodyPr lIns="90000" rIns="90000" tIns="45000" bIns="45000" anchor="t">
-            <a:noAutofit/>
-          </a:bodyPr>
-          <a:p>
-            <a:pPr marL="228600" indent="-228600">
-              <a:lnSpc>
-                <a:spcPct val="90000"/>
-              </a:lnSpc>
+              <a:rPr b="0" lang="en-US" sz="2000" spc="-1" strike="noStrike">
+                <a:solidFill>
+                  <a:srgbClr val="000000"/>
+                </a:solidFill>
+                <a:latin typeface="Arial"/>
+              </a:rPr>
+              <a:t>Fifth Outline Level</a:t>
+            </a:r>
+            <a:endParaRPr b="0" lang="en-US" sz="2000" spc="-1" strike="noStrike">
+              <a:solidFill>
+                <a:srgbClr val="000000"/>
+              </a:solidFill>
+              <a:latin typeface="Arial"/>
+            </a:endParaRPr>
+          </a:p>
+          <a:p>
+            <a:pPr lvl="5" marL="2592000" indent="-216000">
               <a:spcBef>
-                <a:spcPts val="1001"/>
+                <a:spcPts val="283"/>
               </a:spcBef>
               <a:buClr>
                 <a:srgbClr val="000000"/>
               </a:buClr>
-              <a:buFont typeface="Arial"/>
-              <a:buChar char="•"/>
-            </a:pPr>
-            <a:r>
-              <a:rPr b="0" lang="en-US" sz="2800" spc="-1" strike="noStrike">
-                <a:solidFill>
-                  <a:srgbClr val="000000"/>
-                </a:solidFill>
-                <a:latin typeface="Arial"/>
-              </a:rPr>
-              <a:t>Edit Master text styles</a:t>
-            </a:r>
-            <a:endParaRPr b="0" lang="en-US" sz="2800" spc="-1" strike="noStrike">
-              <a:solidFill>
-                <a:srgbClr val="000000"/>
-              </a:solidFill>
-              <a:latin typeface="Arial"/>
-            </a:endParaRPr>
-          </a:p>
-          <a:p>
-            <a:pPr lvl="1" marL="685800" indent="-228600">
-              <a:lnSpc>
-                <a:spcPct val="90000"/>
-              </a:lnSpc>
+              <a:buSzPct val="45000"/>
+              <a:buFont typeface="Wingdings" charset="2"/>
+              <a:buChar char=""/>
+            </a:pPr>
+            <a:r>
+              <a:rPr b="0" lang="en-US" sz="2000" spc="-1" strike="noStrike">
+                <a:solidFill>
+                  <a:srgbClr val="000000"/>
+                </a:solidFill>
+                <a:latin typeface="Arial"/>
+              </a:rPr>
+              <a:t>Sixth Outline Level</a:t>
+            </a:r>
+            <a:endParaRPr b="0" lang="en-US" sz="2000" spc="-1" strike="noStrike">
+              <a:solidFill>
+                <a:srgbClr val="000000"/>
+              </a:solidFill>
+              <a:latin typeface="Arial"/>
+            </a:endParaRPr>
+          </a:p>
+          <a:p>
+            <a:pPr lvl="6" marL="3024000" indent="-216000">
               <a:spcBef>
-                <a:spcPts val="499"/>
+                <a:spcPts val="283"/>
               </a:spcBef>
               <a:buClr>
                 <a:srgbClr val="000000"/>
               </a:buClr>
-              <a:buFont typeface="Arial"/>
-              <a:buChar char="•"/>
-            </a:pPr>
-            <a:r>
-              <a:rPr b="0" lang="en-US" sz="2400" spc="-1" strike="noStrike">
-                <a:solidFill>
-                  <a:srgbClr val="000000"/>
-                </a:solidFill>
-                <a:latin typeface="Arial"/>
-              </a:rPr>
-              <a:t>Second level</a:t>
-            </a:r>
-            <a:endParaRPr b="0" lang="en-US" sz="2400" spc="-1" strike="noStrike">
-              <a:solidFill>
-                <a:srgbClr val="000000"/>
-              </a:solidFill>
-              <a:latin typeface="Arial"/>
-            </a:endParaRPr>
-          </a:p>
-          <a:p>
-            <a:pPr lvl="2" marL="1143000" indent="-228600">
-              <a:lnSpc>
-                <a:spcPct val="90000"/>
-              </a:lnSpc>
-              <a:spcBef>
-                <a:spcPts val="499"/>
-              </a:spcBef>
-              <a:buClr>
-                <a:srgbClr val="000000"/>
-              </a:buClr>
-              <a:buFont typeface="Arial"/>
-              <a:buChar char="•"/>
+              <a:buSzPct val="45000"/>
+              <a:buFont typeface="Wingdings" charset="2"/>
+              <a:buChar char=""/>
             </a:pPr>
             <a:r>
               <a:rPr b="0" lang="en-US" sz="2000" spc="-1" strike="noStrike">
@@ -2998,127 +2969,9 @@
                 </a:solidFill>
                 <a:latin typeface="Arial"/>
               </a:rPr>
-              <a:t>Third level</a:t>
+              <a:t>Seventh Outline Level</a:t>
             </a:r>
             <a:endParaRPr b="0" lang="en-US" sz="2000" spc="-1" strike="noStrike">
-              <a:solidFill>
-                <a:srgbClr val="000000"/>
-              </a:solidFill>
-              <a:latin typeface="Arial"/>
-            </a:endParaRPr>
-          </a:p>
-          <a:p>
-            <a:pPr lvl="3" marL="1600200" indent="-228600">
-              <a:lnSpc>
-                <a:spcPct val="90000"/>
-              </a:lnSpc>
-              <a:spcBef>
-                <a:spcPts val="499"/>
-              </a:spcBef>
-              <a:buClr>
-                <a:srgbClr val="000000"/>
-              </a:buClr>
-              <a:buFont typeface="Arial"/>
-              <a:buChar char="•"/>
-            </a:pPr>
-            <a:r>
-              <a:rPr b="0" lang="en-US" sz="1800" spc="-1" strike="noStrike">
-                <a:solidFill>
-                  <a:srgbClr val="000000"/>
-                </a:solidFill>
-                <a:latin typeface="Arial"/>
-              </a:rPr>
-              <a:t>Fourth level</a:t>
-            </a:r>
-            <a:endParaRPr b="0" lang="en-US" sz="1800" spc="-1" strike="noStrike">
-              <a:solidFill>
-                <a:srgbClr val="000000"/>
-              </a:solidFill>
-              <a:latin typeface="Arial"/>
-            </a:endParaRPr>
-          </a:p>
-          <a:p>
-            <a:pPr lvl="4" marL="2057400" indent="-228600">
-              <a:lnSpc>
-                <a:spcPct val="90000"/>
-              </a:lnSpc>
-              <a:spcBef>
-                <a:spcPts val="499"/>
-              </a:spcBef>
-              <a:buClr>
-                <a:srgbClr val="000000"/>
-              </a:buClr>
-              <a:buFont typeface="Arial"/>
-              <a:buChar char="•"/>
-            </a:pPr>
-            <a:r>
-              <a:rPr b="0" lang="en-US" sz="1800" spc="-1" strike="noStrike">
-                <a:solidFill>
-                  <a:srgbClr val="000000"/>
-                </a:solidFill>
-                <a:latin typeface="Arial"/>
-              </a:rPr>
-              <a:t>Fifth level</a:t>
-            </a:r>
-            <a:endParaRPr b="0" lang="en-US" sz="1800" spc="-1" strike="noStrike">
-              <a:solidFill>
-                <a:srgbClr val="000000"/>
-              </a:solidFill>
-              <a:latin typeface="Arial"/>
-            </a:endParaRPr>
-          </a:p>
-        </p:txBody>
-      </p:sp>
-      <p:sp>
-        <p:nvSpPr>
-          <p:cNvPr id="38" name="PlaceHolder 4"/>
-          <p:cNvSpPr>
-            <a:spLocks noGrp="1"/>
-          </p:cNvSpPr>
-          <p:nvPr>
-            <p:ph type="body"/>
-          </p:nvPr>
-        </p:nvSpPr>
-        <p:spPr>
-          <a:xfrm>
-            <a:off x="260280" y="6480720"/>
-            <a:ext cx="8623080" cy="376920"/>
-          </a:xfrm>
-          <a:prstGeom prst="rect">
-            <a:avLst/>
-          </a:prstGeom>
-          <a:noFill/>
-          <a:ln w="0">
-            <a:noFill/>
-          </a:ln>
-        </p:spPr>
-        <p:txBody>
-          <a:bodyPr lIns="90000" rIns="90000" tIns="45000" bIns="45000" anchor="t">
-            <a:noAutofit/>
-          </a:bodyPr>
-          <a:p>
-            <a:pPr indent="0" algn="ctr">
-              <a:lnSpc>
-                <a:spcPct val="90000"/>
-              </a:lnSpc>
-              <a:spcBef>
-                <a:spcPts val="1001"/>
-              </a:spcBef>
-              <a:buNone/>
-              <a:tabLst>
-                <a:tab algn="l" pos="0"/>
-              </a:tabLst>
-            </a:pPr>
-            <a:r>
-              <a:rPr b="0" lang="en-US" sz="1800" spc="-1" strike="noStrike">
-                <a:solidFill>
-                  <a:srgbClr val="ffffff"/>
-                </a:solidFill>
-                <a:latin typeface="Arial"/>
-              </a:rPr>
-              <a:t>Department or Office Name</a:t>
-            </a:r>
-            <a:endParaRPr b="0" lang="en-US" sz="1800" spc="-1" strike="noStrike">
               <a:solidFill>
                 <a:srgbClr val="000000"/>
               </a:solidFill>
@@ -3155,14 +3008,14 @@
       </p:grpSpPr>
       <p:sp>
         <p:nvSpPr>
-          <p:cNvPr id="45" name="Rectangle 17"/>
+          <p:cNvPr id="40" name="Rectangle 17"/>
           <p:cNvSpPr/>
           <p:nvPr/>
         </p:nvSpPr>
         <p:spPr>
           <a:xfrm>
             <a:off x="0" y="0"/>
-            <a:ext cx="9143640" cy="6857640"/>
+            <a:ext cx="9143280" cy="6857280"/>
           </a:xfrm>
           <a:prstGeom prst="rect">
             <a:avLst/>
@@ -3185,25 +3038,31 @@
             <a:noAutofit/>
           </a:bodyPr>
           <a:p>
+            <a:pPr>
+              <a:lnSpc>
+                <a:spcPct val="100000"/>
+              </a:lnSpc>
+            </a:pPr>
             <a:endParaRPr b="0" lang="en-US" sz="1800" spc="-1" strike="noStrike">
               <a:solidFill>
                 <a:srgbClr val="ffffff"/>
               </a:solidFill>
               <a:latin typeface="Arial"/>
+              <a:ea typeface="DejaVu Sans"/>
             </a:endParaRPr>
           </a:p>
         </p:txBody>
       </p:sp>
       <p:sp>
         <p:nvSpPr>
-          <p:cNvPr id="46" name="TextBox 18"/>
+          <p:cNvPr id="41" name="TextBox 18"/>
           <p:cNvSpPr/>
           <p:nvPr/>
         </p:nvSpPr>
         <p:spPr>
           <a:xfrm>
             <a:off x="4082400" y="4595400"/>
-            <a:ext cx="4799880" cy="638280"/>
+            <a:ext cx="4799520" cy="638280"/>
           </a:xfrm>
           <a:prstGeom prst="rect">
             <a:avLst/>
@@ -3235,6 +3094,7 @@
                   <a:srgbClr val="f26000"/>
                 </a:solidFill>
                 <a:latin typeface="Arial"/>
+                <a:ea typeface="DejaVu Sans"/>
               </a:rPr>
               <a:t>AI-Driven Sentiment Analysis of Social Media for Mental Health Indicators</a:t>
             </a:r>
@@ -3249,14 +3109,14 @@
       </p:sp>
       <p:sp>
         <p:nvSpPr>
-          <p:cNvPr id="47" name="TextBox 19"/>
+          <p:cNvPr id="42" name="TextBox 19"/>
           <p:cNvSpPr/>
           <p:nvPr/>
         </p:nvSpPr>
         <p:spPr>
           <a:xfrm>
             <a:off x="4082400" y="5182560"/>
-            <a:ext cx="4799880" cy="303840"/>
+            <a:ext cx="4799520" cy="303120"/>
           </a:xfrm>
           <a:prstGeom prst="rect">
             <a:avLst/>
@@ -3288,6 +3148,7 @@
                   <a:srgbClr val="f26000"/>
                 </a:solidFill>
                 <a:latin typeface="Arial"/>
+                <a:ea typeface="DejaVu Sans"/>
               </a:rPr>
               <a:t>Mason Conkel and Sudman Sakib</a:t>
             </a:r>
@@ -3302,7 +3163,7 @@
       </p:sp>
       <p:pic>
         <p:nvPicPr>
-          <p:cNvPr id="48" name="Picture 20" descr=""/>
+          <p:cNvPr id="43" name="Picture 20" descr=""/>
           <p:cNvPicPr/>
           <p:nvPr/>
         </p:nvPicPr>
@@ -3313,7 +3174,7 @@
         <p:spPr>
           <a:xfrm>
             <a:off x="4157280" y="3849840"/>
-            <a:ext cx="3623760" cy="658080"/>
+            <a:ext cx="3623400" cy="657720"/>
           </a:xfrm>
           <a:prstGeom prst="rect">
             <a:avLst/>
@@ -3325,7 +3186,7 @@
       </p:pic>
       <p:sp>
         <p:nvSpPr>
-          <p:cNvPr id="49" name="Straight Connector 21"/>
+          <p:cNvPr id="44" name="Straight Connector 21"/>
           <p:cNvSpPr/>
           <p:nvPr/>
         </p:nvSpPr>
@@ -3360,6 +3221,7 @@
                 <a:srgbClr val="000000"/>
               </a:solidFill>
               <a:latin typeface="Arial"/>
+              <a:ea typeface="DejaVu Sans"/>
             </a:endParaRPr>
           </a:p>
         </p:txBody>
@@ -3396,7 +3258,7 @@
       </p:grpSpPr>
       <p:sp>
         <p:nvSpPr>
-          <p:cNvPr id="99" name="PlaceHolder 1"/>
+          <p:cNvPr id="94" name="PlaceHolder 1"/>
           <p:cNvSpPr>
             <a:spLocks noGrp="1"/>
           </p:cNvSpPr>
@@ -3407,7 +3269,7 @@
         <p:spPr>
           <a:xfrm>
             <a:off x="235080" y="807120"/>
-            <a:ext cx="8676000" cy="1325160"/>
+            <a:ext cx="8675640" cy="1324800"/>
           </a:xfrm>
           <a:prstGeom prst="rect">
             <a:avLst/>
@@ -3427,6 +3289,9 @@
                 <a:spcPct val="90000"/>
               </a:lnSpc>
               <a:buNone/>
+              <a:tabLst>
+                <a:tab algn="l" pos="0"/>
+              </a:tabLst>
             </a:pPr>
             <a:r>
               <a:rPr b="0" lang="en-US" sz="4400" spc="-1" strike="noStrike">
@@ -3448,7 +3313,7 @@
       </p:sp>
       <p:sp>
         <p:nvSpPr>
-          <p:cNvPr id="100" name="PlaceHolder 2"/>
+          <p:cNvPr id="95" name="PlaceHolder 2"/>
           <p:cNvSpPr>
             <a:spLocks noGrp="1"/>
           </p:cNvSpPr>
@@ -3459,7 +3324,7 @@
         <p:spPr>
           <a:xfrm>
             <a:off x="228600" y="1821240"/>
-            <a:ext cx="7086600" cy="4350960"/>
+            <a:ext cx="7086240" cy="4350600"/>
           </a:xfrm>
           <a:prstGeom prst="rect">
             <a:avLst/>
@@ -3756,14 +3621,14 @@
       </p:sp>
       <p:sp>
         <p:nvSpPr>
-          <p:cNvPr id="101" name=""/>
-          <p:cNvSpPr txBox="1"/>
+          <p:cNvPr id="96" name=""/>
+          <p:cNvSpPr/>
           <p:nvPr/>
         </p:nvSpPr>
         <p:spPr>
           <a:xfrm>
             <a:off x="6696000" y="2027160"/>
-            <a:ext cx="180720" cy="232560"/>
+            <a:ext cx="180360" cy="232200"/>
           </a:xfrm>
           <a:prstGeom prst="rect">
             <a:avLst/>
@@ -3773,11 +3638,22 @@
             <a:noFill/>
           </a:ln>
         </p:spPr>
+        <p:style>
+          <a:lnRef idx="0"/>
+          <a:fillRef idx="0"/>
+          <a:effectRef idx="0"/>
+          <a:fontRef idx="minor"/>
+        </p:style>
         <p:txBody>
           <a:bodyPr lIns="90000" rIns="90000" tIns="45000" bIns="45000" anchor="t">
             <a:noAutofit/>
           </a:bodyPr>
           <a:p>
+            <a:pPr>
+              <a:lnSpc>
+                <a:spcPct val="100000"/>
+              </a:lnSpc>
+            </a:pPr>
             <a:endParaRPr b="0" lang="en-US" sz="1000" spc="-1" strike="noStrike">
               <a:solidFill>
                 <a:srgbClr val="000000"/>
@@ -3789,14 +3665,14 @@
       </p:sp>
       <p:sp>
         <p:nvSpPr>
-          <p:cNvPr id="102" name=""/>
-          <p:cNvSpPr txBox="1"/>
+          <p:cNvPr id="97" name=""/>
+          <p:cNvSpPr/>
           <p:nvPr/>
         </p:nvSpPr>
         <p:spPr>
           <a:xfrm>
             <a:off x="6357240" y="3831120"/>
-            <a:ext cx="180720" cy="232560"/>
+            <a:ext cx="180360" cy="232200"/>
           </a:xfrm>
           <a:prstGeom prst="rect">
             <a:avLst/>
@@ -3806,11 +3682,22 @@
             <a:noFill/>
           </a:ln>
         </p:spPr>
+        <p:style>
+          <a:lnRef idx="0"/>
+          <a:fillRef idx="0"/>
+          <a:effectRef idx="0"/>
+          <a:fontRef idx="minor"/>
+        </p:style>
         <p:txBody>
           <a:bodyPr lIns="90000" rIns="90000" tIns="45000" bIns="45000" anchor="t">
             <a:noAutofit/>
           </a:bodyPr>
           <a:p>
+            <a:pPr>
+              <a:lnSpc>
+                <a:spcPct val="100000"/>
+              </a:lnSpc>
+            </a:pPr>
             <a:endParaRPr b="0" lang="en-US" sz="1000" spc="-1" strike="noStrike">
               <a:solidFill>
                 <a:srgbClr val="000000"/>
@@ -3822,14 +3709,14 @@
       </p:sp>
       <p:sp>
         <p:nvSpPr>
-          <p:cNvPr id="103" name=""/>
-          <p:cNvSpPr txBox="1"/>
+          <p:cNvPr id="98" name=""/>
+          <p:cNvSpPr/>
           <p:nvPr/>
         </p:nvSpPr>
         <p:spPr>
           <a:xfrm>
             <a:off x="228600" y="6539040"/>
-            <a:ext cx="8686800" cy="319320"/>
+            <a:ext cx="8686440" cy="318960"/>
           </a:xfrm>
           <a:prstGeom prst="rect">
             <a:avLst/>
@@ -3839,11 +3726,22 @@
             <a:noFill/>
           </a:ln>
         </p:spPr>
+        <p:style>
+          <a:lnRef idx="0"/>
+          <a:fillRef idx="0"/>
+          <a:effectRef idx="0"/>
+          <a:fontRef idx="minor"/>
+        </p:style>
         <p:txBody>
           <a:bodyPr lIns="90000" rIns="90000" tIns="45000" bIns="45000" anchor="t">
             <a:noAutofit/>
           </a:bodyPr>
           <a:p>
+            <a:pPr>
+              <a:lnSpc>
+                <a:spcPct val="100000"/>
+              </a:lnSpc>
+            </a:pPr>
             <a:r>
               <a:rPr b="1" lang="en-US" sz="1800" spc="-1" strike="noStrike">
                 <a:solidFill>
@@ -3916,114 +3814,29 @@
           </a:p>
         </p:txBody>
       </p:sp>
-      <mc:AlternateContent>
-        <mc:Choice xmlns:a14="http://schemas.microsoft.com/office/drawing/2010/main" Requires="a14">
-          <p:sp>
-            <p:nvSpPr>
-              <p:cNvPr id="104" name=""/>
-              <p:cNvSpPr txBox="1"/>
-              <p:nvPr/>
-            </p:nvSpPr>
-            <p:spPr>
-              <a:xfrm>
-                <a:off x="2474280" y="3200400"/>
-                <a:ext cx="4383720" cy="528480"/>
-              </a:xfrm>
-              <a:prstGeom prst="rect">
-                <a:avLst/>
-              </a:prstGeom>
-            </p:spPr>
-            <p:txBody>
-              <a:bodyPr/>
-              <a:p>
-                <a14:m>
-                  <m:oMath xmlns:m="http://schemas.openxmlformats.org/officeDocument/2006/math">
-                    <m:r>
-                      <m:t xml:space="preserve">F</m:t>
-                    </m:r>
-                    <m:r>
-                      <m:t xml:space="preserve">1</m:t>
-                    </m:r>
-                    <m:r>
-                      <m:t xml:space="preserve">=</m:t>
-                    </m:r>
-                    <m:f>
-                      <m:num>
-                        <m:r>
-                          <m:t xml:space="preserve">2</m:t>
-                        </m:r>
-                        <m:r>
-                          <m:t xml:space="preserve">×</m:t>
-                        </m:r>
-                        <m:r>
-                          <m:t xml:space="preserve">TP</m:t>
-                        </m:r>
-                      </m:num>
-                      <m:den>
-                        <m:r>
-                          <m:t xml:space="preserve">2</m:t>
-                        </m:r>
-                        <m:r>
-                          <m:t xml:space="preserve">×</m:t>
-                        </m:r>
-                        <m:r>
-                          <m:t xml:space="preserve">TP</m:t>
-                        </m:r>
-                        <m:r>
-                          <m:t xml:space="preserve">+</m:t>
-                        </m:r>
-                        <m:r>
-                          <m:t xml:space="preserve">FP</m:t>
-                        </m:r>
-                        <m:r>
-                          <m:t xml:space="preserve">+</m:t>
-                        </m:r>
-                        <m:r>
-                          <m:t xml:space="preserve">FN</m:t>
-                        </m:r>
-                      </m:den>
-                    </m:f>
-                    <m:r>
-                      <m:t xml:space="preserve">=</m:t>
-                    </m:r>
-                    <m:f>
-                      <m:num>
-                        <m:r>
-                          <m:t xml:space="preserve">2</m:t>
-                        </m:r>
-                        <m:r>
-                          <m:t xml:space="preserve">×</m:t>
-                        </m:r>
-                        <m:r>
-                          <m:t xml:space="preserve">Precision</m:t>
-                        </m:r>
-                        <m:r>
-                          <m:t xml:space="preserve">×</m:t>
-                        </m:r>
-                        <m:r>
-                          <m:t xml:space="preserve">Recall</m:t>
-                        </m:r>
-                      </m:num>
-                      <m:den>
-                        <m:r>
-                          <m:t xml:space="preserve">Precision</m:t>
-                        </m:r>
-                        <m:r>
-                          <m:t xml:space="preserve">+</m:t>
-                        </m:r>
-                        <m:r>
-                          <m:t xml:space="preserve">Recall</m:t>
-                        </m:r>
-                      </m:den>
-                    </m:f>
-                  </m:oMath>
-                </a14:m>
-              </a:p>
-            </p:txBody>
-          </p:sp>
-        </mc:Choice>
-        <mc:Fallback/>
-      </mc:AlternateContent>
+      <p:pic>
+        <p:nvPicPr>
+          <p:cNvPr id="99" name="" descr=""/>
+          <p:cNvPicPr/>
+          <p:nvPr/>
+        </p:nvPicPr>
+        <p:blipFill>
+          <a:blip r:embed="rId1"/>
+          <a:stretch/>
+        </p:blipFill>
+        <p:spPr>
+          <a:xfrm>
+            <a:off x="3715200" y="3200400"/>
+            <a:ext cx="4971600" cy="610560"/>
+          </a:xfrm>
+          <a:prstGeom prst="rect">
+            <a:avLst/>
+          </a:prstGeom>
+          <a:ln w="0">
+            <a:noFill/>
+          </a:ln>
+        </p:spPr>
+      </p:pic>
     </p:spTree>
   </p:cSld>
   <mc:AlternateContent>
@@ -4056,7 +3869,7 @@
       </p:grpSpPr>
       <p:sp>
         <p:nvSpPr>
-          <p:cNvPr id="105" name="PlaceHolder 1"/>
+          <p:cNvPr id="100" name="PlaceHolder 1"/>
           <p:cNvSpPr>
             <a:spLocks noGrp="1"/>
           </p:cNvSpPr>
@@ -4067,7 +3880,7 @@
         <p:spPr>
           <a:xfrm>
             <a:off x="235080" y="807120"/>
-            <a:ext cx="8676000" cy="793080"/>
+            <a:ext cx="8675640" cy="792720"/>
           </a:xfrm>
           <a:prstGeom prst="rect">
             <a:avLst/>
@@ -4087,6 +3900,9 @@
                 <a:spcPct val="90000"/>
               </a:lnSpc>
               <a:buNone/>
+              <a:tabLst>
+                <a:tab algn="l" pos="0"/>
+              </a:tabLst>
             </a:pPr>
             <a:r>
               <a:rPr b="0" lang="en-US" sz="4400" spc="-1" strike="noStrike">
@@ -4108,7 +3924,7 @@
       </p:sp>
       <p:sp>
         <p:nvSpPr>
-          <p:cNvPr id="106" name="PlaceHolder 2"/>
+          <p:cNvPr id="101" name="PlaceHolder 2"/>
           <p:cNvSpPr>
             <a:spLocks noGrp="1"/>
           </p:cNvSpPr>
@@ -4119,7 +3935,7 @@
         <p:spPr>
           <a:xfrm>
             <a:off x="228600" y="1821240"/>
-            <a:ext cx="7315200" cy="1379160"/>
+            <a:ext cx="7314840" cy="1378800"/>
           </a:xfrm>
           <a:prstGeom prst="rect">
             <a:avLst/>
@@ -4230,14 +4046,14 @@
       </p:sp>
       <p:sp>
         <p:nvSpPr>
-          <p:cNvPr id="107" name=""/>
-          <p:cNvSpPr txBox="1"/>
+          <p:cNvPr id="102" name=""/>
+          <p:cNvSpPr/>
           <p:nvPr/>
         </p:nvSpPr>
         <p:spPr>
           <a:xfrm>
             <a:off x="6696000" y="2027160"/>
-            <a:ext cx="180720" cy="232560"/>
+            <a:ext cx="180360" cy="232200"/>
           </a:xfrm>
           <a:prstGeom prst="rect">
             <a:avLst/>
@@ -4247,11 +4063,22 @@
             <a:noFill/>
           </a:ln>
         </p:spPr>
+        <p:style>
+          <a:lnRef idx="0"/>
+          <a:fillRef idx="0"/>
+          <a:effectRef idx="0"/>
+          <a:fontRef idx="minor"/>
+        </p:style>
         <p:txBody>
           <a:bodyPr lIns="90000" rIns="90000" tIns="45000" bIns="45000" anchor="t">
             <a:noAutofit/>
           </a:bodyPr>
           <a:p>
+            <a:pPr>
+              <a:lnSpc>
+                <a:spcPct val="100000"/>
+              </a:lnSpc>
+            </a:pPr>
             <a:endParaRPr b="0" lang="en-US" sz="1000" spc="-1" strike="noStrike">
               <a:solidFill>
                 <a:srgbClr val="000000"/>
@@ -4263,14 +4090,14 @@
       </p:sp>
       <p:sp>
         <p:nvSpPr>
-          <p:cNvPr id="108" name=""/>
-          <p:cNvSpPr txBox="1"/>
+          <p:cNvPr id="103" name=""/>
+          <p:cNvSpPr/>
           <p:nvPr/>
         </p:nvSpPr>
         <p:spPr>
           <a:xfrm>
             <a:off x="6357240" y="3831120"/>
-            <a:ext cx="180720" cy="232560"/>
+            <a:ext cx="180360" cy="232200"/>
           </a:xfrm>
           <a:prstGeom prst="rect">
             <a:avLst/>
@@ -4280,11 +4107,22 @@
             <a:noFill/>
           </a:ln>
         </p:spPr>
+        <p:style>
+          <a:lnRef idx="0"/>
+          <a:fillRef idx="0"/>
+          <a:effectRef idx="0"/>
+          <a:fontRef idx="minor"/>
+        </p:style>
         <p:txBody>
           <a:bodyPr lIns="90000" rIns="90000" tIns="45000" bIns="45000" anchor="t">
             <a:noAutofit/>
           </a:bodyPr>
           <a:p>
+            <a:pPr>
+              <a:lnSpc>
+                <a:spcPct val="100000"/>
+              </a:lnSpc>
+            </a:pPr>
             <a:endParaRPr b="0" lang="en-US" sz="1000" spc="-1" strike="noStrike">
               <a:solidFill>
                 <a:srgbClr val="000000"/>
@@ -4296,14 +4134,14 @@
       </p:sp>
       <p:sp>
         <p:nvSpPr>
-          <p:cNvPr id="109" name=""/>
-          <p:cNvSpPr txBox="1"/>
+          <p:cNvPr id="104" name=""/>
+          <p:cNvSpPr/>
           <p:nvPr/>
         </p:nvSpPr>
         <p:spPr>
           <a:xfrm>
             <a:off x="228600" y="6539040"/>
-            <a:ext cx="8686800" cy="319320"/>
+            <a:ext cx="8686440" cy="318960"/>
           </a:xfrm>
           <a:prstGeom prst="rect">
             <a:avLst/>
@@ -4313,11 +4151,22 @@
             <a:noFill/>
           </a:ln>
         </p:spPr>
+        <p:style>
+          <a:lnRef idx="0"/>
+          <a:fillRef idx="0"/>
+          <a:effectRef idx="0"/>
+          <a:fontRef idx="minor"/>
+        </p:style>
         <p:txBody>
           <a:bodyPr lIns="90000" rIns="90000" tIns="45000" bIns="45000" anchor="t">
             <a:noAutofit/>
           </a:bodyPr>
           <a:p>
+            <a:pPr>
+              <a:lnSpc>
+                <a:spcPct val="100000"/>
+              </a:lnSpc>
+            </a:pPr>
             <a:r>
               <a:rPr b="1" lang="en-US" sz="1800" spc="-1" strike="noStrike">
                 <a:solidFill>
@@ -4392,13 +4241,13 @@
       </p:sp>
       <p:graphicFrame>
         <p:nvGraphicFramePr>
-          <p:cNvPr id="110" name=""/>
+          <p:cNvPr id="105" name=""/>
           <p:cNvGraphicFramePr/>
           <p:nvPr/>
         </p:nvGraphicFramePr>
         <p:xfrm>
           <a:off x="229320" y="3084840"/>
-          <a:ext cx="8685720" cy="3516480"/>
+          <a:ext cx="8685720" cy="3294000"/>
         </p:xfrm>
         <a:graphic>
           <a:graphicData uri="http://schemas.openxmlformats.org/drawingml/2006/table">
@@ -4417,10 +4266,15 @@
               <a:tr h="584280">
                 <a:tc>
                   <a:txBody>
-                    <a:bodyPr lIns="36000" rIns="36000" tIns="36000" bIns="36000" anchor="t">
+                    <a:bodyPr lIns="36000" rIns="36000" anchor="t">
                       <a:noAutofit/>
                     </a:bodyPr>
                     <a:p>
+                      <a:pPr>
+                        <a:lnSpc>
+                          <a:spcPct val="100000"/>
+                        </a:lnSpc>
+                      </a:pPr>
                       <a:endParaRPr b="0" lang="en-US" sz="1800" spc="-1" strike="noStrike">
                         <a:solidFill>
                           <a:srgbClr val="000000"/>
@@ -4429,7 +4283,11 @@
                       </a:endParaRPr>
                     </a:p>
                     <a:p>
-                      <a:pPr algn="ctr"/>
+                      <a:pPr algn="ctr">
+                        <a:lnSpc>
+                          <a:spcPct val="100000"/>
+                        </a:lnSpc>
+                      </a:pPr>
                       <a:r>
                         <a:rPr b="1" lang="en-US" sz="1800" spc="-1" strike="noStrike">
                           <a:solidFill>
@@ -4439,7 +4297,7 @@
                         </a:rPr>
                         <a:t>Mental State</a:t>
                       </a:r>
-                      <a:endParaRPr b="1" lang="en-US" sz="1800" spc="-1" strike="noStrike">
+                      <a:endParaRPr b="0" lang="en-US" sz="1800" spc="-1" strike="noStrike">
                         <a:solidFill>
                           <a:srgbClr val="000000"/>
                         </a:solidFill>
@@ -4477,11 +4335,15 @@
                 </a:tc>
                 <a:tc>
                   <a:txBody>
-                    <a:bodyPr lIns="36000" rIns="36000" tIns="36000" bIns="36000" anchor="t">
+                    <a:bodyPr lIns="36000" rIns="36000" anchor="t">
                       <a:noAutofit/>
                     </a:bodyPr>
                     <a:p>
-                      <a:pPr algn="ctr"/>
+                      <a:pPr algn="ctr">
+                        <a:lnSpc>
+                          <a:spcPct val="100000"/>
+                        </a:lnSpc>
+                      </a:pPr>
                       <a:r>
                         <a:rPr b="0" lang="en-US" sz="1800" spc="-1" strike="noStrike">
                           <a:solidFill>
@@ -4529,11 +4391,15 @@
                 </a:tc>
                 <a:tc>
                   <a:txBody>
-                    <a:bodyPr lIns="36000" rIns="36000" tIns="36000" bIns="36000" anchor="t">
+                    <a:bodyPr lIns="36000" rIns="36000" anchor="t">
                       <a:noAutofit/>
                     </a:bodyPr>
                     <a:p>
-                      <a:pPr algn="ctr"/>
+                      <a:pPr algn="ctr">
+                        <a:lnSpc>
+                          <a:spcPct val="100000"/>
+                        </a:lnSpc>
+                      </a:pPr>
                       <a:r>
                         <a:rPr b="0" lang="en-US" sz="1800" spc="-1" strike="noStrike">
                           <a:solidFill>
@@ -4581,11 +4447,15 @@
                 </a:tc>
                 <a:tc>
                   <a:txBody>
-                    <a:bodyPr lIns="36000" rIns="36000" tIns="36000" bIns="36000" anchor="t">
+                    <a:bodyPr lIns="36000" rIns="36000" anchor="t">
                       <a:noAutofit/>
                     </a:bodyPr>
                     <a:p>
-                      <a:pPr algn="ctr"/>
+                      <a:pPr algn="ctr">
+                        <a:lnSpc>
+                          <a:spcPct val="100000"/>
+                        </a:lnSpc>
+                      </a:pPr>
                       <a:r>
                         <a:rPr b="0" lang="en-US" sz="1800" spc="-1" strike="noStrike">
                           <a:solidFill>
@@ -4633,11 +4503,15 @@
                 </a:tc>
                 <a:tc>
                   <a:txBody>
-                    <a:bodyPr lIns="36000" rIns="36000" tIns="36000" bIns="36000" anchor="t">
+                    <a:bodyPr lIns="36000" rIns="36000" anchor="t">
                       <a:noAutofit/>
                     </a:bodyPr>
                     <a:p>
-                      <a:pPr algn="ctr"/>
+                      <a:pPr algn="ctr">
+                        <a:lnSpc>
+                          <a:spcPct val="100000"/>
+                        </a:lnSpc>
+                      </a:pPr>
                       <a:r>
                         <a:rPr b="0" lang="en-US" sz="1800" spc="-1" strike="noStrike">
                           <a:solidFill>
@@ -4685,11 +4559,15 @@
                 </a:tc>
                 <a:tc>
                   <a:txBody>
-                    <a:bodyPr lIns="36000" rIns="36000" tIns="36000" bIns="36000" anchor="t">
+                    <a:bodyPr lIns="36000" rIns="36000" anchor="t">
                       <a:noAutofit/>
                     </a:bodyPr>
                     <a:p>
-                      <a:pPr algn="ctr"/>
+                      <a:pPr algn="ctr">
+                        <a:lnSpc>
+                          <a:spcPct val="100000"/>
+                        </a:lnSpc>
+                      </a:pPr>
                       <a:r>
                         <a:rPr b="0" lang="en-US" sz="1800" spc="-1" strike="noStrike">
                           <a:solidFill>
@@ -4737,11 +4615,15 @@
                 </a:tc>
                 <a:tc>
                   <a:txBody>
-                    <a:bodyPr lIns="36000" rIns="36000" tIns="36000" bIns="36000" anchor="t">
+                    <a:bodyPr lIns="36000" rIns="36000" anchor="t">
                       <a:noAutofit/>
                     </a:bodyPr>
                     <a:p>
-                      <a:pPr algn="ctr"/>
+                      <a:pPr algn="ctr">
+                        <a:lnSpc>
+                          <a:spcPct val="100000"/>
+                        </a:lnSpc>
+                      </a:pPr>
                       <a:r>
                         <a:rPr b="0" lang="en-US" sz="1800" spc="-1" strike="noStrike">
                           <a:solidFill>
@@ -4789,11 +4671,15 @@
                 </a:tc>
                 <a:tc>
                   <a:txBody>
-                    <a:bodyPr lIns="36000" rIns="36000" tIns="36000" bIns="36000" anchor="t">
+                    <a:bodyPr lIns="36000" rIns="36000" anchor="t">
                       <a:noAutofit/>
                     </a:bodyPr>
                     <a:p>
-                      <a:pPr algn="ctr"/>
+                      <a:pPr algn="ctr">
+                        <a:lnSpc>
+                          <a:spcPct val="100000"/>
+                        </a:lnSpc>
+                      </a:pPr>
                       <a:r>
                         <a:rPr b="0" lang="en-US" sz="1800" spc="-1" strike="noStrike">
                           <a:solidFill>
@@ -4843,11 +4729,15 @@
               <a:tr h="584280">
                 <a:tc>
                   <a:txBody>
-                    <a:bodyPr lIns="36000" rIns="36000" tIns="36000" bIns="36000" anchor="t">
+                    <a:bodyPr lIns="36000" rIns="36000" anchor="t">
                       <a:noAutofit/>
                     </a:bodyPr>
                     <a:p>
-                      <a:pPr algn="ctr"/>
+                      <a:pPr algn="ctr">
+                        <a:lnSpc>
+                          <a:spcPct val="100000"/>
+                        </a:lnSpc>
+                      </a:pPr>
                       <a:r>
                         <a:rPr b="1" lang="en-US" sz="1800" spc="-1" strike="noStrike">
                           <a:solidFill>
@@ -4857,49 +4747,6 @@
                         </a:rPr>
                         <a:t>Predicted Emotion</a:t>
                       </a:r>
-                      <a:endParaRPr b="1" lang="en-US" sz="1800" spc="-1" strike="noStrike">
-                        <a:solidFill>
-                          <a:srgbClr val="000000"/>
-                        </a:solidFill>
-                        <a:latin typeface="Arial"/>
-                      </a:endParaRPr>
-                    </a:p>
-                  </a:txBody>
-                  <a:tcPr anchor="t" marL="36000" marR="36000">
-                    <a:lnL w="7200">
-                      <a:solidFill>
-                        <a:srgbClr val="000000"/>
-                      </a:solidFill>
-                      <a:prstDash val="solid"/>
-                    </a:lnL>
-                    <a:lnR w="7200">
-                      <a:solidFill>
-                        <a:srgbClr val="000000"/>
-                      </a:solidFill>
-                      <a:prstDash val="solid"/>
-                    </a:lnR>
-                    <a:lnT w="7200">
-                      <a:solidFill>
-                        <a:srgbClr val="000000"/>
-                      </a:solidFill>
-                      <a:prstDash val="solid"/>
-                    </a:lnT>
-                    <a:lnB w="7200">
-                      <a:solidFill>
-                        <a:srgbClr val="000000"/>
-                      </a:solidFill>
-                      <a:prstDash val="solid"/>
-                    </a:lnB>
-                    <a:noFill/>
-                  </a:tcPr>
-                </a:tc>
-                <a:tc>
-                  <a:txBody>
-                    <a:bodyPr lIns="36000" rIns="36000" tIns="36000" bIns="36000" anchor="t">
-                      <a:noAutofit/>
-                    </a:bodyPr>
-                    <a:p>
-                      <a:pPr algn="ctr"/>
                       <a:endParaRPr b="0" lang="en-US" sz="1800" spc="-1" strike="noStrike">
                         <a:solidFill>
                           <a:srgbClr val="000000"/>
@@ -4938,11 +4785,10 @@
                 </a:tc>
                 <a:tc>
                   <a:txBody>
-                    <a:bodyPr lIns="36000" rIns="36000" tIns="36000" bIns="36000" anchor="t">
+                    <a:bodyPr lIns="36000" rIns="36000" anchor="t">
                       <a:noAutofit/>
                     </a:bodyPr>
                     <a:p>
-                      <a:pPr algn="ctr"/>
                       <a:endParaRPr b="0" lang="en-US" sz="1800" spc="-1" strike="noStrike">
                         <a:solidFill>
                           <a:srgbClr val="000000"/>
@@ -4981,11 +4827,10 @@
                 </a:tc>
                 <a:tc>
                   <a:txBody>
-                    <a:bodyPr lIns="36000" rIns="36000" tIns="36000" bIns="36000" anchor="t">
+                    <a:bodyPr lIns="36000" rIns="36000" anchor="t">
                       <a:noAutofit/>
                     </a:bodyPr>
                     <a:p>
-                      <a:pPr algn="ctr"/>
                       <a:endParaRPr b="0" lang="en-US" sz="1800" spc="-1" strike="noStrike">
                         <a:solidFill>
                           <a:srgbClr val="000000"/>
@@ -5024,11 +4869,10 @@
                 </a:tc>
                 <a:tc>
                   <a:txBody>
-                    <a:bodyPr lIns="36000" rIns="36000" tIns="36000" bIns="36000" anchor="t">
+                    <a:bodyPr lIns="36000" rIns="36000" anchor="t">
                       <a:noAutofit/>
                     </a:bodyPr>
                     <a:p>
-                      <a:pPr algn="ctr"/>
                       <a:endParaRPr b="0" lang="en-US" sz="1800" spc="-1" strike="noStrike">
                         <a:solidFill>
                           <a:srgbClr val="000000"/>
@@ -5067,11 +4911,10 @@
                 </a:tc>
                 <a:tc>
                   <a:txBody>
-                    <a:bodyPr lIns="36000" rIns="36000" tIns="36000" bIns="36000" anchor="t">
+                    <a:bodyPr lIns="36000" rIns="36000" anchor="t">
                       <a:noAutofit/>
                     </a:bodyPr>
                     <a:p>
-                      <a:pPr algn="ctr"/>
                       <a:endParaRPr b="0" lang="en-US" sz="1800" spc="-1" strike="noStrike">
                         <a:solidFill>
                           <a:srgbClr val="000000"/>
@@ -5110,11 +4953,10 @@
                 </a:tc>
                 <a:tc>
                   <a:txBody>
-                    <a:bodyPr lIns="36000" rIns="36000" tIns="36000" bIns="36000" anchor="t">
+                    <a:bodyPr lIns="36000" rIns="36000" anchor="t">
                       <a:noAutofit/>
                     </a:bodyPr>
                     <a:p>
-                      <a:pPr algn="ctr"/>
                       <a:endParaRPr b="0" lang="en-US" sz="1800" spc="-1" strike="noStrike">
                         <a:solidFill>
                           <a:srgbClr val="000000"/>
@@ -5153,11 +4995,10 @@
                 </a:tc>
                 <a:tc>
                   <a:txBody>
-                    <a:bodyPr lIns="36000" rIns="36000" tIns="36000" bIns="36000" anchor="t">
+                    <a:bodyPr lIns="36000" rIns="36000" anchor="t">
                       <a:noAutofit/>
                     </a:bodyPr>
                     <a:p>
-                      <a:pPr algn="ctr"/>
                       <a:endParaRPr b="0" lang="en-US" sz="1800" spc="-1" strike="noStrike">
                         <a:solidFill>
                           <a:srgbClr val="000000"/>
@@ -5194,15 +5035,61 @@
                     <a:noFill/>
                   </a:tcPr>
                 </a:tc>
+                <a:tc>
+                  <a:txBody>
+                    <a:bodyPr lIns="36000" rIns="36000" anchor="t">
+                      <a:noAutofit/>
+                    </a:bodyPr>
+                    <a:p>
+                      <a:endParaRPr b="0" lang="en-US" sz="1800" spc="-1" strike="noStrike">
+                        <a:solidFill>
+                          <a:srgbClr val="000000"/>
+                        </a:solidFill>
+                        <a:latin typeface="Arial"/>
+                      </a:endParaRPr>
+                    </a:p>
+                  </a:txBody>
+                  <a:tcPr anchor="t" marL="36000" marR="36000">
+                    <a:lnL w="7200">
+                      <a:solidFill>
+                        <a:srgbClr val="000000"/>
+                      </a:solidFill>
+                      <a:prstDash val="solid"/>
+                    </a:lnL>
+                    <a:lnR w="7200">
+                      <a:solidFill>
+                        <a:srgbClr val="000000"/>
+                      </a:solidFill>
+                      <a:prstDash val="solid"/>
+                    </a:lnR>
+                    <a:lnT w="7200">
+                      <a:solidFill>
+                        <a:srgbClr val="000000"/>
+                      </a:solidFill>
+                      <a:prstDash val="solid"/>
+                    </a:lnT>
+                    <a:lnB w="7200">
+                      <a:solidFill>
+                        <a:srgbClr val="000000"/>
+                      </a:solidFill>
+                      <a:prstDash val="solid"/>
+                    </a:lnB>
+                    <a:noFill/>
+                  </a:tcPr>
+                </a:tc>
               </a:tr>
               <a:tr h="328320">
                 <a:tc>
                   <a:txBody>
-                    <a:bodyPr lIns="36000" rIns="36000" tIns="36000" bIns="36000" anchor="t">
+                    <a:bodyPr lIns="36000" rIns="36000" anchor="t">
                       <a:noAutofit/>
                     </a:bodyPr>
                     <a:p>
-                      <a:pPr algn="ctr"/>
+                      <a:pPr algn="ctr">
+                        <a:lnSpc>
+                          <a:spcPct val="100000"/>
+                        </a:lnSpc>
+                      </a:pPr>
                       <a:r>
                         <a:rPr b="0" lang="en-US" sz="1800" spc="-1" strike="noStrike">
                           <a:solidFill>
@@ -5250,11 +5137,15 @@
                 </a:tc>
                 <a:tc>
                   <a:txBody>
-                    <a:bodyPr lIns="36000" rIns="36000" tIns="36000" bIns="36000" anchor="t">
+                    <a:bodyPr lIns="36000" rIns="36000" anchor="t">
                       <a:noAutofit/>
                     </a:bodyPr>
                     <a:p>
-                      <a:pPr algn="ctr"/>
+                      <a:pPr algn="ctr">
+                        <a:lnSpc>
+                          <a:spcPct val="100000"/>
+                        </a:lnSpc>
+                      </a:pPr>
                       <a:r>
                         <a:rPr b="0" lang="en-US" sz="1800" spc="-1" strike="noStrike">
                           <a:solidFill>
@@ -5302,11 +5193,15 @@
                 </a:tc>
                 <a:tc>
                   <a:txBody>
-                    <a:bodyPr lIns="36000" rIns="36000" tIns="36000" bIns="36000" anchor="t">
+                    <a:bodyPr lIns="36000" rIns="36000" anchor="t">
                       <a:noAutofit/>
                     </a:bodyPr>
                     <a:p>
-                      <a:pPr algn="ctr"/>
+                      <a:pPr algn="ctr">
+                        <a:lnSpc>
+                          <a:spcPct val="100000"/>
+                        </a:lnSpc>
+                      </a:pPr>
                       <a:r>
                         <a:rPr b="0" lang="en-US" sz="1800" spc="-1" strike="noStrike">
                           <a:solidFill>
@@ -5354,11 +5249,15 @@
                 </a:tc>
                 <a:tc>
                   <a:txBody>
-                    <a:bodyPr lIns="36000" rIns="36000" tIns="36000" bIns="36000" anchor="t">
+                    <a:bodyPr lIns="36000" rIns="36000" anchor="t">
                       <a:noAutofit/>
                     </a:bodyPr>
                     <a:p>
-                      <a:pPr algn="ctr"/>
+                      <a:pPr algn="ctr">
+                        <a:lnSpc>
+                          <a:spcPct val="100000"/>
+                        </a:lnSpc>
+                      </a:pPr>
                       <a:r>
                         <a:rPr b="0" lang="en-US" sz="1800" spc="-1" strike="noStrike">
                           <a:solidFill>
@@ -5406,11 +5305,15 @@
                 </a:tc>
                 <a:tc>
                   <a:txBody>
-                    <a:bodyPr lIns="36000" rIns="36000" tIns="36000" bIns="36000" anchor="t">
+                    <a:bodyPr lIns="36000" rIns="36000" anchor="t">
                       <a:noAutofit/>
                     </a:bodyPr>
                     <a:p>
-                      <a:pPr algn="ctr"/>
+                      <a:pPr algn="ctr">
+                        <a:lnSpc>
+                          <a:spcPct val="100000"/>
+                        </a:lnSpc>
+                      </a:pPr>
                       <a:r>
                         <a:rPr b="0" lang="en-US" sz="1800" spc="-1" strike="noStrike">
                           <a:solidFill>
@@ -5458,11 +5361,15 @@
                 </a:tc>
                 <a:tc>
                   <a:txBody>
-                    <a:bodyPr lIns="36000" rIns="36000" tIns="36000" bIns="36000" anchor="t">
+                    <a:bodyPr lIns="36000" rIns="36000" anchor="t">
                       <a:noAutofit/>
                     </a:bodyPr>
                     <a:p>
-                      <a:pPr algn="ctr"/>
+                      <a:pPr algn="ctr">
+                        <a:lnSpc>
+                          <a:spcPct val="100000"/>
+                        </a:lnSpc>
+                      </a:pPr>
                       <a:r>
                         <a:rPr b="0" lang="en-US" sz="1800" spc="-1" strike="noStrike">
                           <a:solidFill>
@@ -5510,11 +5417,15 @@
                 </a:tc>
                 <a:tc>
                   <a:txBody>
-                    <a:bodyPr lIns="36000" rIns="36000" tIns="36000" bIns="36000" anchor="t">
+                    <a:bodyPr lIns="36000" rIns="36000" anchor="t">
                       <a:noAutofit/>
                     </a:bodyPr>
                     <a:p>
-                      <a:pPr algn="ctr"/>
+                      <a:pPr algn="ctr">
+                        <a:lnSpc>
+                          <a:spcPct val="100000"/>
+                        </a:lnSpc>
+                      </a:pPr>
                       <a:r>
                         <a:rPr b="0" lang="en-US" sz="1800" spc="-1" strike="noStrike">
                           <a:solidFill>
@@ -5562,11 +5473,15 @@
                 </a:tc>
                 <a:tc>
                   <a:txBody>
-                    <a:bodyPr lIns="36000" rIns="36000" tIns="36000" bIns="36000" anchor="t">
+                    <a:bodyPr lIns="36000" rIns="36000" anchor="t">
                       <a:noAutofit/>
                     </a:bodyPr>
                     <a:p>
-                      <a:pPr algn="ctr"/>
+                      <a:pPr algn="ctr">
+                        <a:lnSpc>
+                          <a:spcPct val="100000"/>
+                        </a:lnSpc>
+                      </a:pPr>
                       <a:r>
                         <a:rPr b="0" lang="en-US" sz="1800" spc="-1" strike="noStrike">
                           <a:solidFill>
@@ -5616,11 +5531,15 @@
               <a:tr h="328320">
                 <a:tc>
                   <a:txBody>
-                    <a:bodyPr lIns="36000" rIns="36000" tIns="36000" bIns="36000" anchor="t">
+                    <a:bodyPr lIns="36000" rIns="36000" anchor="t">
                       <a:noAutofit/>
                     </a:bodyPr>
                     <a:p>
-                      <a:pPr algn="ctr"/>
+                      <a:pPr algn="ctr">
+                        <a:lnSpc>
+                          <a:spcPct val="100000"/>
+                        </a:lnSpc>
+                      </a:pPr>
                       <a:r>
                         <a:rPr b="0" lang="en-US" sz="1800" spc="-1" strike="noStrike">
                           <a:solidFill>
@@ -5668,11 +5587,15 @@
                 </a:tc>
                 <a:tc>
                   <a:txBody>
-                    <a:bodyPr lIns="36000" rIns="36000" tIns="36000" bIns="36000" anchor="t">
+                    <a:bodyPr lIns="36000" rIns="36000" anchor="t">
                       <a:noAutofit/>
                     </a:bodyPr>
                     <a:p>
-                      <a:pPr algn="ctr"/>
+                      <a:pPr algn="ctr">
+                        <a:lnSpc>
+                          <a:spcPct val="100000"/>
+                        </a:lnSpc>
+                      </a:pPr>
                       <a:r>
                         <a:rPr b="0" lang="en-US" sz="1800" spc="-1" strike="noStrike">
                           <a:solidFill>
@@ -5720,11 +5643,15 @@
                 </a:tc>
                 <a:tc>
                   <a:txBody>
-                    <a:bodyPr lIns="36000" rIns="36000" tIns="36000" bIns="36000" anchor="t">
+                    <a:bodyPr lIns="36000" rIns="36000" anchor="t">
                       <a:noAutofit/>
                     </a:bodyPr>
                     <a:p>
-                      <a:pPr algn="ctr"/>
+                      <a:pPr algn="ctr">
+                        <a:lnSpc>
+                          <a:spcPct val="100000"/>
+                        </a:lnSpc>
+                      </a:pPr>
                       <a:r>
                         <a:rPr b="0" lang="en-US" sz="1800" spc="-1" strike="noStrike">
                           <a:solidFill>
@@ -5772,11 +5699,15 @@
                 </a:tc>
                 <a:tc>
                   <a:txBody>
-                    <a:bodyPr lIns="36000" rIns="36000" tIns="36000" bIns="36000" anchor="t">
+                    <a:bodyPr lIns="36000" rIns="36000" anchor="t">
                       <a:noAutofit/>
                     </a:bodyPr>
                     <a:p>
-                      <a:pPr algn="ctr"/>
+                      <a:pPr algn="ctr">
+                        <a:lnSpc>
+                          <a:spcPct val="100000"/>
+                        </a:lnSpc>
+                      </a:pPr>
                       <a:r>
                         <a:rPr b="0" lang="en-US" sz="1800" spc="-1" strike="noStrike">
                           <a:solidFill>
@@ -5824,11 +5755,15 @@
                 </a:tc>
                 <a:tc>
                   <a:txBody>
-                    <a:bodyPr lIns="36000" rIns="36000" tIns="36000" bIns="36000" anchor="t">
+                    <a:bodyPr lIns="36000" rIns="36000" anchor="t">
                       <a:noAutofit/>
                     </a:bodyPr>
                     <a:p>
-                      <a:pPr algn="ctr"/>
+                      <a:pPr algn="ctr">
+                        <a:lnSpc>
+                          <a:spcPct val="100000"/>
+                        </a:lnSpc>
+                      </a:pPr>
                       <a:r>
                         <a:rPr b="0" lang="en-US" sz="1800" spc="-1" strike="noStrike">
                           <a:solidFill>
@@ -5876,11 +5811,15 @@
                 </a:tc>
                 <a:tc>
                   <a:txBody>
-                    <a:bodyPr lIns="36000" rIns="36000" tIns="36000" bIns="36000" anchor="t">
+                    <a:bodyPr lIns="36000" rIns="36000" anchor="t">
                       <a:noAutofit/>
                     </a:bodyPr>
                     <a:p>
-                      <a:pPr algn="ctr"/>
+                      <a:pPr algn="ctr">
+                        <a:lnSpc>
+                          <a:spcPct val="100000"/>
+                        </a:lnSpc>
+                      </a:pPr>
                       <a:r>
                         <a:rPr b="0" lang="en-US" sz="1800" spc="-1" strike="noStrike">
                           <a:solidFill>
@@ -5928,11 +5867,15 @@
                 </a:tc>
                 <a:tc>
                   <a:txBody>
-                    <a:bodyPr lIns="36000" rIns="36000" tIns="36000" bIns="36000" anchor="t">
+                    <a:bodyPr lIns="36000" rIns="36000" anchor="t">
                       <a:noAutofit/>
                     </a:bodyPr>
                     <a:p>
-                      <a:pPr algn="ctr"/>
+                      <a:pPr algn="ctr">
+                        <a:lnSpc>
+                          <a:spcPct val="100000"/>
+                        </a:lnSpc>
+                      </a:pPr>
                       <a:r>
                         <a:rPr b="0" lang="en-US" sz="1800" spc="-1" strike="noStrike">
                           <a:solidFill>
@@ -5980,11 +5923,15 @@
                 </a:tc>
                 <a:tc>
                   <a:txBody>
-                    <a:bodyPr lIns="36000" rIns="36000" tIns="36000" bIns="36000" anchor="t">
+                    <a:bodyPr lIns="36000" rIns="36000" anchor="t">
                       <a:noAutofit/>
                     </a:bodyPr>
                     <a:p>
-                      <a:pPr algn="ctr"/>
+                      <a:pPr algn="ctr">
+                        <a:lnSpc>
+                          <a:spcPct val="100000"/>
+                        </a:lnSpc>
+                      </a:pPr>
                       <a:r>
                         <a:rPr b="0" lang="en-US" sz="1800" spc="-1" strike="noStrike">
                           <a:solidFill>
@@ -6034,11 +5981,15 @@
               <a:tr h="328320">
                 <a:tc>
                   <a:txBody>
-                    <a:bodyPr lIns="36000" rIns="36000" tIns="36000" bIns="36000" anchor="t">
+                    <a:bodyPr lIns="36000" rIns="36000" anchor="t">
                       <a:noAutofit/>
                     </a:bodyPr>
                     <a:p>
-                      <a:pPr algn="ctr"/>
+                      <a:pPr algn="ctr">
+                        <a:lnSpc>
+                          <a:spcPct val="100000"/>
+                        </a:lnSpc>
+                      </a:pPr>
                       <a:r>
                         <a:rPr b="0" lang="en-US" sz="1800" spc="-1" strike="noStrike">
                           <a:solidFill>
@@ -6086,11 +6037,15 @@
                 </a:tc>
                 <a:tc>
                   <a:txBody>
-                    <a:bodyPr lIns="36000" rIns="36000" tIns="36000" bIns="36000" anchor="t">
+                    <a:bodyPr lIns="36000" rIns="36000" anchor="t">
                       <a:noAutofit/>
                     </a:bodyPr>
                     <a:p>
-                      <a:pPr algn="ctr"/>
+                      <a:pPr algn="ctr">
+                        <a:lnSpc>
+                          <a:spcPct val="100000"/>
+                        </a:lnSpc>
+                      </a:pPr>
                       <a:r>
                         <a:rPr b="0" lang="en-US" sz="1800" spc="-1" strike="noStrike">
                           <a:solidFill>
@@ -6138,11 +6093,15 @@
                 </a:tc>
                 <a:tc>
                   <a:txBody>
-                    <a:bodyPr lIns="36000" rIns="36000" tIns="36000" bIns="36000" anchor="t">
+                    <a:bodyPr lIns="36000" rIns="36000" anchor="t">
                       <a:noAutofit/>
                     </a:bodyPr>
                     <a:p>
-                      <a:pPr algn="ctr"/>
+                      <a:pPr algn="ctr">
+                        <a:lnSpc>
+                          <a:spcPct val="100000"/>
+                        </a:lnSpc>
+                      </a:pPr>
                       <a:r>
                         <a:rPr b="0" lang="en-US" sz="1800" spc="-1" strike="noStrike">
                           <a:solidFill>
@@ -6190,11 +6149,15 @@
                 </a:tc>
                 <a:tc>
                   <a:txBody>
-                    <a:bodyPr lIns="36000" rIns="36000" tIns="36000" bIns="36000" anchor="t">
+                    <a:bodyPr lIns="36000" rIns="36000" anchor="t">
                       <a:noAutofit/>
                     </a:bodyPr>
                     <a:p>
-                      <a:pPr algn="ctr"/>
+                      <a:pPr algn="ctr">
+                        <a:lnSpc>
+                          <a:spcPct val="100000"/>
+                        </a:lnSpc>
+                      </a:pPr>
                       <a:r>
                         <a:rPr b="0" lang="en-US" sz="1800" spc="-1" strike="noStrike">
                           <a:solidFill>
@@ -6242,11 +6205,15 @@
                 </a:tc>
                 <a:tc>
                   <a:txBody>
-                    <a:bodyPr lIns="36000" rIns="36000" tIns="36000" bIns="36000" anchor="t">
+                    <a:bodyPr lIns="36000" rIns="36000" anchor="t">
                       <a:noAutofit/>
                     </a:bodyPr>
                     <a:p>
-                      <a:pPr algn="ctr"/>
+                      <a:pPr algn="ctr">
+                        <a:lnSpc>
+                          <a:spcPct val="100000"/>
+                        </a:lnSpc>
+                      </a:pPr>
                       <a:r>
                         <a:rPr b="0" lang="en-US" sz="1800" spc="-1" strike="noStrike">
                           <a:solidFill>
@@ -6294,11 +6261,15 @@
                 </a:tc>
                 <a:tc>
                   <a:txBody>
-                    <a:bodyPr lIns="36000" rIns="36000" tIns="36000" bIns="36000" anchor="t">
+                    <a:bodyPr lIns="36000" rIns="36000" anchor="t">
                       <a:noAutofit/>
                     </a:bodyPr>
                     <a:p>
-                      <a:pPr algn="ctr"/>
+                      <a:pPr algn="ctr">
+                        <a:lnSpc>
+                          <a:spcPct val="100000"/>
+                        </a:lnSpc>
+                      </a:pPr>
                       <a:r>
                         <a:rPr b="0" lang="en-US" sz="1800" spc="-1" strike="noStrike">
                           <a:solidFill>
@@ -6346,11 +6317,15 @@
                 </a:tc>
                 <a:tc>
                   <a:txBody>
-                    <a:bodyPr lIns="36000" rIns="36000" tIns="36000" bIns="36000" anchor="t">
+                    <a:bodyPr lIns="36000" rIns="36000" anchor="t">
                       <a:noAutofit/>
                     </a:bodyPr>
                     <a:p>
-                      <a:pPr algn="ctr"/>
+                      <a:pPr algn="ctr">
+                        <a:lnSpc>
+                          <a:spcPct val="100000"/>
+                        </a:lnSpc>
+                      </a:pPr>
                       <a:r>
                         <a:rPr b="0" lang="en-US" sz="1800" spc="-1" strike="noStrike">
                           <a:solidFill>
@@ -6398,11 +6373,15 @@
                 </a:tc>
                 <a:tc>
                   <a:txBody>
-                    <a:bodyPr lIns="36000" rIns="36000" tIns="36000" bIns="36000" anchor="t">
+                    <a:bodyPr lIns="36000" rIns="36000" anchor="t">
                       <a:noAutofit/>
                     </a:bodyPr>
                     <a:p>
-                      <a:pPr algn="ctr"/>
+                      <a:pPr algn="ctr">
+                        <a:lnSpc>
+                          <a:spcPct val="100000"/>
+                        </a:lnSpc>
+                      </a:pPr>
                       <a:r>
                         <a:rPr b="0" lang="en-US" sz="1800" spc="-1" strike="noStrike">
                           <a:solidFill>
@@ -6452,11 +6431,15 @@
               <a:tr h="328320">
                 <a:tc>
                   <a:txBody>
-                    <a:bodyPr lIns="36000" rIns="36000" tIns="36000" bIns="36000" anchor="t">
+                    <a:bodyPr lIns="36000" rIns="36000" anchor="t">
                       <a:noAutofit/>
                     </a:bodyPr>
                     <a:p>
-                      <a:pPr algn="ctr"/>
+                      <a:pPr algn="ctr">
+                        <a:lnSpc>
+                          <a:spcPct val="100000"/>
+                        </a:lnSpc>
+                      </a:pPr>
                       <a:r>
                         <a:rPr b="0" lang="en-US" sz="1800" spc="-1" strike="noStrike">
                           <a:solidFill>
@@ -6504,11 +6487,15 @@
                 </a:tc>
                 <a:tc>
                   <a:txBody>
-                    <a:bodyPr lIns="36000" rIns="36000" tIns="36000" bIns="36000" anchor="t">
+                    <a:bodyPr lIns="36000" rIns="36000" anchor="t">
                       <a:noAutofit/>
                     </a:bodyPr>
                     <a:p>
-                      <a:pPr algn="ctr"/>
+                      <a:pPr algn="ctr">
+                        <a:lnSpc>
+                          <a:spcPct val="100000"/>
+                        </a:lnSpc>
+                      </a:pPr>
                       <a:r>
                         <a:rPr b="0" lang="en-US" sz="1800" spc="-1" strike="noStrike">
                           <a:solidFill>
@@ -6556,11 +6543,15 @@
                 </a:tc>
                 <a:tc>
                   <a:txBody>
-                    <a:bodyPr lIns="36000" rIns="36000" tIns="36000" bIns="36000" anchor="t">
+                    <a:bodyPr lIns="36000" rIns="36000" anchor="t">
                       <a:noAutofit/>
                     </a:bodyPr>
                     <a:p>
-                      <a:pPr algn="ctr"/>
+                      <a:pPr algn="ctr">
+                        <a:lnSpc>
+                          <a:spcPct val="100000"/>
+                        </a:lnSpc>
+                      </a:pPr>
                       <a:r>
                         <a:rPr b="0" lang="en-US" sz="1800" spc="-1" strike="noStrike">
                           <a:solidFill>
@@ -6608,11 +6599,15 @@
                 </a:tc>
                 <a:tc>
                   <a:txBody>
-                    <a:bodyPr lIns="36000" rIns="36000" tIns="36000" bIns="36000" anchor="t">
+                    <a:bodyPr lIns="36000" rIns="36000" anchor="t">
                       <a:noAutofit/>
                     </a:bodyPr>
                     <a:p>
-                      <a:pPr algn="ctr"/>
+                      <a:pPr algn="ctr">
+                        <a:lnSpc>
+                          <a:spcPct val="100000"/>
+                        </a:lnSpc>
+                      </a:pPr>
                       <a:r>
                         <a:rPr b="0" lang="en-US" sz="1800" spc="-1" strike="noStrike">
                           <a:solidFill>
@@ -6660,11 +6655,15 @@
                 </a:tc>
                 <a:tc>
                   <a:txBody>
-                    <a:bodyPr lIns="36000" rIns="36000" tIns="36000" bIns="36000" anchor="t">
+                    <a:bodyPr lIns="36000" rIns="36000" anchor="t">
                       <a:noAutofit/>
                     </a:bodyPr>
                     <a:p>
-                      <a:pPr algn="ctr"/>
+                      <a:pPr algn="ctr">
+                        <a:lnSpc>
+                          <a:spcPct val="100000"/>
+                        </a:lnSpc>
+                      </a:pPr>
                       <a:r>
                         <a:rPr b="0" lang="en-US" sz="1800" spc="-1" strike="noStrike">
                           <a:solidFill>
@@ -6712,11 +6711,15 @@
                 </a:tc>
                 <a:tc>
                   <a:txBody>
-                    <a:bodyPr lIns="36000" rIns="36000" tIns="36000" bIns="36000" anchor="t">
+                    <a:bodyPr lIns="36000" rIns="36000" anchor="t">
                       <a:noAutofit/>
                     </a:bodyPr>
                     <a:p>
-                      <a:pPr algn="ctr"/>
+                      <a:pPr algn="ctr">
+                        <a:lnSpc>
+                          <a:spcPct val="100000"/>
+                        </a:lnSpc>
+                      </a:pPr>
                       <a:r>
                         <a:rPr b="0" lang="en-US" sz="1800" spc="-1" strike="noStrike">
                           <a:solidFill>
@@ -6764,11 +6767,15 @@
                 </a:tc>
                 <a:tc>
                   <a:txBody>
-                    <a:bodyPr lIns="36000" rIns="36000" tIns="36000" bIns="36000" anchor="t">
+                    <a:bodyPr lIns="36000" rIns="36000" anchor="t">
                       <a:noAutofit/>
                     </a:bodyPr>
                     <a:p>
-                      <a:pPr algn="ctr"/>
+                      <a:pPr algn="ctr">
+                        <a:lnSpc>
+                          <a:spcPct val="100000"/>
+                        </a:lnSpc>
+                      </a:pPr>
                       <a:r>
                         <a:rPr b="0" lang="en-US" sz="1800" spc="-1" strike="noStrike">
                           <a:solidFill>
@@ -6816,11 +6823,15 @@
                 </a:tc>
                 <a:tc>
                   <a:txBody>
-                    <a:bodyPr lIns="36000" rIns="36000" tIns="36000" bIns="36000" anchor="t">
+                    <a:bodyPr lIns="36000" rIns="36000" anchor="t">
                       <a:noAutofit/>
                     </a:bodyPr>
                     <a:p>
-                      <a:pPr algn="ctr"/>
+                      <a:pPr algn="ctr">
+                        <a:lnSpc>
+                          <a:spcPct val="100000"/>
+                        </a:lnSpc>
+                      </a:pPr>
                       <a:r>
                         <a:rPr b="0" lang="en-US" sz="1800" spc="-1" strike="noStrike">
                           <a:solidFill>
@@ -6870,11 +6881,15 @@
               <a:tr h="328320">
                 <a:tc>
                   <a:txBody>
-                    <a:bodyPr lIns="36000" rIns="36000" tIns="36000" bIns="36000" anchor="t">
+                    <a:bodyPr lIns="36000" rIns="36000" anchor="t">
                       <a:noAutofit/>
                     </a:bodyPr>
                     <a:p>
-                      <a:pPr algn="ctr"/>
+                      <a:pPr algn="ctr">
+                        <a:lnSpc>
+                          <a:spcPct val="100000"/>
+                        </a:lnSpc>
+                      </a:pPr>
                       <a:r>
                         <a:rPr b="0" lang="en-US" sz="1800" spc="-1" strike="noStrike">
                           <a:solidFill>
@@ -6922,11 +6937,15 @@
                 </a:tc>
                 <a:tc>
                   <a:txBody>
-                    <a:bodyPr lIns="36000" rIns="36000" tIns="36000" bIns="36000" anchor="t">
+                    <a:bodyPr lIns="36000" rIns="36000" anchor="t">
                       <a:noAutofit/>
                     </a:bodyPr>
                     <a:p>
-                      <a:pPr algn="ctr"/>
+                      <a:pPr algn="ctr">
+                        <a:lnSpc>
+                          <a:spcPct val="100000"/>
+                        </a:lnSpc>
+                      </a:pPr>
                       <a:r>
                         <a:rPr b="0" lang="en-US" sz="1800" spc="-1" strike="noStrike">
                           <a:solidFill>
@@ -6974,11 +6993,15 @@
                 </a:tc>
                 <a:tc>
                   <a:txBody>
-                    <a:bodyPr lIns="36000" rIns="36000" tIns="36000" bIns="36000" anchor="t">
+                    <a:bodyPr lIns="36000" rIns="36000" anchor="t">
                       <a:noAutofit/>
                     </a:bodyPr>
                     <a:p>
-                      <a:pPr algn="ctr"/>
+                      <a:pPr algn="ctr">
+                        <a:lnSpc>
+                          <a:spcPct val="100000"/>
+                        </a:lnSpc>
+                      </a:pPr>
                       <a:r>
                         <a:rPr b="0" lang="en-US" sz="1800" spc="-1" strike="noStrike">
                           <a:solidFill>
@@ -7026,11 +7049,15 @@
                 </a:tc>
                 <a:tc>
                   <a:txBody>
-                    <a:bodyPr lIns="36000" rIns="36000" tIns="36000" bIns="36000" anchor="t">
+                    <a:bodyPr lIns="36000" rIns="36000" anchor="t">
                       <a:noAutofit/>
                     </a:bodyPr>
                     <a:p>
-                      <a:pPr algn="ctr"/>
+                      <a:pPr algn="ctr">
+                        <a:lnSpc>
+                          <a:spcPct val="100000"/>
+                        </a:lnSpc>
+                      </a:pPr>
                       <a:r>
                         <a:rPr b="0" lang="en-US" sz="1800" spc="-1" strike="noStrike">
                           <a:solidFill>
@@ -7078,11 +7105,15 @@
                 </a:tc>
                 <a:tc>
                   <a:txBody>
-                    <a:bodyPr lIns="36000" rIns="36000" tIns="36000" bIns="36000" anchor="t">
+                    <a:bodyPr lIns="36000" rIns="36000" anchor="t">
                       <a:noAutofit/>
                     </a:bodyPr>
                     <a:p>
-                      <a:pPr algn="ctr"/>
+                      <a:pPr algn="ctr">
+                        <a:lnSpc>
+                          <a:spcPct val="100000"/>
+                        </a:lnSpc>
+                      </a:pPr>
                       <a:r>
                         <a:rPr b="0" lang="en-US" sz="1800" spc="-1" strike="noStrike">
                           <a:solidFill>
@@ -7130,11 +7161,15 @@
                 </a:tc>
                 <a:tc>
                   <a:txBody>
-                    <a:bodyPr lIns="36000" rIns="36000" tIns="36000" bIns="36000" anchor="t">
+                    <a:bodyPr lIns="36000" rIns="36000" anchor="t">
                       <a:noAutofit/>
                     </a:bodyPr>
                     <a:p>
-                      <a:pPr algn="ctr"/>
+                      <a:pPr algn="ctr">
+                        <a:lnSpc>
+                          <a:spcPct val="100000"/>
+                        </a:lnSpc>
+                      </a:pPr>
                       <a:r>
                         <a:rPr b="0" lang="en-US" sz="1800" spc="-1" strike="noStrike">
                           <a:solidFill>
@@ -7182,11 +7217,15 @@
                 </a:tc>
                 <a:tc>
                   <a:txBody>
-                    <a:bodyPr lIns="36000" rIns="36000" tIns="36000" bIns="36000" anchor="t">
+                    <a:bodyPr lIns="36000" rIns="36000" anchor="t">
                       <a:noAutofit/>
                     </a:bodyPr>
                     <a:p>
-                      <a:pPr algn="ctr"/>
+                      <a:pPr algn="ctr">
+                        <a:lnSpc>
+                          <a:spcPct val="100000"/>
+                        </a:lnSpc>
+                      </a:pPr>
                       <a:r>
                         <a:rPr b="0" lang="en-US" sz="1800" spc="-1" strike="noStrike">
                           <a:solidFill>
@@ -7234,11 +7273,15 @@
                 </a:tc>
                 <a:tc>
                   <a:txBody>
-                    <a:bodyPr lIns="36000" rIns="36000" tIns="36000" bIns="36000" anchor="t">
+                    <a:bodyPr lIns="36000" rIns="36000" anchor="t">
                       <a:noAutofit/>
                     </a:bodyPr>
                     <a:p>
-                      <a:pPr algn="ctr"/>
+                      <a:pPr algn="ctr">
+                        <a:lnSpc>
+                          <a:spcPct val="100000"/>
+                        </a:lnSpc>
+                      </a:pPr>
                       <a:r>
                         <a:rPr b="0" lang="en-US" sz="1800" spc="-1" strike="noStrike">
                           <a:solidFill>
@@ -7288,11 +7331,15 @@
               <a:tr h="328320">
                 <a:tc>
                   <a:txBody>
-                    <a:bodyPr lIns="36000" rIns="36000" tIns="36000" bIns="36000" anchor="t">
+                    <a:bodyPr lIns="36000" rIns="36000" anchor="t">
                       <a:noAutofit/>
                     </a:bodyPr>
                     <a:p>
-                      <a:pPr algn="ctr"/>
+                      <a:pPr algn="ctr">
+                        <a:lnSpc>
+                          <a:spcPct val="100000"/>
+                        </a:lnSpc>
+                      </a:pPr>
                       <a:r>
                         <a:rPr b="0" lang="en-US" sz="1800" spc="-1" strike="noStrike">
                           <a:solidFill>
@@ -7340,11 +7387,15 @@
                 </a:tc>
                 <a:tc>
                   <a:txBody>
-                    <a:bodyPr lIns="36000" rIns="36000" tIns="36000" bIns="36000" anchor="t">
+                    <a:bodyPr lIns="36000" rIns="36000" anchor="t">
                       <a:noAutofit/>
                     </a:bodyPr>
                     <a:p>
-                      <a:pPr algn="ctr"/>
+                      <a:pPr algn="ctr">
+                        <a:lnSpc>
+                          <a:spcPct val="100000"/>
+                        </a:lnSpc>
+                      </a:pPr>
                       <a:r>
                         <a:rPr b="0" lang="en-US" sz="1800" spc="-1" strike="noStrike">
                           <a:solidFill>
@@ -7392,11 +7443,15 @@
                 </a:tc>
                 <a:tc>
                   <a:txBody>
-                    <a:bodyPr lIns="36000" rIns="36000" tIns="36000" bIns="36000" anchor="t">
+                    <a:bodyPr lIns="36000" rIns="36000" anchor="t">
                       <a:noAutofit/>
                     </a:bodyPr>
                     <a:p>
-                      <a:pPr algn="ctr"/>
+                      <a:pPr algn="ctr">
+                        <a:lnSpc>
+                          <a:spcPct val="100000"/>
+                        </a:lnSpc>
+                      </a:pPr>
                       <a:r>
                         <a:rPr b="0" lang="en-US" sz="1800" spc="-1" strike="noStrike">
                           <a:solidFill>
@@ -7444,11 +7499,15 @@
                 </a:tc>
                 <a:tc>
                   <a:txBody>
-                    <a:bodyPr lIns="36000" rIns="36000" tIns="36000" bIns="36000" anchor="t">
+                    <a:bodyPr lIns="36000" rIns="36000" anchor="t">
                       <a:noAutofit/>
                     </a:bodyPr>
                     <a:p>
-                      <a:pPr algn="ctr"/>
+                      <a:pPr algn="ctr">
+                        <a:lnSpc>
+                          <a:spcPct val="100000"/>
+                        </a:lnSpc>
+                      </a:pPr>
                       <a:r>
                         <a:rPr b="0" lang="en-US" sz="1800" spc="-1" strike="noStrike">
                           <a:solidFill>
@@ -7496,11 +7555,15 @@
                 </a:tc>
                 <a:tc>
                   <a:txBody>
-                    <a:bodyPr lIns="36000" rIns="36000" tIns="36000" bIns="36000" anchor="t">
+                    <a:bodyPr lIns="36000" rIns="36000" anchor="t">
                       <a:noAutofit/>
                     </a:bodyPr>
                     <a:p>
-                      <a:pPr algn="ctr"/>
+                      <a:pPr algn="ctr">
+                        <a:lnSpc>
+                          <a:spcPct val="100000"/>
+                        </a:lnSpc>
+                      </a:pPr>
                       <a:r>
                         <a:rPr b="0" lang="en-US" sz="1800" spc="-1" strike="noStrike">
                           <a:solidFill>
@@ -7548,11 +7611,15 @@
                 </a:tc>
                 <a:tc>
                   <a:txBody>
-                    <a:bodyPr lIns="36000" rIns="36000" tIns="36000" bIns="36000" anchor="t">
+                    <a:bodyPr lIns="36000" rIns="36000" anchor="t">
                       <a:noAutofit/>
                     </a:bodyPr>
                     <a:p>
-                      <a:pPr algn="ctr"/>
+                      <a:pPr algn="ctr">
+                        <a:lnSpc>
+                          <a:spcPct val="100000"/>
+                        </a:lnSpc>
+                      </a:pPr>
                       <a:r>
                         <a:rPr b="0" lang="en-US" sz="1800" spc="-1" strike="noStrike">
                           <a:solidFill>
@@ -7600,11 +7667,15 @@
                 </a:tc>
                 <a:tc>
                   <a:txBody>
-                    <a:bodyPr lIns="36000" rIns="36000" tIns="36000" bIns="36000" anchor="t">
+                    <a:bodyPr lIns="36000" rIns="36000" anchor="t">
                       <a:noAutofit/>
                     </a:bodyPr>
                     <a:p>
-                      <a:pPr algn="ctr"/>
+                      <a:pPr algn="ctr">
+                        <a:lnSpc>
+                          <a:spcPct val="100000"/>
+                        </a:lnSpc>
+                      </a:pPr>
                       <a:r>
                         <a:rPr b="0" lang="en-US" sz="1800" spc="-1" strike="noStrike">
                           <a:solidFill>
@@ -7652,11 +7723,15 @@
                 </a:tc>
                 <a:tc>
                   <a:txBody>
-                    <a:bodyPr lIns="36000" rIns="36000" tIns="36000" bIns="36000" anchor="t">
+                    <a:bodyPr lIns="36000" rIns="36000" anchor="t">
                       <a:noAutofit/>
                     </a:bodyPr>
                     <a:p>
-                      <a:pPr algn="ctr"/>
+                      <a:pPr algn="ctr">
+                        <a:lnSpc>
+                          <a:spcPct val="100000"/>
+                        </a:lnSpc>
+                      </a:pPr>
                       <a:r>
                         <a:rPr b="0" lang="en-US" sz="1800" spc="-1" strike="noStrike">
                           <a:solidFill>
@@ -7739,7 +7814,7 @@
       </p:grpSpPr>
       <p:sp>
         <p:nvSpPr>
-          <p:cNvPr id="111" name="PlaceHolder 1"/>
+          <p:cNvPr id="106" name="PlaceHolder 1"/>
           <p:cNvSpPr>
             <a:spLocks noGrp="1"/>
           </p:cNvSpPr>
@@ -7750,7 +7825,7 @@
         <p:spPr>
           <a:xfrm>
             <a:off x="235080" y="807120"/>
-            <a:ext cx="8676000" cy="1325160"/>
+            <a:ext cx="8675640" cy="1324800"/>
           </a:xfrm>
           <a:prstGeom prst="rect">
             <a:avLst/>
@@ -7770,6 +7845,9 @@
                 <a:spcPct val="90000"/>
               </a:lnSpc>
               <a:buNone/>
+              <a:tabLst>
+                <a:tab algn="l" pos="0"/>
+              </a:tabLst>
             </a:pPr>
             <a:r>
               <a:rPr b="0" lang="en-US" sz="4400" spc="-1" strike="noStrike">
@@ -7778,52 +7856,7 @@
                 </a:solidFill>
                 <a:latin typeface="Arial"/>
               </a:rPr>
-              <a:t>Sent</a:t>
-            </a:r>
-            <a:r>
-              <a:rPr b="0" lang="en-US" sz="4400" spc="-1" strike="noStrike">
-                <a:solidFill>
-                  <a:srgbClr val="000000"/>
-                </a:solidFill>
-                <a:latin typeface="Arial"/>
-              </a:rPr>
-              <a:t>ime</a:t>
-            </a:r>
-            <a:r>
-              <a:rPr b="0" lang="en-US" sz="4400" spc="-1" strike="noStrike">
-                <a:solidFill>
-                  <a:srgbClr val="000000"/>
-                </a:solidFill>
-                <a:latin typeface="Arial"/>
-              </a:rPr>
-              <a:t>nt </a:t>
-            </a:r>
-            <a:r>
-              <a:rPr b="0" lang="en-US" sz="4400" spc="-1" strike="noStrike">
-                <a:solidFill>
-                  <a:srgbClr val="000000"/>
-                </a:solidFill>
-                <a:latin typeface="Arial"/>
-              </a:rPr>
-              <a:t>Awa</a:t>
-            </a:r>
-            <a:r>
-              <a:rPr b="0" lang="en-US" sz="4400" spc="-1" strike="noStrike">
-                <a:solidFill>
-                  <a:srgbClr val="000000"/>
-                </a:solidFill>
-                <a:latin typeface="Arial"/>
-              </a:rPr>
-              <a:t>rene</a:t>
-            </a:r>
-            <a:r>
-              <a:rPr b="0" lang="en-US" sz="4400" spc="-1" strike="noStrike">
-                <a:solidFill>
-                  <a:srgbClr val="000000"/>
-                </a:solidFill>
-                <a:latin typeface="Arial"/>
-              </a:rPr>
-              <a:t>ss</a:t>
+              <a:t>Sentiment Awareness</a:t>
             </a:r>
             <a:endParaRPr b="0" lang="en-US" sz="4400" spc="-1" strike="noStrike">
               <a:solidFill>
@@ -7836,7 +7869,7 @@
       </p:sp>
       <p:sp>
         <p:nvSpPr>
-          <p:cNvPr id="112" name="PlaceHolder 2"/>
+          <p:cNvPr id="107" name="PlaceHolder 2"/>
           <p:cNvSpPr>
             <a:spLocks noGrp="1"/>
           </p:cNvSpPr>
@@ -7847,7 +7880,7 @@
         <p:spPr>
           <a:xfrm>
             <a:off x="228600" y="1821240"/>
-            <a:ext cx="7086600" cy="1379160"/>
+            <a:ext cx="7086240" cy="1378800"/>
           </a:xfrm>
           <a:prstGeom prst="rect">
             <a:avLst/>
@@ -7958,14 +7991,14 @@
       </p:sp>
       <p:sp>
         <p:nvSpPr>
-          <p:cNvPr id="113" name=""/>
-          <p:cNvSpPr txBox="1"/>
+          <p:cNvPr id="108" name=""/>
+          <p:cNvSpPr/>
           <p:nvPr/>
         </p:nvSpPr>
         <p:spPr>
           <a:xfrm>
             <a:off x="6696000" y="2027160"/>
-            <a:ext cx="180720" cy="232560"/>
+            <a:ext cx="180360" cy="232200"/>
           </a:xfrm>
           <a:prstGeom prst="rect">
             <a:avLst/>
@@ -7975,11 +8008,22 @@
             <a:noFill/>
           </a:ln>
         </p:spPr>
+        <p:style>
+          <a:lnRef idx="0"/>
+          <a:fillRef idx="0"/>
+          <a:effectRef idx="0"/>
+          <a:fontRef idx="minor"/>
+        </p:style>
         <p:txBody>
           <a:bodyPr lIns="90000" rIns="90000" tIns="45000" bIns="45000" anchor="t">
             <a:noAutofit/>
           </a:bodyPr>
           <a:p>
+            <a:pPr>
+              <a:lnSpc>
+                <a:spcPct val="100000"/>
+              </a:lnSpc>
+            </a:pPr>
             <a:endParaRPr b="0" lang="en-US" sz="1000" spc="-1" strike="noStrike">
               <a:solidFill>
                 <a:srgbClr val="000000"/>
@@ -7991,14 +8035,14 @@
       </p:sp>
       <p:sp>
         <p:nvSpPr>
-          <p:cNvPr id="114" name=""/>
-          <p:cNvSpPr txBox="1"/>
+          <p:cNvPr id="109" name=""/>
+          <p:cNvSpPr/>
           <p:nvPr/>
         </p:nvSpPr>
         <p:spPr>
           <a:xfrm>
             <a:off x="6357240" y="3831120"/>
-            <a:ext cx="180720" cy="232560"/>
+            <a:ext cx="180360" cy="232200"/>
           </a:xfrm>
           <a:prstGeom prst="rect">
             <a:avLst/>
@@ -8008,11 +8052,22 @@
             <a:noFill/>
           </a:ln>
         </p:spPr>
+        <p:style>
+          <a:lnRef idx="0"/>
+          <a:fillRef idx="0"/>
+          <a:effectRef idx="0"/>
+          <a:fontRef idx="minor"/>
+        </p:style>
         <p:txBody>
           <a:bodyPr lIns="90000" rIns="90000" tIns="45000" bIns="45000" anchor="t">
             <a:noAutofit/>
           </a:bodyPr>
           <a:p>
+            <a:pPr>
+              <a:lnSpc>
+                <a:spcPct val="100000"/>
+              </a:lnSpc>
+            </a:pPr>
             <a:endParaRPr b="0" lang="en-US" sz="1000" spc="-1" strike="noStrike">
               <a:solidFill>
                 <a:srgbClr val="000000"/>
@@ -8024,14 +8079,14 @@
       </p:sp>
       <p:sp>
         <p:nvSpPr>
-          <p:cNvPr id="115" name=""/>
-          <p:cNvSpPr txBox="1"/>
+          <p:cNvPr id="110" name=""/>
+          <p:cNvSpPr/>
           <p:nvPr/>
         </p:nvSpPr>
         <p:spPr>
           <a:xfrm>
             <a:off x="228600" y="6539040"/>
-            <a:ext cx="8686800" cy="319320"/>
+            <a:ext cx="8686440" cy="318960"/>
           </a:xfrm>
           <a:prstGeom prst="rect">
             <a:avLst/>
@@ -8041,11 +8096,22 @@
             <a:noFill/>
           </a:ln>
         </p:spPr>
+        <p:style>
+          <a:lnRef idx="0"/>
+          <a:fillRef idx="0"/>
+          <a:effectRef idx="0"/>
+          <a:fontRef idx="minor"/>
+        </p:style>
         <p:txBody>
           <a:bodyPr lIns="90000" rIns="90000" tIns="45000" bIns="45000" anchor="t">
             <a:noAutofit/>
           </a:bodyPr>
           <a:p>
+            <a:pPr>
+              <a:lnSpc>
+                <a:spcPct val="100000"/>
+              </a:lnSpc>
+            </a:pPr>
             <a:r>
               <a:rPr b="1" lang="en-US" sz="1800" spc="-1" strike="noStrike">
                 <a:solidFill>
@@ -8053,43 +8119,7 @@
                 </a:solidFill>
                 <a:latin typeface="Arial"/>
               </a:rPr>
-              <a:t>Mason </a:t>
-            </a:r>
-            <a:r>
-              <a:rPr b="1" lang="en-US" sz="1800" spc="-1" strike="noStrike">
-                <a:solidFill>
-                  <a:srgbClr val="f26000"/>
-                </a:solidFill>
-                <a:latin typeface="Arial"/>
-              </a:rPr>
-              <a:t>Conkel </a:t>
-            </a:r>
-            <a:r>
-              <a:rPr b="1" lang="en-US" sz="1800" spc="-1" strike="noStrike">
-                <a:solidFill>
-                  <a:srgbClr val="f26000"/>
-                </a:solidFill>
-                <a:latin typeface="Arial"/>
-              </a:rPr>
-              <a:t>and </a:t>
-            </a:r>
-            <a:r>
-              <a:rPr b="1" lang="en-US" sz="1800" spc="-1" strike="noStrike">
-                <a:solidFill>
-                  <a:srgbClr val="f26000"/>
-                </a:solidFill>
-                <a:latin typeface="Arial"/>
-              </a:rPr>
-              <a:t>Sudman </a:t>
-            </a:r>
-            <a:r>
-              <a:rPr b="1" lang="en-US" sz="1800" spc="-1" strike="noStrike">
-                <a:solidFill>
-                  <a:srgbClr val="f26000"/>
-                </a:solidFill>
-                <a:latin typeface="Arial"/>
-              </a:rPr>
-              <a:t>Sakib </a:t>
+              <a:t>Mason Conkel and Sudman Sakib </a:t>
             </a:r>
             <a:r>
               <a:rPr b="1" lang="en-US" sz="1800" spc="-1" strike="noStrike">
@@ -8154,130 +8184,29 @@
           </a:p>
         </p:txBody>
       </p:sp>
-      <mc:AlternateContent>
-        <mc:Choice xmlns:a14="http://schemas.microsoft.com/office/drawing/2010/main" Requires="a14">
-          <p:sp>
-            <p:nvSpPr>
-              <p:cNvPr id="116" name=""/>
-              <p:cNvSpPr txBox="1"/>
-              <p:nvPr/>
-            </p:nvSpPr>
-            <p:spPr>
-              <a:xfrm>
-                <a:off x="1600200" y="3429000"/>
-                <a:ext cx="5914800" cy="549000"/>
-              </a:xfrm>
-              <a:prstGeom prst="rect">
-                <a:avLst/>
-              </a:prstGeom>
-            </p:spPr>
-            <p:txBody>
-              <a:bodyPr/>
-              <a:p>
-                <a14:m>
-                  <m:oMath xmlns:m="http://schemas.openxmlformats.org/officeDocument/2006/math">
-                    <m:r>
-                      <m:t xml:space="preserve">SAware</m:t>
-                    </m:r>
-                    <m:r>
-                      <m:t xml:space="preserve">=</m:t>
-                    </m:r>
-                    <m:f>
-                      <m:num>
-                        <m:r>
-                          <m:t xml:space="preserve">1</m:t>
-                        </m:r>
-                      </m:num>
-                      <m:den>
-                        <m:rad>
-                          <m:radPr>
-                            <m:degHide m:val="1"/>
-                          </m:radPr>
-                          <m:deg/>
-                          <m:e>
-                            <m:r>
-                              <m:t xml:space="preserve">2</m:t>
-                            </m:r>
-                          </m:e>
-                        </m:rad>
-                      </m:den>
-                    </m:f>
-                    <m:r>
-                      <m:t xml:space="preserve">×</m:t>
-                    </m:r>
-                    <m:r>
-                      <m:t xml:space="preserve">P</m:t>
-                    </m:r>
-                    <m:d>
-                      <m:dPr>
-                        <m:begChr m:val="("/>
-                        <m:endChr m:val=")"/>
-                      </m:dPr>
-                      <m:e>
-                        <m:r>
-                          <m:t xml:space="preserve">State</m:t>
-                        </m:r>
-                        <m:r>
-                          <m:rPr>
-                            <m:lit/>
-                            <m:nor/>
-                          </m:rPr>
-                          <m:t xml:space="preserve"> | </m:t>
-                        </m:r>
-                        <m:r>
-                          <m:t xml:space="preserve">Emotion</m:t>
-                        </m:r>
-                      </m:e>
-                    </m:d>
-                    <m:r>
-                      <m:t xml:space="preserve">×</m:t>
-                    </m:r>
-                    <m:r>
-                      <m:t xml:space="preserve">RSS</m:t>
-                    </m:r>
-                    <m:d>
-                      <m:dPr>
-                        <m:begChr m:val="("/>
-                        <m:endChr m:val=")"/>
-                      </m:dPr>
-                      <m:e>
-                        <m:sSub>
-                          <m:e>
-                            <m:r>
-                              <m:t xml:space="preserve">Conf</m:t>
-                            </m:r>
-                          </m:e>
-                          <m:sub>
-                            <m:r>
-                              <m:t xml:space="preserve">Emotion</m:t>
-                            </m:r>
-                          </m:sub>
-                        </m:sSub>
-                        <m:r>
-                          <m:t xml:space="preserve">,</m:t>
-                        </m:r>
-                        <m:sSub>
-                          <m:e>
-                            <m:r>
-                              <m:t xml:space="preserve">Conf</m:t>
-                            </m:r>
-                          </m:e>
-                          <m:sub>
-                            <m:r>
-                              <m:t xml:space="preserve">State</m:t>
-                            </m:r>
-                          </m:sub>
-                        </m:sSub>
-                      </m:e>
-                    </m:d>
-                  </m:oMath>
-                </a14:m>
-              </a:p>
-            </p:txBody>
-          </p:sp>
-        </mc:Choice>
-        <mc:Fallback/>
-      </mc:AlternateContent>
+      <p:pic>
+        <p:nvPicPr>
+          <p:cNvPr id="111" name="" descr=""/>
+          <p:cNvPicPr/>
+          <p:nvPr/>
+        </p:nvPicPr>
+        <p:blipFill>
+          <a:blip r:embed="rId1"/>
+          <a:stretch/>
+        </p:blipFill>
+        <p:spPr>
+          <a:xfrm>
+            <a:off x="643320" y="3696120"/>
+            <a:ext cx="7857720" cy="418680"/>
+          </a:xfrm>
+          <a:prstGeom prst="rect">
+            <a:avLst/>
+          </a:prstGeom>
+          <a:ln w="0">
+            <a:noFill/>
+          </a:ln>
+        </p:spPr>
+      </p:pic>
     </p:spTree>
   </p:cSld>
   <mc:AlternateContent>
@@ -8310,7 +8239,7 @@
       </p:grpSpPr>
       <p:sp>
         <p:nvSpPr>
-          <p:cNvPr id="117" name="PlaceHolder 1"/>
+          <p:cNvPr id="112" name="PlaceHolder 1"/>
           <p:cNvSpPr>
             <a:spLocks noGrp="1"/>
           </p:cNvSpPr>
@@ -8321,7 +8250,7 @@
         <p:spPr>
           <a:xfrm>
             <a:off x="235080" y="807120"/>
-            <a:ext cx="8676000" cy="1021680"/>
+            <a:ext cx="8675640" cy="1021320"/>
           </a:xfrm>
           <a:prstGeom prst="rect">
             <a:avLst/>
@@ -8341,6 +8270,9 @@
                 <a:spcPct val="90000"/>
               </a:lnSpc>
               <a:buNone/>
+              <a:tabLst>
+                <a:tab algn="l" pos="0"/>
+              </a:tabLst>
             </a:pPr>
             <a:r>
               <a:rPr b="1" lang="en-US" sz="3000" spc="-1" strike="noStrike">
@@ -8363,7 +8295,7 @@
               </a:rPr>
               <a:t>Media for Mental Health Indicators</a:t>
             </a:r>
-            <a:endParaRPr b="1" lang="en-US" sz="3000" spc="-1" strike="noStrike">
+            <a:endParaRPr b="0" lang="en-US" sz="3000" spc="-1" strike="noStrike">
               <a:solidFill>
                 <a:srgbClr val="000000"/>
               </a:solidFill>
@@ -8374,7 +8306,7 @@
       </p:sp>
       <p:sp>
         <p:nvSpPr>
-          <p:cNvPr id="118" name="PlaceHolder 2"/>
+          <p:cNvPr id="113" name="PlaceHolder 2"/>
           <p:cNvSpPr>
             <a:spLocks noGrp="1"/>
           </p:cNvSpPr>
@@ -8385,7 +8317,7 @@
         <p:spPr>
           <a:xfrm>
             <a:off x="628560" y="1825560"/>
-            <a:ext cx="3885840" cy="4350960"/>
+            <a:ext cx="3885480" cy="4350600"/>
           </a:xfrm>
           <a:prstGeom prst="rect">
             <a:avLst/>
@@ -8452,16 +8384,7 @@
                 </a:solidFill>
                 <a:latin typeface="Arial"/>
               </a:rPr>
-              <a:t>Data</a:t>
-            </a:r>
-            <a:r>
-              <a:rPr b="0" lang="en-US" sz="2800" spc="-1" strike="noStrike">
-                <a:solidFill>
-                  <a:srgbClr val="000000"/>
-                </a:solidFill>
-                <a:latin typeface="Arial"/>
-              </a:rPr>
-              <a:t> </a:t>
+              <a:t>Data </a:t>
             </a:r>
             <a:endParaRPr b="0" lang="en-US" sz="2800" spc="-1" strike="noStrike">
               <a:solidFill>
@@ -8567,14 +8490,14 @@
       </p:sp>
       <p:sp>
         <p:nvSpPr>
-          <p:cNvPr id="119" name=""/>
-          <p:cNvSpPr txBox="1"/>
+          <p:cNvPr id="114" name=""/>
+          <p:cNvSpPr/>
           <p:nvPr/>
         </p:nvSpPr>
         <p:spPr>
           <a:xfrm>
             <a:off x="6696000" y="2027160"/>
-            <a:ext cx="180720" cy="232560"/>
+            <a:ext cx="180360" cy="232200"/>
           </a:xfrm>
           <a:prstGeom prst="rect">
             <a:avLst/>
@@ -8584,11 +8507,22 @@
             <a:noFill/>
           </a:ln>
         </p:spPr>
+        <p:style>
+          <a:lnRef idx="0"/>
+          <a:fillRef idx="0"/>
+          <a:effectRef idx="0"/>
+          <a:fontRef idx="minor"/>
+        </p:style>
         <p:txBody>
           <a:bodyPr lIns="90000" rIns="90000" tIns="45000" bIns="45000" anchor="t">
             <a:noAutofit/>
           </a:bodyPr>
           <a:p>
+            <a:pPr>
+              <a:lnSpc>
+                <a:spcPct val="100000"/>
+              </a:lnSpc>
+            </a:pPr>
             <a:endParaRPr b="0" lang="en-US" sz="1000" spc="-1" strike="noStrike">
               <a:solidFill>
                 <a:srgbClr val="000000"/>
@@ -8600,14 +8534,14 @@
       </p:sp>
       <p:sp>
         <p:nvSpPr>
-          <p:cNvPr id="120" name=""/>
-          <p:cNvSpPr txBox="1"/>
+          <p:cNvPr id="115" name=""/>
+          <p:cNvSpPr/>
           <p:nvPr/>
         </p:nvSpPr>
         <p:spPr>
           <a:xfrm>
             <a:off x="6357240" y="3831120"/>
-            <a:ext cx="180720" cy="232560"/>
+            <a:ext cx="180360" cy="232200"/>
           </a:xfrm>
           <a:prstGeom prst="rect">
             <a:avLst/>
@@ -8617,11 +8551,22 @@
             <a:noFill/>
           </a:ln>
         </p:spPr>
+        <p:style>
+          <a:lnRef idx="0"/>
+          <a:fillRef idx="0"/>
+          <a:effectRef idx="0"/>
+          <a:fontRef idx="minor"/>
+        </p:style>
         <p:txBody>
           <a:bodyPr lIns="90000" rIns="90000" tIns="45000" bIns="45000" anchor="t">
             <a:noAutofit/>
           </a:bodyPr>
           <a:p>
+            <a:pPr>
+              <a:lnSpc>
+                <a:spcPct val="100000"/>
+              </a:lnSpc>
+            </a:pPr>
             <a:endParaRPr b="0" lang="en-US" sz="1000" spc="-1" strike="noStrike">
               <a:solidFill>
                 <a:srgbClr val="000000"/>
@@ -8633,7 +8578,7 @@
       </p:sp>
       <p:pic>
         <p:nvPicPr>
-          <p:cNvPr id="121" name="" descr=""/>
+          <p:cNvPr id="116" name="" descr=""/>
           <p:cNvPicPr/>
           <p:nvPr/>
         </p:nvPicPr>
@@ -8644,7 +8589,7 @@
         <p:spPr>
           <a:xfrm>
             <a:off x="2857680" y="1828800"/>
-            <a:ext cx="5829120" cy="3971520"/>
+            <a:ext cx="5828760" cy="3971160"/>
           </a:xfrm>
           <a:prstGeom prst="rect">
             <a:avLst/>
@@ -8656,14 +8601,14 @@
       </p:pic>
       <p:sp>
         <p:nvSpPr>
-          <p:cNvPr id="122" name=""/>
-          <p:cNvSpPr txBox="1"/>
+          <p:cNvPr id="117" name=""/>
+          <p:cNvSpPr/>
           <p:nvPr/>
         </p:nvSpPr>
         <p:spPr>
           <a:xfrm>
             <a:off x="228600" y="6539040"/>
-            <a:ext cx="8686800" cy="319320"/>
+            <a:ext cx="8686440" cy="318960"/>
           </a:xfrm>
           <a:prstGeom prst="rect">
             <a:avLst/>
@@ -8673,11 +8618,22 @@
             <a:noFill/>
           </a:ln>
         </p:spPr>
+        <p:style>
+          <a:lnRef idx="0"/>
+          <a:fillRef idx="0"/>
+          <a:effectRef idx="0"/>
+          <a:fontRef idx="minor"/>
+        </p:style>
         <p:txBody>
           <a:bodyPr lIns="90000" rIns="90000" tIns="45000" bIns="45000" anchor="t">
             <a:noAutofit/>
           </a:bodyPr>
           <a:p>
+            <a:pPr>
+              <a:lnSpc>
+                <a:spcPct val="100000"/>
+              </a:lnSpc>
+            </a:pPr>
             <a:r>
               <a:rPr b="1" lang="en-US" sz="1800" spc="-1" strike="noStrike">
                 <a:solidFill>
@@ -8782,7 +8738,7 @@
       </p:grpSpPr>
       <p:sp>
         <p:nvSpPr>
-          <p:cNvPr id="123" name="PlaceHolder 1"/>
+          <p:cNvPr id="118" name="PlaceHolder 1"/>
           <p:cNvSpPr>
             <a:spLocks noGrp="1"/>
           </p:cNvSpPr>
@@ -8793,7 +8749,7 @@
         <p:spPr>
           <a:xfrm>
             <a:off x="235080" y="807120"/>
-            <a:ext cx="8676000" cy="1325160"/>
+            <a:ext cx="8675640" cy="1324800"/>
           </a:xfrm>
           <a:prstGeom prst="rect">
             <a:avLst/>
@@ -8813,6 +8769,9 @@
                 <a:spcPct val="90000"/>
               </a:lnSpc>
               <a:buNone/>
+              <a:tabLst>
+                <a:tab algn="l" pos="0"/>
+              </a:tabLst>
             </a:pPr>
             <a:r>
               <a:rPr b="0" lang="en-US" sz="4400" spc="-1" strike="noStrike">
@@ -8834,7 +8793,7 @@
       </p:sp>
       <p:sp>
         <p:nvSpPr>
-          <p:cNvPr id="124" name="PlaceHolder 2"/>
+          <p:cNvPr id="119" name="PlaceHolder 2"/>
           <p:cNvSpPr>
             <a:spLocks noGrp="1"/>
           </p:cNvSpPr>
@@ -8845,7 +8804,7 @@
         <p:spPr>
           <a:xfrm>
             <a:off x="228600" y="1821240"/>
-            <a:ext cx="8229600" cy="3893760"/>
+            <a:ext cx="8229240" cy="3893400"/>
           </a:xfrm>
           <a:prstGeom prst="rect">
             <a:avLst/>
@@ -8984,16 +8943,7 @@
                 <a:latin typeface="Arial"/>
                 <a:ea typeface="Noto Sans CJK SC"/>
               </a:rPr>
-              <a:t>BERT: Sadness, Suicidal (88.76%, 74.04%)</a:t>
-            </a:r>
-            <a:r>
-              <a:rPr b="0" lang="en-US" sz="2000" spc="-1" strike="noStrike">
-                <a:solidFill>
-                  <a:srgbClr val="000000"/>
-                </a:solidFill>
-                <a:latin typeface="Arial"/>
-              </a:rPr>
-              <a:t>; SAware (55.38%)</a:t>
+              <a:t>BERT: Sadness, Suicidal (88.76%, 74.04%); SAware (55.38%)</a:t>
             </a:r>
             <a:endParaRPr b="0" lang="en-US" sz="2000" spc="-1" strike="noStrike">
               <a:solidFill>
@@ -9023,6 +8973,7 @@
                   <a:srgbClr val="000000"/>
                 </a:solidFill>
                 <a:latin typeface="Arial"/>
+                <a:ea typeface="Noto Sans CJK SC"/>
               </a:rPr>
               <a:t>Custom: Joy, Suicidal (59.65%, 44.14%); SAware (3.07%)</a:t>
             </a:r>
@@ -9037,14 +8988,14 @@
       </p:sp>
       <p:sp>
         <p:nvSpPr>
-          <p:cNvPr id="125" name=""/>
-          <p:cNvSpPr txBox="1"/>
+          <p:cNvPr id="120" name=""/>
+          <p:cNvSpPr/>
           <p:nvPr/>
         </p:nvSpPr>
         <p:spPr>
           <a:xfrm>
             <a:off x="6696000" y="2027160"/>
-            <a:ext cx="180720" cy="232560"/>
+            <a:ext cx="180360" cy="232200"/>
           </a:xfrm>
           <a:prstGeom prst="rect">
             <a:avLst/>
@@ -9054,11 +9005,22 @@
             <a:noFill/>
           </a:ln>
         </p:spPr>
+        <p:style>
+          <a:lnRef idx="0"/>
+          <a:fillRef idx="0"/>
+          <a:effectRef idx="0"/>
+          <a:fontRef idx="minor"/>
+        </p:style>
         <p:txBody>
           <a:bodyPr lIns="90000" rIns="90000" tIns="45000" bIns="45000" anchor="t">
             <a:noAutofit/>
           </a:bodyPr>
           <a:p>
+            <a:pPr>
+              <a:lnSpc>
+                <a:spcPct val="100000"/>
+              </a:lnSpc>
+            </a:pPr>
             <a:endParaRPr b="0" lang="en-US" sz="1000" spc="-1" strike="noStrike">
               <a:solidFill>
                 <a:srgbClr val="000000"/>
@@ -9070,14 +9032,14 @@
       </p:sp>
       <p:sp>
         <p:nvSpPr>
-          <p:cNvPr id="126" name=""/>
-          <p:cNvSpPr txBox="1"/>
+          <p:cNvPr id="121" name=""/>
+          <p:cNvSpPr/>
           <p:nvPr/>
         </p:nvSpPr>
         <p:spPr>
           <a:xfrm>
             <a:off x="6357240" y="3831120"/>
-            <a:ext cx="180720" cy="232560"/>
+            <a:ext cx="180360" cy="232200"/>
           </a:xfrm>
           <a:prstGeom prst="rect">
             <a:avLst/>
@@ -9087,11 +9049,22 @@
             <a:noFill/>
           </a:ln>
         </p:spPr>
+        <p:style>
+          <a:lnRef idx="0"/>
+          <a:fillRef idx="0"/>
+          <a:effectRef idx="0"/>
+          <a:fontRef idx="minor"/>
+        </p:style>
         <p:txBody>
           <a:bodyPr lIns="90000" rIns="90000" tIns="45000" bIns="45000" anchor="t">
             <a:noAutofit/>
           </a:bodyPr>
           <a:p>
+            <a:pPr>
+              <a:lnSpc>
+                <a:spcPct val="100000"/>
+              </a:lnSpc>
+            </a:pPr>
             <a:endParaRPr b="0" lang="en-US" sz="1000" spc="-1" strike="noStrike">
               <a:solidFill>
                 <a:srgbClr val="000000"/>
@@ -9103,14 +9076,14 @@
       </p:sp>
       <p:sp>
         <p:nvSpPr>
-          <p:cNvPr id="127" name=""/>
-          <p:cNvSpPr txBox="1"/>
+          <p:cNvPr id="122" name=""/>
+          <p:cNvSpPr/>
           <p:nvPr/>
         </p:nvSpPr>
         <p:spPr>
           <a:xfrm>
             <a:off x="228600" y="6539040"/>
-            <a:ext cx="8686800" cy="319320"/>
+            <a:ext cx="8686440" cy="318960"/>
           </a:xfrm>
           <a:prstGeom prst="rect">
             <a:avLst/>
@@ -9120,11 +9093,22 @@
             <a:noFill/>
           </a:ln>
         </p:spPr>
+        <p:style>
+          <a:lnRef idx="0"/>
+          <a:fillRef idx="0"/>
+          <a:effectRef idx="0"/>
+          <a:fontRef idx="minor"/>
+        </p:style>
         <p:txBody>
           <a:bodyPr lIns="90000" rIns="90000" tIns="45000" bIns="45000" anchor="t">
             <a:noAutofit/>
           </a:bodyPr>
           <a:p>
+            <a:pPr>
+              <a:lnSpc>
+                <a:spcPct val="100000"/>
+              </a:lnSpc>
+            </a:pPr>
             <a:r>
               <a:rPr b="1" lang="en-US" sz="1800" spc="-1" strike="noStrike">
                 <a:solidFill>
@@ -9229,7 +9213,7 @@
       </p:grpSpPr>
       <p:sp>
         <p:nvSpPr>
-          <p:cNvPr id="128" name="PlaceHolder 1"/>
+          <p:cNvPr id="123" name="PlaceHolder 1"/>
           <p:cNvSpPr>
             <a:spLocks noGrp="1"/>
           </p:cNvSpPr>
@@ -9240,7 +9224,7 @@
         <p:spPr>
           <a:xfrm>
             <a:off x="235080" y="807120"/>
-            <a:ext cx="8676000" cy="1325160"/>
+            <a:ext cx="8675640" cy="1324800"/>
           </a:xfrm>
           <a:prstGeom prst="rect">
             <a:avLst/>
@@ -9260,6 +9244,9 @@
                 <a:spcPct val="90000"/>
               </a:lnSpc>
               <a:buNone/>
+              <a:tabLst>
+                <a:tab algn="l" pos="0"/>
+              </a:tabLst>
             </a:pPr>
             <a:r>
               <a:rPr b="0" lang="en-US" sz="4400" spc="-1" strike="noStrike">
@@ -9281,7 +9268,7 @@
       </p:sp>
       <p:sp>
         <p:nvSpPr>
-          <p:cNvPr id="129" name="PlaceHolder 2"/>
+          <p:cNvPr id="124" name="PlaceHolder 2"/>
           <p:cNvSpPr>
             <a:spLocks noGrp="1"/>
           </p:cNvSpPr>
@@ -9292,7 +9279,7 @@
         <p:spPr>
           <a:xfrm>
             <a:off x="228600" y="1821240"/>
-            <a:ext cx="8458200" cy="3893760"/>
+            <a:ext cx="8457840" cy="3893400"/>
           </a:xfrm>
           <a:prstGeom prst="rect">
             <a:avLst/>
@@ -9337,7 +9324,16 @@
                 </a:solidFill>
                 <a:latin typeface="Arial"/>
               </a:rPr>
-              <a:t>finally upgarded grandma bought new phone beneath using s yearsd” </a:t>
+              <a:t>finally upgarded grandma bought new </a:t>
+            </a:r>
+            <a:r>
+              <a:rPr b="0" lang="en-US" sz="2800" spc="-1" strike="noStrike">
+                <a:solidFill>
+                  <a:srgbClr val="000000"/>
+                </a:solidFill>
+                <a:latin typeface="Arial"/>
+              </a:rPr>
+              <a:t>phone beneath using s yearsd” </a:t>
             </a:r>
             <a:endParaRPr b="0" lang="en-US" sz="2800" spc="-1" strike="noStrike">
               <a:solidFill>
@@ -9399,7 +9395,16 @@
                 </a:solidFill>
                 <a:latin typeface="Arial"/>
               </a:rPr>
-              <a:t>GPT2: Neutral, Normal (96.06%, 81.21%); SAware (4.59%)</a:t>
+              <a:t>GPT2: Neutral, Normal (96.06%, 81.21%); SAware </a:t>
+            </a:r>
+            <a:r>
+              <a:rPr b="0" lang="en-US" sz="2000" spc="-1" strike="noStrike">
+                <a:solidFill>
+                  <a:srgbClr val="000000"/>
+                </a:solidFill>
+                <a:latin typeface="Arial"/>
+              </a:rPr>
+              <a:t>(4.59%)</a:t>
             </a:r>
             <a:endParaRPr b="0" lang="en-US" sz="2000" spc="-1" strike="noStrike">
               <a:solidFill>
@@ -9430,7 +9435,16 @@
                 </a:solidFill>
                 <a:latin typeface="Arial"/>
               </a:rPr>
-              <a:t>BERT: Sadness, Normal (55.48%, 99,98%); SAware (26.96%)</a:t>
+              <a:t>BERT: Sadness, Normal (55.48%, 99,98%); SAware </a:t>
+            </a:r>
+            <a:r>
+              <a:rPr b="0" lang="en-US" sz="2000" spc="-1" strike="noStrike">
+                <a:solidFill>
+                  <a:srgbClr val="000000"/>
+                </a:solidFill>
+                <a:latin typeface="Arial"/>
+              </a:rPr>
+              <a:t>(26.96%)</a:t>
             </a:r>
             <a:endParaRPr b="0" lang="en-US" sz="2000" spc="-1" strike="noStrike">
               <a:solidFill>
@@ -9461,7 +9475,16 @@
                 </a:solidFill>
                 <a:latin typeface="Arial"/>
               </a:rPr>
-              <a:t>Custom: Neutral, Normal (97.16%, 91.39%); SAware (6.19%)</a:t>
+              <a:t>Custom: Neutral, Normal (97.16%, 91.39%); SAware </a:t>
+            </a:r>
+            <a:r>
+              <a:rPr b="0" lang="en-US" sz="2000" spc="-1" strike="noStrike">
+                <a:solidFill>
+                  <a:srgbClr val="000000"/>
+                </a:solidFill>
+                <a:latin typeface="Arial"/>
+              </a:rPr>
+              <a:t>(6.19%)</a:t>
             </a:r>
             <a:endParaRPr b="0" lang="en-US" sz="2000" spc="-1" strike="noStrike">
               <a:solidFill>
@@ -9474,14 +9497,14 @@
       </p:sp>
       <p:sp>
         <p:nvSpPr>
-          <p:cNvPr id="130" name=""/>
-          <p:cNvSpPr txBox="1"/>
+          <p:cNvPr id="125" name=""/>
+          <p:cNvSpPr/>
           <p:nvPr/>
         </p:nvSpPr>
         <p:spPr>
           <a:xfrm>
             <a:off x="6696000" y="2027160"/>
-            <a:ext cx="180720" cy="232560"/>
+            <a:ext cx="180360" cy="232200"/>
           </a:xfrm>
           <a:prstGeom prst="rect">
             <a:avLst/>
@@ -9491,11 +9514,22 @@
             <a:noFill/>
           </a:ln>
         </p:spPr>
+        <p:style>
+          <a:lnRef idx="0"/>
+          <a:fillRef idx="0"/>
+          <a:effectRef idx="0"/>
+          <a:fontRef idx="minor"/>
+        </p:style>
         <p:txBody>
           <a:bodyPr lIns="90000" rIns="90000" tIns="45000" bIns="45000" anchor="t">
             <a:noAutofit/>
           </a:bodyPr>
           <a:p>
+            <a:pPr>
+              <a:lnSpc>
+                <a:spcPct val="100000"/>
+              </a:lnSpc>
+            </a:pPr>
             <a:endParaRPr b="0" lang="en-US" sz="1000" spc="-1" strike="noStrike">
               <a:solidFill>
                 <a:srgbClr val="000000"/>
@@ -9507,14 +9541,14 @@
       </p:sp>
       <p:sp>
         <p:nvSpPr>
-          <p:cNvPr id="131" name=""/>
-          <p:cNvSpPr txBox="1"/>
+          <p:cNvPr id="126" name=""/>
+          <p:cNvSpPr/>
           <p:nvPr/>
         </p:nvSpPr>
         <p:spPr>
           <a:xfrm>
             <a:off x="6357240" y="3831120"/>
-            <a:ext cx="180720" cy="232560"/>
+            <a:ext cx="180360" cy="232200"/>
           </a:xfrm>
           <a:prstGeom prst="rect">
             <a:avLst/>
@@ -9524,11 +9558,22 @@
             <a:noFill/>
           </a:ln>
         </p:spPr>
+        <p:style>
+          <a:lnRef idx="0"/>
+          <a:fillRef idx="0"/>
+          <a:effectRef idx="0"/>
+          <a:fontRef idx="minor"/>
+        </p:style>
         <p:txBody>
           <a:bodyPr lIns="90000" rIns="90000" tIns="45000" bIns="45000" anchor="t">
             <a:noAutofit/>
           </a:bodyPr>
           <a:p>
+            <a:pPr>
+              <a:lnSpc>
+                <a:spcPct val="100000"/>
+              </a:lnSpc>
+            </a:pPr>
             <a:endParaRPr b="0" lang="en-US" sz="1000" spc="-1" strike="noStrike">
               <a:solidFill>
                 <a:srgbClr val="000000"/>
@@ -9540,14 +9585,14 @@
       </p:sp>
       <p:sp>
         <p:nvSpPr>
-          <p:cNvPr id="132" name=""/>
-          <p:cNvSpPr txBox="1"/>
+          <p:cNvPr id="127" name=""/>
+          <p:cNvSpPr/>
           <p:nvPr/>
         </p:nvSpPr>
         <p:spPr>
           <a:xfrm>
             <a:off x="228600" y="6539040"/>
-            <a:ext cx="8686800" cy="319320"/>
+            <a:ext cx="8686440" cy="318960"/>
           </a:xfrm>
           <a:prstGeom prst="rect">
             <a:avLst/>
@@ -9557,11 +9602,22 @@
             <a:noFill/>
           </a:ln>
         </p:spPr>
+        <p:style>
+          <a:lnRef idx="0"/>
+          <a:fillRef idx="0"/>
+          <a:effectRef idx="0"/>
+          <a:fontRef idx="minor"/>
+        </p:style>
         <p:txBody>
           <a:bodyPr lIns="90000" rIns="90000" tIns="45000" bIns="45000" anchor="t">
             <a:noAutofit/>
           </a:bodyPr>
           <a:p>
+            <a:pPr>
+              <a:lnSpc>
+                <a:spcPct val="100000"/>
+              </a:lnSpc>
+            </a:pPr>
             <a:r>
               <a:rPr b="1" lang="en-US" sz="1800" spc="-1" strike="noStrike">
                 <a:solidFill>
@@ -9666,7 +9722,7 @@
       </p:grpSpPr>
       <p:sp>
         <p:nvSpPr>
-          <p:cNvPr id="133" name="PlaceHolder 1"/>
+          <p:cNvPr id="128" name="PlaceHolder 1"/>
           <p:cNvSpPr>
             <a:spLocks noGrp="1"/>
           </p:cNvSpPr>
@@ -9677,7 +9733,7 @@
         <p:spPr>
           <a:xfrm>
             <a:off x="235080" y="807120"/>
-            <a:ext cx="8676000" cy="1325160"/>
+            <a:ext cx="8675640" cy="1324800"/>
           </a:xfrm>
           <a:prstGeom prst="rect">
             <a:avLst/>
@@ -9697,6 +9753,9 @@
                 <a:spcPct val="90000"/>
               </a:lnSpc>
               <a:buNone/>
+              <a:tabLst>
+                <a:tab algn="l" pos="0"/>
+              </a:tabLst>
             </a:pPr>
             <a:r>
               <a:rPr b="0" lang="en-US" sz="4400" spc="-1" strike="noStrike">
@@ -9718,7 +9777,7 @@
       </p:sp>
       <p:sp>
         <p:nvSpPr>
-          <p:cNvPr id="134" name="PlaceHolder 2"/>
+          <p:cNvPr id="129" name="PlaceHolder 2"/>
           <p:cNvSpPr>
             <a:spLocks noGrp="1"/>
           </p:cNvSpPr>
@@ -9729,7 +9788,7 @@
         <p:spPr>
           <a:xfrm>
             <a:off x="228600" y="1821240"/>
-            <a:ext cx="8229600" cy="3893760"/>
+            <a:ext cx="8229240" cy="3893400"/>
           </a:xfrm>
           <a:prstGeom prst="rect">
             <a:avLst/>
@@ -9911,14 +9970,14 @@
       </p:sp>
       <p:sp>
         <p:nvSpPr>
-          <p:cNvPr id="135" name=""/>
-          <p:cNvSpPr txBox="1"/>
+          <p:cNvPr id="130" name=""/>
+          <p:cNvSpPr/>
           <p:nvPr/>
         </p:nvSpPr>
         <p:spPr>
           <a:xfrm>
             <a:off x="6696000" y="2027160"/>
-            <a:ext cx="180720" cy="232560"/>
+            <a:ext cx="180360" cy="232200"/>
           </a:xfrm>
           <a:prstGeom prst="rect">
             <a:avLst/>
@@ -9928,11 +9987,22 @@
             <a:noFill/>
           </a:ln>
         </p:spPr>
+        <p:style>
+          <a:lnRef idx="0"/>
+          <a:fillRef idx="0"/>
+          <a:effectRef idx="0"/>
+          <a:fontRef idx="minor"/>
+        </p:style>
         <p:txBody>
           <a:bodyPr lIns="90000" rIns="90000" tIns="45000" bIns="45000" anchor="t">
             <a:noAutofit/>
           </a:bodyPr>
           <a:p>
+            <a:pPr>
+              <a:lnSpc>
+                <a:spcPct val="100000"/>
+              </a:lnSpc>
+            </a:pPr>
             <a:endParaRPr b="0" lang="en-US" sz="1000" spc="-1" strike="noStrike">
               <a:solidFill>
                 <a:srgbClr val="000000"/>
@@ -9944,14 +10014,14 @@
       </p:sp>
       <p:sp>
         <p:nvSpPr>
-          <p:cNvPr id="136" name=""/>
-          <p:cNvSpPr txBox="1"/>
+          <p:cNvPr id="131" name=""/>
+          <p:cNvSpPr/>
           <p:nvPr/>
         </p:nvSpPr>
         <p:spPr>
           <a:xfrm>
             <a:off x="6357240" y="3831120"/>
-            <a:ext cx="180720" cy="232560"/>
+            <a:ext cx="180360" cy="232200"/>
           </a:xfrm>
           <a:prstGeom prst="rect">
             <a:avLst/>
@@ -9961,11 +10031,22 @@
             <a:noFill/>
           </a:ln>
         </p:spPr>
+        <p:style>
+          <a:lnRef idx="0"/>
+          <a:fillRef idx="0"/>
+          <a:effectRef idx="0"/>
+          <a:fontRef idx="minor"/>
+        </p:style>
         <p:txBody>
           <a:bodyPr lIns="90000" rIns="90000" tIns="45000" bIns="45000" anchor="t">
             <a:noAutofit/>
           </a:bodyPr>
           <a:p>
+            <a:pPr>
+              <a:lnSpc>
+                <a:spcPct val="100000"/>
+              </a:lnSpc>
+            </a:pPr>
             <a:endParaRPr b="0" lang="en-US" sz="1000" spc="-1" strike="noStrike">
               <a:solidFill>
                 <a:srgbClr val="000000"/>
@@ -9977,14 +10058,14 @@
       </p:sp>
       <p:sp>
         <p:nvSpPr>
-          <p:cNvPr id="137" name=""/>
-          <p:cNvSpPr txBox="1"/>
+          <p:cNvPr id="132" name=""/>
+          <p:cNvSpPr/>
           <p:nvPr/>
         </p:nvSpPr>
         <p:spPr>
           <a:xfrm>
             <a:off x="228600" y="6539040"/>
-            <a:ext cx="8686800" cy="319320"/>
+            <a:ext cx="8686440" cy="318960"/>
           </a:xfrm>
           <a:prstGeom prst="rect">
             <a:avLst/>
@@ -9994,11 +10075,22 @@
             <a:noFill/>
           </a:ln>
         </p:spPr>
+        <p:style>
+          <a:lnRef idx="0"/>
+          <a:fillRef idx="0"/>
+          <a:effectRef idx="0"/>
+          <a:fontRef idx="minor"/>
+        </p:style>
         <p:txBody>
           <a:bodyPr lIns="90000" rIns="90000" tIns="45000" bIns="45000" anchor="t">
             <a:noAutofit/>
           </a:bodyPr>
           <a:p>
+            <a:pPr>
+              <a:lnSpc>
+                <a:spcPct val="100000"/>
+              </a:lnSpc>
+            </a:pPr>
             <a:r>
               <a:rPr b="1" lang="en-US" sz="1800" spc="-1" strike="noStrike">
                 <a:solidFill>
@@ -10103,7 +10195,7 @@
       </p:grpSpPr>
       <p:sp>
         <p:nvSpPr>
-          <p:cNvPr id="138" name="PlaceHolder 1"/>
+          <p:cNvPr id="133" name="PlaceHolder 1"/>
           <p:cNvSpPr>
             <a:spLocks noGrp="1"/>
           </p:cNvSpPr>
@@ -10114,7 +10206,7 @@
         <p:spPr>
           <a:xfrm>
             <a:off x="235080" y="807120"/>
-            <a:ext cx="8676000" cy="1325160"/>
+            <a:ext cx="8675640" cy="1324800"/>
           </a:xfrm>
           <a:prstGeom prst="rect">
             <a:avLst/>
@@ -10134,6 +10226,9 @@
                 <a:spcPct val="90000"/>
               </a:lnSpc>
               <a:buNone/>
+              <a:tabLst>
+                <a:tab algn="l" pos="0"/>
+              </a:tabLst>
             </a:pPr>
             <a:r>
               <a:rPr b="0" lang="en-US" sz="4400" spc="-1" strike="noStrike">
@@ -10155,7 +10250,7 @@
       </p:sp>
       <p:sp>
         <p:nvSpPr>
-          <p:cNvPr id="139" name="PlaceHolder 2"/>
+          <p:cNvPr id="134" name="PlaceHolder 2"/>
           <p:cNvSpPr>
             <a:spLocks noGrp="1"/>
           </p:cNvSpPr>
@@ -10166,7 +10261,7 @@
         <p:spPr>
           <a:xfrm>
             <a:off x="228600" y="1821240"/>
-            <a:ext cx="8229600" cy="3893760"/>
+            <a:ext cx="8229240" cy="3893400"/>
           </a:xfrm>
           <a:prstGeom prst="rect">
             <a:avLst/>
@@ -10277,14 +10372,14 @@
       </p:sp>
       <p:sp>
         <p:nvSpPr>
-          <p:cNvPr id="140" name=""/>
-          <p:cNvSpPr txBox="1"/>
+          <p:cNvPr id="135" name=""/>
+          <p:cNvSpPr/>
           <p:nvPr/>
         </p:nvSpPr>
         <p:spPr>
           <a:xfrm>
             <a:off x="6696000" y="2027160"/>
-            <a:ext cx="180720" cy="232560"/>
+            <a:ext cx="180360" cy="232200"/>
           </a:xfrm>
           <a:prstGeom prst="rect">
             <a:avLst/>
@@ -10294,11 +10389,22 @@
             <a:noFill/>
           </a:ln>
         </p:spPr>
+        <p:style>
+          <a:lnRef idx="0"/>
+          <a:fillRef idx="0"/>
+          <a:effectRef idx="0"/>
+          <a:fontRef idx="minor"/>
+        </p:style>
         <p:txBody>
           <a:bodyPr lIns="90000" rIns="90000" tIns="45000" bIns="45000" anchor="t">
             <a:noAutofit/>
           </a:bodyPr>
           <a:p>
+            <a:pPr>
+              <a:lnSpc>
+                <a:spcPct val="100000"/>
+              </a:lnSpc>
+            </a:pPr>
             <a:endParaRPr b="0" lang="en-US" sz="1000" spc="-1" strike="noStrike">
               <a:solidFill>
                 <a:srgbClr val="000000"/>
@@ -10310,14 +10416,14 @@
       </p:sp>
       <p:sp>
         <p:nvSpPr>
-          <p:cNvPr id="141" name=""/>
-          <p:cNvSpPr txBox="1"/>
+          <p:cNvPr id="136" name=""/>
+          <p:cNvSpPr/>
           <p:nvPr/>
         </p:nvSpPr>
         <p:spPr>
           <a:xfrm>
             <a:off x="6357240" y="3831120"/>
-            <a:ext cx="180720" cy="232560"/>
+            <a:ext cx="180360" cy="232200"/>
           </a:xfrm>
           <a:prstGeom prst="rect">
             <a:avLst/>
@@ -10327,11 +10433,22 @@
             <a:noFill/>
           </a:ln>
         </p:spPr>
+        <p:style>
+          <a:lnRef idx="0"/>
+          <a:fillRef idx="0"/>
+          <a:effectRef idx="0"/>
+          <a:fontRef idx="minor"/>
+        </p:style>
         <p:txBody>
           <a:bodyPr lIns="90000" rIns="90000" tIns="45000" bIns="45000" anchor="t">
             <a:noAutofit/>
           </a:bodyPr>
           <a:p>
+            <a:pPr>
+              <a:lnSpc>
+                <a:spcPct val="100000"/>
+              </a:lnSpc>
+            </a:pPr>
             <a:endParaRPr b="0" lang="en-US" sz="1000" spc="-1" strike="noStrike">
               <a:solidFill>
                 <a:srgbClr val="000000"/>
@@ -10343,14 +10460,14 @@
       </p:sp>
       <p:sp>
         <p:nvSpPr>
-          <p:cNvPr id="142" name=""/>
-          <p:cNvSpPr txBox="1"/>
+          <p:cNvPr id="137" name=""/>
+          <p:cNvSpPr/>
           <p:nvPr/>
         </p:nvSpPr>
         <p:spPr>
           <a:xfrm>
             <a:off x="228600" y="6539040"/>
-            <a:ext cx="8686800" cy="319320"/>
+            <a:ext cx="8686440" cy="318960"/>
           </a:xfrm>
           <a:prstGeom prst="rect">
             <a:avLst/>
@@ -10360,11 +10477,22 @@
             <a:noFill/>
           </a:ln>
         </p:spPr>
+        <p:style>
+          <a:lnRef idx="0"/>
+          <a:fillRef idx="0"/>
+          <a:effectRef idx="0"/>
+          <a:fontRef idx="minor"/>
+        </p:style>
         <p:txBody>
           <a:bodyPr lIns="90000" rIns="90000" tIns="45000" bIns="45000" anchor="t">
             <a:noAutofit/>
           </a:bodyPr>
           <a:p>
+            <a:pPr>
+              <a:lnSpc>
+                <a:spcPct val="100000"/>
+              </a:lnSpc>
+            </a:pPr>
             <a:r>
               <a:rPr b="1" lang="en-US" sz="1800" spc="-1" strike="noStrike">
                 <a:solidFill>
@@ -10469,7 +10597,7 @@
       </p:grpSpPr>
       <p:sp>
         <p:nvSpPr>
-          <p:cNvPr id="143" name="PlaceHolder 1"/>
+          <p:cNvPr id="138" name="PlaceHolder 1"/>
           <p:cNvSpPr>
             <a:spLocks noGrp="1"/>
           </p:cNvSpPr>
@@ -10480,7 +10608,7 @@
         <p:spPr>
           <a:xfrm>
             <a:off x="235080" y="807120"/>
-            <a:ext cx="8676000" cy="1021680"/>
+            <a:ext cx="8675640" cy="1021320"/>
           </a:xfrm>
           <a:prstGeom prst="rect">
             <a:avLst/>
@@ -10500,6 +10628,9 @@
                 <a:spcPct val="90000"/>
               </a:lnSpc>
               <a:buNone/>
+              <a:tabLst>
+                <a:tab algn="l" pos="0"/>
+              </a:tabLst>
             </a:pPr>
             <a:r>
               <a:rPr b="1" lang="en-US" sz="3000" spc="-1" strike="noStrike">
@@ -10522,7 +10653,7 @@
               </a:rPr>
               <a:t>Media for Mental Health Indicators</a:t>
             </a:r>
-            <a:endParaRPr b="1" lang="en-US" sz="3000" spc="-1" strike="noStrike">
+            <a:endParaRPr b="0" lang="en-US" sz="3000" spc="-1" strike="noStrike">
               <a:solidFill>
                 <a:srgbClr val="000000"/>
               </a:solidFill>
@@ -10533,7 +10664,7 @@
       </p:sp>
       <p:sp>
         <p:nvSpPr>
-          <p:cNvPr id="144" name="PlaceHolder 2"/>
+          <p:cNvPr id="139" name="PlaceHolder 2"/>
           <p:cNvSpPr>
             <a:spLocks noGrp="1"/>
           </p:cNvSpPr>
@@ -10544,7 +10675,7 @@
         <p:spPr>
           <a:xfrm>
             <a:off x="628560" y="1825560"/>
-            <a:ext cx="3885840" cy="4350960"/>
+            <a:ext cx="3885480" cy="4350600"/>
           </a:xfrm>
           <a:prstGeom prst="rect">
             <a:avLst/>
@@ -10611,16 +10742,7 @@
                 </a:solidFill>
                 <a:latin typeface="Arial"/>
               </a:rPr>
-              <a:t>Data</a:t>
-            </a:r>
-            <a:r>
-              <a:rPr b="0" lang="en-US" sz="2800" spc="-1" strike="noStrike">
-                <a:solidFill>
-                  <a:srgbClr val="000000"/>
-                </a:solidFill>
-                <a:latin typeface="Arial"/>
-              </a:rPr>
-              <a:t> </a:t>
+              <a:t>Data </a:t>
             </a:r>
             <a:endParaRPr b="0" lang="en-US" sz="2800" spc="-1" strike="noStrike">
               <a:solidFill>
@@ -10726,14 +10848,14 @@
       </p:sp>
       <p:sp>
         <p:nvSpPr>
-          <p:cNvPr id="145" name=""/>
-          <p:cNvSpPr txBox="1"/>
+          <p:cNvPr id="140" name=""/>
+          <p:cNvSpPr/>
           <p:nvPr/>
         </p:nvSpPr>
         <p:spPr>
           <a:xfrm>
             <a:off x="6696000" y="2027160"/>
-            <a:ext cx="180720" cy="232560"/>
+            <a:ext cx="180360" cy="232200"/>
           </a:xfrm>
           <a:prstGeom prst="rect">
             <a:avLst/>
@@ -10743,11 +10865,22 @@
             <a:noFill/>
           </a:ln>
         </p:spPr>
+        <p:style>
+          <a:lnRef idx="0"/>
+          <a:fillRef idx="0"/>
+          <a:effectRef idx="0"/>
+          <a:fontRef idx="minor"/>
+        </p:style>
         <p:txBody>
           <a:bodyPr lIns="90000" rIns="90000" tIns="45000" bIns="45000" anchor="t">
             <a:noAutofit/>
           </a:bodyPr>
           <a:p>
+            <a:pPr>
+              <a:lnSpc>
+                <a:spcPct val="100000"/>
+              </a:lnSpc>
+            </a:pPr>
             <a:endParaRPr b="0" lang="en-US" sz="1000" spc="-1" strike="noStrike">
               <a:solidFill>
                 <a:srgbClr val="000000"/>
@@ -10759,14 +10892,14 @@
       </p:sp>
       <p:sp>
         <p:nvSpPr>
-          <p:cNvPr id="146" name=""/>
-          <p:cNvSpPr txBox="1"/>
+          <p:cNvPr id="141" name=""/>
+          <p:cNvSpPr/>
           <p:nvPr/>
         </p:nvSpPr>
         <p:spPr>
           <a:xfrm>
             <a:off x="6357240" y="3831120"/>
-            <a:ext cx="180720" cy="232560"/>
+            <a:ext cx="180360" cy="232200"/>
           </a:xfrm>
           <a:prstGeom prst="rect">
             <a:avLst/>
@@ -10776,11 +10909,22 @@
             <a:noFill/>
           </a:ln>
         </p:spPr>
+        <p:style>
+          <a:lnRef idx="0"/>
+          <a:fillRef idx="0"/>
+          <a:effectRef idx="0"/>
+          <a:fontRef idx="minor"/>
+        </p:style>
         <p:txBody>
           <a:bodyPr lIns="90000" rIns="90000" tIns="45000" bIns="45000" anchor="t">
             <a:noAutofit/>
           </a:bodyPr>
           <a:p>
+            <a:pPr>
+              <a:lnSpc>
+                <a:spcPct val="100000"/>
+              </a:lnSpc>
+            </a:pPr>
             <a:endParaRPr b="0" lang="en-US" sz="1000" spc="-1" strike="noStrike">
               <a:solidFill>
                 <a:srgbClr val="000000"/>
@@ -10792,7 +10936,7 @@
       </p:sp>
       <p:pic>
         <p:nvPicPr>
-          <p:cNvPr id="147" name="" descr=""/>
+          <p:cNvPr id="142" name="" descr=""/>
           <p:cNvPicPr/>
           <p:nvPr/>
         </p:nvPicPr>
@@ -10803,7 +10947,7 @@
         <p:spPr>
           <a:xfrm>
             <a:off x="2857680" y="1828800"/>
-            <a:ext cx="5829120" cy="3971520"/>
+            <a:ext cx="5828760" cy="3971160"/>
           </a:xfrm>
           <a:prstGeom prst="rect">
             <a:avLst/>
@@ -10815,14 +10959,14 @@
       </p:pic>
       <p:sp>
         <p:nvSpPr>
-          <p:cNvPr id="148" name=""/>
-          <p:cNvSpPr txBox="1"/>
+          <p:cNvPr id="143" name=""/>
+          <p:cNvSpPr/>
           <p:nvPr/>
         </p:nvSpPr>
         <p:spPr>
           <a:xfrm>
             <a:off x="228600" y="6539040"/>
-            <a:ext cx="8686800" cy="319320"/>
+            <a:ext cx="8686440" cy="318960"/>
           </a:xfrm>
           <a:prstGeom prst="rect">
             <a:avLst/>
@@ -10832,11 +10976,22 @@
             <a:noFill/>
           </a:ln>
         </p:spPr>
+        <p:style>
+          <a:lnRef idx="0"/>
+          <a:fillRef idx="0"/>
+          <a:effectRef idx="0"/>
+          <a:fontRef idx="minor"/>
+        </p:style>
         <p:txBody>
           <a:bodyPr lIns="90000" rIns="90000" tIns="45000" bIns="45000" anchor="t">
             <a:noAutofit/>
           </a:bodyPr>
           <a:p>
+            <a:pPr>
+              <a:lnSpc>
+                <a:spcPct val="100000"/>
+              </a:lnSpc>
+            </a:pPr>
             <a:r>
               <a:rPr b="1" lang="en-US" sz="1800" spc="-1" strike="noStrike">
                 <a:solidFill>
@@ -10941,7 +11096,7 @@
       </p:grpSpPr>
       <p:sp>
         <p:nvSpPr>
-          <p:cNvPr id="149" name="PlaceHolder 1"/>
+          <p:cNvPr id="144" name="PlaceHolder 1"/>
           <p:cNvSpPr>
             <a:spLocks noGrp="1"/>
           </p:cNvSpPr>
@@ -10952,7 +11107,7 @@
         <p:spPr>
           <a:xfrm>
             <a:off x="235080" y="807120"/>
-            <a:ext cx="8676000" cy="1021680"/>
+            <a:ext cx="8675640" cy="1021320"/>
           </a:xfrm>
           <a:prstGeom prst="rect">
             <a:avLst/>
@@ -10972,6 +11127,9 @@
                 <a:spcPct val="90000"/>
               </a:lnSpc>
               <a:buNone/>
+              <a:tabLst>
+                <a:tab algn="l" pos="0"/>
+              </a:tabLst>
             </a:pPr>
             <a:r>
               <a:rPr b="1" lang="en-US" sz="3000" spc="-1" strike="noStrike">
@@ -10994,7 +11152,7 @@
               </a:rPr>
               <a:t>Media for Mental Health Indicators</a:t>
             </a:r>
-            <a:endParaRPr b="1" lang="en-US" sz="3000" spc="-1" strike="noStrike">
+            <a:endParaRPr b="0" lang="en-US" sz="3000" spc="-1" strike="noStrike">
               <a:solidFill>
                 <a:srgbClr val="000000"/>
               </a:solidFill>
@@ -11005,7 +11163,7 @@
       </p:sp>
       <p:sp>
         <p:nvSpPr>
-          <p:cNvPr id="150" name="PlaceHolder 2"/>
+          <p:cNvPr id="145" name="PlaceHolder 2"/>
           <p:cNvSpPr>
             <a:spLocks noGrp="1"/>
           </p:cNvSpPr>
@@ -11016,7 +11174,7 @@
         <p:spPr>
           <a:xfrm>
             <a:off x="228600" y="1825560"/>
-            <a:ext cx="8686800" cy="4350960"/>
+            <a:ext cx="8686440" cy="4350600"/>
           </a:xfrm>
           <a:prstGeom prst="rect">
             <a:avLst/>
@@ -11260,14 +11418,14 @@
       </p:sp>
       <p:sp>
         <p:nvSpPr>
-          <p:cNvPr id="151" name=""/>
-          <p:cNvSpPr txBox="1"/>
+          <p:cNvPr id="146" name=""/>
+          <p:cNvSpPr/>
           <p:nvPr/>
         </p:nvSpPr>
         <p:spPr>
           <a:xfrm>
             <a:off x="6696000" y="2027160"/>
-            <a:ext cx="180720" cy="232560"/>
+            <a:ext cx="180360" cy="232200"/>
           </a:xfrm>
           <a:prstGeom prst="rect">
             <a:avLst/>
@@ -11277,11 +11435,22 @@
             <a:noFill/>
           </a:ln>
         </p:spPr>
+        <p:style>
+          <a:lnRef idx="0"/>
+          <a:fillRef idx="0"/>
+          <a:effectRef idx="0"/>
+          <a:fontRef idx="minor"/>
+        </p:style>
         <p:txBody>
           <a:bodyPr lIns="90000" rIns="90000" tIns="45000" bIns="45000" anchor="t">
             <a:noAutofit/>
           </a:bodyPr>
           <a:p>
+            <a:pPr>
+              <a:lnSpc>
+                <a:spcPct val="100000"/>
+              </a:lnSpc>
+            </a:pPr>
             <a:endParaRPr b="0" lang="en-US" sz="1000" spc="-1" strike="noStrike">
               <a:solidFill>
                 <a:srgbClr val="000000"/>
@@ -11293,14 +11462,14 @@
       </p:sp>
       <p:sp>
         <p:nvSpPr>
-          <p:cNvPr id="152" name=""/>
-          <p:cNvSpPr txBox="1"/>
+          <p:cNvPr id="147" name=""/>
+          <p:cNvSpPr/>
           <p:nvPr/>
         </p:nvSpPr>
         <p:spPr>
           <a:xfrm>
             <a:off x="6357240" y="3831120"/>
-            <a:ext cx="180720" cy="232560"/>
+            <a:ext cx="180360" cy="232200"/>
           </a:xfrm>
           <a:prstGeom prst="rect">
             <a:avLst/>
@@ -11310,11 +11479,22 @@
             <a:noFill/>
           </a:ln>
         </p:spPr>
+        <p:style>
+          <a:lnRef idx="0"/>
+          <a:fillRef idx="0"/>
+          <a:effectRef idx="0"/>
+          <a:fontRef idx="minor"/>
+        </p:style>
         <p:txBody>
           <a:bodyPr lIns="90000" rIns="90000" tIns="45000" bIns="45000" anchor="t">
             <a:noAutofit/>
           </a:bodyPr>
           <a:p>
+            <a:pPr>
+              <a:lnSpc>
+                <a:spcPct val="100000"/>
+              </a:lnSpc>
+            </a:pPr>
             <a:endParaRPr b="0" lang="en-US" sz="1000" spc="-1" strike="noStrike">
               <a:solidFill>
                 <a:srgbClr val="000000"/>
@@ -11326,14 +11506,14 @@
       </p:sp>
       <p:sp>
         <p:nvSpPr>
-          <p:cNvPr id="153" name=""/>
-          <p:cNvSpPr txBox="1"/>
+          <p:cNvPr id="148" name=""/>
+          <p:cNvSpPr/>
           <p:nvPr/>
         </p:nvSpPr>
         <p:spPr>
           <a:xfrm>
             <a:off x="228600" y="6539040"/>
-            <a:ext cx="8686800" cy="319320"/>
+            <a:ext cx="8686440" cy="318960"/>
           </a:xfrm>
           <a:prstGeom prst="rect">
             <a:avLst/>
@@ -11343,11 +11523,22 @@
             <a:noFill/>
           </a:ln>
         </p:spPr>
+        <p:style>
+          <a:lnRef idx="0"/>
+          <a:fillRef idx="0"/>
+          <a:effectRef idx="0"/>
+          <a:fontRef idx="minor"/>
+        </p:style>
         <p:txBody>
           <a:bodyPr lIns="90000" rIns="90000" tIns="45000" bIns="45000" anchor="t">
             <a:noAutofit/>
           </a:bodyPr>
           <a:p>
+            <a:pPr>
+              <a:lnSpc>
+                <a:spcPct val="100000"/>
+              </a:lnSpc>
+            </a:pPr>
             <a:r>
               <a:rPr b="1" lang="en-US" sz="1800" spc="-1" strike="noStrike">
                 <a:solidFill>
@@ -11452,7 +11643,7 @@
       </p:grpSpPr>
       <p:sp>
         <p:nvSpPr>
-          <p:cNvPr id="50" name="PlaceHolder 1"/>
+          <p:cNvPr id="45" name="PlaceHolder 1"/>
           <p:cNvSpPr>
             <a:spLocks noGrp="1"/>
           </p:cNvSpPr>
@@ -11463,7 +11654,7 @@
         <p:spPr>
           <a:xfrm>
             <a:off x="235080" y="807120"/>
-            <a:ext cx="8676000" cy="1021680"/>
+            <a:ext cx="8675640" cy="1021320"/>
           </a:xfrm>
           <a:prstGeom prst="rect">
             <a:avLst/>
@@ -11483,6 +11674,9 @@
                 <a:spcPct val="90000"/>
               </a:lnSpc>
               <a:buNone/>
+              <a:tabLst>
+                <a:tab algn="l" pos="0"/>
+              </a:tabLst>
             </a:pPr>
             <a:r>
               <a:rPr b="1" lang="en-US" sz="3000" spc="-1" strike="noStrike">
@@ -11505,7 +11699,7 @@
               </a:rPr>
               <a:t>Media for Mental Health Indicators</a:t>
             </a:r>
-            <a:endParaRPr b="1" lang="en-US" sz="3000" spc="-1" strike="noStrike">
+            <a:endParaRPr b="0" lang="en-US" sz="3000" spc="-1" strike="noStrike">
               <a:solidFill>
                 <a:srgbClr val="000000"/>
               </a:solidFill>
@@ -11516,7 +11710,7 @@
       </p:sp>
       <p:sp>
         <p:nvSpPr>
-          <p:cNvPr id="51" name="PlaceHolder 2"/>
+          <p:cNvPr id="46" name="PlaceHolder 2"/>
           <p:cNvSpPr>
             <a:spLocks noGrp="1"/>
           </p:cNvSpPr>
@@ -11527,7 +11721,7 @@
         <p:spPr>
           <a:xfrm>
             <a:off x="628560" y="1825560"/>
-            <a:ext cx="3885840" cy="4350960"/>
+            <a:ext cx="3885480" cy="4350600"/>
           </a:xfrm>
           <a:prstGeom prst="rect">
             <a:avLst/>
@@ -11700,14 +11894,14 @@
       </p:sp>
       <p:sp>
         <p:nvSpPr>
-          <p:cNvPr id="52" name=""/>
-          <p:cNvSpPr txBox="1"/>
+          <p:cNvPr id="47" name=""/>
+          <p:cNvSpPr/>
           <p:nvPr/>
         </p:nvSpPr>
         <p:spPr>
           <a:xfrm>
             <a:off x="6696000" y="2027160"/>
-            <a:ext cx="180720" cy="232560"/>
+            <a:ext cx="180360" cy="232200"/>
           </a:xfrm>
           <a:prstGeom prst="rect">
             <a:avLst/>
@@ -11717,11 +11911,22 @@
             <a:noFill/>
           </a:ln>
         </p:spPr>
+        <p:style>
+          <a:lnRef idx="0"/>
+          <a:fillRef idx="0"/>
+          <a:effectRef idx="0"/>
+          <a:fontRef idx="minor"/>
+        </p:style>
         <p:txBody>
           <a:bodyPr lIns="90000" rIns="90000" tIns="45000" bIns="45000" anchor="t">
             <a:noAutofit/>
           </a:bodyPr>
           <a:p>
+            <a:pPr>
+              <a:lnSpc>
+                <a:spcPct val="100000"/>
+              </a:lnSpc>
+            </a:pPr>
             <a:endParaRPr b="0" lang="en-US" sz="1000" spc="-1" strike="noStrike">
               <a:solidFill>
                 <a:srgbClr val="000000"/>
@@ -11733,14 +11938,14 @@
       </p:sp>
       <p:sp>
         <p:nvSpPr>
-          <p:cNvPr id="53" name=""/>
-          <p:cNvSpPr txBox="1"/>
+          <p:cNvPr id="48" name=""/>
+          <p:cNvSpPr/>
           <p:nvPr/>
         </p:nvSpPr>
         <p:spPr>
           <a:xfrm>
             <a:off x="6357240" y="3831120"/>
-            <a:ext cx="180720" cy="232560"/>
+            <a:ext cx="180360" cy="232200"/>
           </a:xfrm>
           <a:prstGeom prst="rect">
             <a:avLst/>
@@ -11750,11 +11955,22 @@
             <a:noFill/>
           </a:ln>
         </p:spPr>
+        <p:style>
+          <a:lnRef idx="0"/>
+          <a:fillRef idx="0"/>
+          <a:effectRef idx="0"/>
+          <a:fontRef idx="minor"/>
+        </p:style>
         <p:txBody>
           <a:bodyPr lIns="90000" rIns="90000" tIns="45000" bIns="45000" anchor="t">
             <a:noAutofit/>
           </a:bodyPr>
           <a:p>
+            <a:pPr>
+              <a:lnSpc>
+                <a:spcPct val="100000"/>
+              </a:lnSpc>
+            </a:pPr>
             <a:endParaRPr b="0" lang="en-US" sz="1000" spc="-1" strike="noStrike">
               <a:solidFill>
                 <a:srgbClr val="000000"/>
@@ -11766,14 +11982,14 @@
       </p:sp>
       <p:sp>
         <p:nvSpPr>
-          <p:cNvPr id="54" name=""/>
-          <p:cNvSpPr txBox="1"/>
+          <p:cNvPr id="49" name=""/>
+          <p:cNvSpPr/>
           <p:nvPr/>
         </p:nvSpPr>
         <p:spPr>
           <a:xfrm>
             <a:off x="228600" y="6538680"/>
-            <a:ext cx="8686800" cy="319320"/>
+            <a:ext cx="8686440" cy="318960"/>
           </a:xfrm>
           <a:prstGeom prst="rect">
             <a:avLst/>
@@ -11783,11 +11999,22 @@
             <a:noFill/>
           </a:ln>
         </p:spPr>
+        <p:style>
+          <a:lnRef idx="0"/>
+          <a:fillRef idx="0"/>
+          <a:effectRef idx="0"/>
+          <a:fontRef idx="minor"/>
+        </p:style>
         <p:txBody>
           <a:bodyPr lIns="90000" rIns="90000" tIns="45000" bIns="45000" anchor="t">
             <a:noAutofit/>
           </a:bodyPr>
           <a:p>
+            <a:pPr>
+              <a:lnSpc>
+                <a:spcPct val="100000"/>
+              </a:lnSpc>
+            </a:pPr>
             <a:r>
               <a:rPr b="1" lang="en-US" sz="1800" spc="-1" strike="noStrike">
                 <a:solidFill>
@@ -11862,7 +12089,7 @@
       </p:sp>
       <p:pic>
         <p:nvPicPr>
-          <p:cNvPr id="55" name="" descr=""/>
+          <p:cNvPr id="50" name="" descr=""/>
           <p:cNvPicPr/>
           <p:nvPr/>
         </p:nvPicPr>
@@ -11873,7 +12100,7 @@
         <p:spPr>
           <a:xfrm>
             <a:off x="2857680" y="1828800"/>
-            <a:ext cx="5829120" cy="3971520"/>
+            <a:ext cx="5828760" cy="3971160"/>
           </a:xfrm>
           <a:prstGeom prst="rect">
             <a:avLst/>
@@ -11915,14 +12142,14 @@
       </p:grpSpPr>
       <p:sp>
         <p:nvSpPr>
-          <p:cNvPr id="154" name="Rectangle 8"/>
+          <p:cNvPr id="149" name="Rectangle 8"/>
           <p:cNvSpPr/>
           <p:nvPr/>
         </p:nvSpPr>
         <p:spPr>
           <a:xfrm>
             <a:off x="0" y="0"/>
-            <a:ext cx="9143640" cy="6857640"/>
+            <a:ext cx="9143280" cy="6857280"/>
           </a:xfrm>
           <a:prstGeom prst="rect">
             <a:avLst/>
@@ -11945,18 +12172,24 @@
             <a:noAutofit/>
           </a:bodyPr>
           <a:p>
+            <a:pPr>
+              <a:lnSpc>
+                <a:spcPct val="100000"/>
+              </a:lnSpc>
+            </a:pPr>
             <a:endParaRPr b="0" lang="en-US" sz="1800" spc="-1" strike="noStrike">
               <a:solidFill>
                 <a:srgbClr val="ffffff"/>
               </a:solidFill>
               <a:latin typeface="Arial"/>
+              <a:ea typeface="DejaVu Sans"/>
             </a:endParaRPr>
           </a:p>
         </p:txBody>
       </p:sp>
       <p:sp>
         <p:nvSpPr>
-          <p:cNvPr id="155" name="PlaceHolder 1"/>
+          <p:cNvPr id="150" name="PlaceHolder 1"/>
           <p:cNvSpPr>
             <a:spLocks noGrp="1"/>
           </p:cNvSpPr>
@@ -11967,7 +12200,7 @@
         <p:spPr>
           <a:xfrm>
             <a:off x="0" y="3803760"/>
-            <a:ext cx="9143640" cy="505800"/>
+            <a:ext cx="9143280" cy="505440"/>
           </a:xfrm>
           <a:prstGeom prst="rect">
             <a:avLst/>
@@ -12014,7 +12247,7 @@
       </p:sp>
       <p:sp>
         <p:nvSpPr>
-          <p:cNvPr id="156" name="PlaceHolder 2"/>
+          <p:cNvPr id="151" name="PlaceHolder 2"/>
           <p:cNvSpPr>
             <a:spLocks noGrp="1"/>
           </p:cNvSpPr>
@@ -12025,7 +12258,7 @@
         <p:spPr>
           <a:xfrm>
             <a:off x="260280" y="6480720"/>
-            <a:ext cx="8623080" cy="376920"/>
+            <a:ext cx="8622720" cy="376560"/>
           </a:xfrm>
           <a:prstGeom prst="rect">
             <a:avLst/>
@@ -12072,7 +12305,7 @@
       </p:sp>
       <p:pic>
         <p:nvPicPr>
-          <p:cNvPr id="157" name="Picture 7" descr=""/>
+          <p:cNvPr id="152" name="Picture 7" descr=""/>
           <p:cNvPicPr/>
           <p:nvPr/>
         </p:nvPicPr>
@@ -12084,7 +12317,7 @@
         <p:spPr>
           <a:xfrm>
             <a:off x="3245760" y="2785680"/>
-            <a:ext cx="2652120" cy="865440"/>
+            <a:ext cx="2651760" cy="865080"/>
           </a:xfrm>
           <a:prstGeom prst="rect">
             <a:avLst/>
@@ -12126,7 +12359,7 @@
       </p:grpSpPr>
       <p:sp>
         <p:nvSpPr>
-          <p:cNvPr id="56" name="PlaceHolder 1"/>
+          <p:cNvPr id="51" name="PlaceHolder 1"/>
           <p:cNvSpPr>
             <a:spLocks noGrp="1"/>
           </p:cNvSpPr>
@@ -12137,7 +12370,7 @@
         <p:spPr>
           <a:xfrm>
             <a:off x="235080" y="807120"/>
-            <a:ext cx="8676000" cy="1325160"/>
+            <a:ext cx="8675640" cy="1324800"/>
           </a:xfrm>
           <a:prstGeom prst="rect">
             <a:avLst/>
@@ -12157,6 +12390,9 @@
                 <a:spcPct val="90000"/>
               </a:lnSpc>
               <a:buNone/>
+              <a:tabLst>
+                <a:tab algn="l" pos="0"/>
+              </a:tabLst>
             </a:pPr>
             <a:r>
               <a:rPr b="0" lang="en-US" sz="4400" spc="-1" strike="noStrike">
@@ -12178,7 +12414,7 @@
       </p:sp>
       <p:sp>
         <p:nvSpPr>
-          <p:cNvPr id="57" name="PlaceHolder 2"/>
+          <p:cNvPr id="52" name="PlaceHolder 2"/>
           <p:cNvSpPr>
             <a:spLocks noGrp="1"/>
           </p:cNvSpPr>
@@ -12189,7 +12425,7 @@
         <p:spPr>
           <a:xfrm>
             <a:off x="457200" y="1825560"/>
-            <a:ext cx="4057200" cy="4350960"/>
+            <a:ext cx="4056840" cy="4350600"/>
           </a:xfrm>
           <a:prstGeom prst="rect">
             <a:avLst/>
@@ -12300,14 +12536,14 @@
       </p:sp>
       <p:sp>
         <p:nvSpPr>
-          <p:cNvPr id="58" name=""/>
-          <p:cNvSpPr txBox="1"/>
+          <p:cNvPr id="53" name=""/>
+          <p:cNvSpPr/>
           <p:nvPr/>
         </p:nvSpPr>
         <p:spPr>
           <a:xfrm>
             <a:off x="6696000" y="2027160"/>
-            <a:ext cx="180720" cy="232560"/>
+            <a:ext cx="180360" cy="232200"/>
           </a:xfrm>
           <a:prstGeom prst="rect">
             <a:avLst/>
@@ -12317,11 +12553,22 @@
             <a:noFill/>
           </a:ln>
         </p:spPr>
+        <p:style>
+          <a:lnRef idx="0"/>
+          <a:fillRef idx="0"/>
+          <a:effectRef idx="0"/>
+          <a:fontRef idx="minor"/>
+        </p:style>
         <p:txBody>
           <a:bodyPr lIns="90000" rIns="90000" tIns="45000" bIns="45000" anchor="t">
             <a:noAutofit/>
           </a:bodyPr>
           <a:p>
+            <a:pPr>
+              <a:lnSpc>
+                <a:spcPct val="100000"/>
+              </a:lnSpc>
+            </a:pPr>
             <a:endParaRPr b="0" lang="en-US" sz="1000" spc="-1" strike="noStrike">
               <a:solidFill>
                 <a:srgbClr val="000000"/>
@@ -12333,14 +12580,14 @@
       </p:sp>
       <p:sp>
         <p:nvSpPr>
-          <p:cNvPr id="59" name=""/>
-          <p:cNvSpPr txBox="1"/>
+          <p:cNvPr id="54" name=""/>
+          <p:cNvSpPr/>
           <p:nvPr/>
         </p:nvSpPr>
         <p:spPr>
           <a:xfrm>
             <a:off x="6357240" y="3831120"/>
-            <a:ext cx="180720" cy="232560"/>
+            <a:ext cx="180360" cy="232200"/>
           </a:xfrm>
           <a:prstGeom prst="rect">
             <a:avLst/>
@@ -12350,11 +12597,22 @@
             <a:noFill/>
           </a:ln>
         </p:spPr>
+        <p:style>
+          <a:lnRef idx="0"/>
+          <a:fillRef idx="0"/>
+          <a:effectRef idx="0"/>
+          <a:fontRef idx="minor"/>
+        </p:style>
         <p:txBody>
           <a:bodyPr lIns="90000" rIns="90000" tIns="45000" bIns="45000" anchor="t">
             <a:noAutofit/>
           </a:bodyPr>
           <a:p>
+            <a:pPr>
+              <a:lnSpc>
+                <a:spcPct val="100000"/>
+              </a:lnSpc>
+            </a:pPr>
             <a:endParaRPr b="0" lang="en-US" sz="1000" spc="-1" strike="noStrike">
               <a:solidFill>
                 <a:srgbClr val="000000"/>
@@ -12366,7 +12624,7 @@
       </p:sp>
       <p:pic>
         <p:nvPicPr>
-          <p:cNvPr id="60" name="" descr=""/>
+          <p:cNvPr id="55" name="" descr=""/>
           <p:cNvPicPr/>
           <p:nvPr/>
         </p:nvPicPr>
@@ -12377,7 +12635,7 @@
         <p:spPr>
           <a:xfrm>
             <a:off x="4615920" y="880200"/>
-            <a:ext cx="4070880" cy="2707200"/>
+            <a:ext cx="4070520" cy="2706840"/>
           </a:xfrm>
           <a:prstGeom prst="rect">
             <a:avLst/>
@@ -12389,14 +12647,14 @@
       </p:pic>
       <p:sp>
         <p:nvSpPr>
-          <p:cNvPr id="61" name=""/>
-          <p:cNvSpPr txBox="1"/>
+          <p:cNvPr id="56" name=""/>
+          <p:cNvSpPr/>
           <p:nvPr/>
         </p:nvSpPr>
         <p:spPr>
           <a:xfrm>
             <a:off x="228600" y="6539040"/>
-            <a:ext cx="8686800" cy="319320"/>
+            <a:ext cx="8686440" cy="318960"/>
           </a:xfrm>
           <a:prstGeom prst="rect">
             <a:avLst/>
@@ -12406,11 +12664,22 @@
             <a:noFill/>
           </a:ln>
         </p:spPr>
+        <p:style>
+          <a:lnRef idx="0"/>
+          <a:fillRef idx="0"/>
+          <a:effectRef idx="0"/>
+          <a:fontRef idx="minor"/>
+        </p:style>
         <p:txBody>
           <a:bodyPr lIns="90000" rIns="90000" tIns="45000" bIns="45000" anchor="t">
             <a:noAutofit/>
           </a:bodyPr>
           <a:p>
+            <a:pPr>
+              <a:lnSpc>
+                <a:spcPct val="100000"/>
+              </a:lnSpc>
+            </a:pPr>
             <a:r>
               <a:rPr b="1" lang="en-US" sz="1800" spc="-1" strike="noStrike">
                 <a:solidFill>
@@ -12485,7 +12754,7 @@
       </p:sp>
       <p:pic>
         <p:nvPicPr>
-          <p:cNvPr id="62" name="" descr=""/>
+          <p:cNvPr id="57" name="" descr=""/>
           <p:cNvPicPr/>
           <p:nvPr/>
         </p:nvPicPr>
@@ -12496,7 +12765,7 @@
         <p:spPr>
           <a:xfrm>
             <a:off x="5029200" y="3657600"/>
-            <a:ext cx="3771720" cy="2514240"/>
+            <a:ext cx="3771360" cy="2513880"/>
           </a:xfrm>
           <a:prstGeom prst="rect">
             <a:avLst/>
@@ -12538,7 +12807,7 @@
       </p:grpSpPr>
       <p:sp>
         <p:nvSpPr>
-          <p:cNvPr id="63" name="PlaceHolder 1"/>
+          <p:cNvPr id="58" name="PlaceHolder 1"/>
           <p:cNvSpPr>
             <a:spLocks noGrp="1"/>
           </p:cNvSpPr>
@@ -12549,7 +12818,7 @@
         <p:spPr>
           <a:xfrm>
             <a:off x="235080" y="807120"/>
-            <a:ext cx="8676000" cy="1021680"/>
+            <a:ext cx="8675640" cy="1021320"/>
           </a:xfrm>
           <a:prstGeom prst="rect">
             <a:avLst/>
@@ -12569,6 +12838,9 @@
                 <a:spcPct val="90000"/>
               </a:lnSpc>
               <a:buNone/>
+              <a:tabLst>
+                <a:tab algn="l" pos="0"/>
+              </a:tabLst>
             </a:pPr>
             <a:r>
               <a:rPr b="1" lang="en-US" sz="3000" spc="-1" strike="noStrike">
@@ -12591,7 +12863,7 @@
               </a:rPr>
               <a:t>Media for Mental Health Indicators</a:t>
             </a:r>
-            <a:endParaRPr b="1" lang="en-US" sz="3000" spc="-1" strike="noStrike">
+            <a:endParaRPr b="0" lang="en-US" sz="3000" spc="-1" strike="noStrike">
               <a:solidFill>
                 <a:srgbClr val="000000"/>
               </a:solidFill>
@@ -12602,7 +12874,7 @@
       </p:sp>
       <p:sp>
         <p:nvSpPr>
-          <p:cNvPr id="64" name="PlaceHolder 2"/>
+          <p:cNvPr id="59" name="PlaceHolder 2"/>
           <p:cNvSpPr>
             <a:spLocks noGrp="1"/>
           </p:cNvSpPr>
@@ -12613,7 +12885,7 @@
         <p:spPr>
           <a:xfrm>
             <a:off x="628560" y="1825560"/>
-            <a:ext cx="3885840" cy="4350960"/>
+            <a:ext cx="3885480" cy="4350600"/>
           </a:xfrm>
           <a:prstGeom prst="rect">
             <a:avLst/>
@@ -12795,14 +13067,14 @@
       </p:sp>
       <p:sp>
         <p:nvSpPr>
-          <p:cNvPr id="65" name=""/>
-          <p:cNvSpPr txBox="1"/>
+          <p:cNvPr id="60" name=""/>
+          <p:cNvSpPr/>
           <p:nvPr/>
         </p:nvSpPr>
         <p:spPr>
           <a:xfrm>
             <a:off x="6696000" y="2027160"/>
-            <a:ext cx="180720" cy="232560"/>
+            <a:ext cx="180360" cy="232200"/>
           </a:xfrm>
           <a:prstGeom prst="rect">
             <a:avLst/>
@@ -12812,11 +13084,22 @@
             <a:noFill/>
           </a:ln>
         </p:spPr>
+        <p:style>
+          <a:lnRef idx="0"/>
+          <a:fillRef idx="0"/>
+          <a:effectRef idx="0"/>
+          <a:fontRef idx="minor"/>
+        </p:style>
         <p:txBody>
           <a:bodyPr lIns="90000" rIns="90000" tIns="45000" bIns="45000" anchor="t">
             <a:noAutofit/>
           </a:bodyPr>
           <a:p>
+            <a:pPr>
+              <a:lnSpc>
+                <a:spcPct val="100000"/>
+              </a:lnSpc>
+            </a:pPr>
             <a:endParaRPr b="0" lang="en-US" sz="1000" spc="-1" strike="noStrike">
               <a:solidFill>
                 <a:srgbClr val="000000"/>
@@ -12828,14 +13111,14 @@
       </p:sp>
       <p:sp>
         <p:nvSpPr>
-          <p:cNvPr id="66" name=""/>
-          <p:cNvSpPr txBox="1"/>
+          <p:cNvPr id="61" name=""/>
+          <p:cNvSpPr/>
           <p:nvPr/>
         </p:nvSpPr>
         <p:spPr>
           <a:xfrm>
             <a:off x="6357240" y="3831120"/>
-            <a:ext cx="180720" cy="232560"/>
+            <a:ext cx="180360" cy="232200"/>
           </a:xfrm>
           <a:prstGeom prst="rect">
             <a:avLst/>
@@ -12845,11 +13128,22 @@
             <a:noFill/>
           </a:ln>
         </p:spPr>
+        <p:style>
+          <a:lnRef idx="0"/>
+          <a:fillRef idx="0"/>
+          <a:effectRef idx="0"/>
+          <a:fontRef idx="minor"/>
+        </p:style>
         <p:txBody>
           <a:bodyPr lIns="90000" rIns="90000" tIns="45000" bIns="45000" anchor="t">
             <a:noAutofit/>
           </a:bodyPr>
           <a:p>
+            <a:pPr>
+              <a:lnSpc>
+                <a:spcPct val="100000"/>
+              </a:lnSpc>
+            </a:pPr>
             <a:endParaRPr b="0" lang="en-US" sz="1000" spc="-1" strike="noStrike">
               <a:solidFill>
                 <a:srgbClr val="000000"/>
@@ -12861,7 +13155,7 @@
       </p:sp>
       <p:pic>
         <p:nvPicPr>
-          <p:cNvPr id="67" name="" descr=""/>
+          <p:cNvPr id="62" name="" descr=""/>
           <p:cNvPicPr/>
           <p:nvPr/>
         </p:nvPicPr>
@@ -12872,7 +13166,7 @@
         <p:spPr>
           <a:xfrm>
             <a:off x="2857680" y="1828800"/>
-            <a:ext cx="5829120" cy="3971520"/>
+            <a:ext cx="5828760" cy="3971160"/>
           </a:xfrm>
           <a:prstGeom prst="rect">
             <a:avLst/>
@@ -12884,14 +13178,14 @@
       </p:pic>
       <p:sp>
         <p:nvSpPr>
-          <p:cNvPr id="68" name=""/>
-          <p:cNvSpPr txBox="1"/>
+          <p:cNvPr id="63" name=""/>
+          <p:cNvSpPr/>
           <p:nvPr/>
         </p:nvSpPr>
         <p:spPr>
           <a:xfrm>
             <a:off x="228600" y="6539040"/>
-            <a:ext cx="8686800" cy="319320"/>
+            <a:ext cx="8686440" cy="318960"/>
           </a:xfrm>
           <a:prstGeom prst="rect">
             <a:avLst/>
@@ -12901,11 +13195,22 @@
             <a:noFill/>
           </a:ln>
         </p:spPr>
+        <p:style>
+          <a:lnRef idx="0"/>
+          <a:fillRef idx="0"/>
+          <a:effectRef idx="0"/>
+          <a:fontRef idx="minor"/>
+        </p:style>
         <p:txBody>
           <a:bodyPr lIns="90000" rIns="90000" tIns="45000" bIns="45000" anchor="t">
             <a:noAutofit/>
           </a:bodyPr>
           <a:p>
+            <a:pPr>
+              <a:lnSpc>
+                <a:spcPct val="100000"/>
+              </a:lnSpc>
+            </a:pPr>
             <a:r>
               <a:rPr b="1" lang="en-US" sz="1800" spc="-1" strike="noStrike">
                 <a:solidFill>
@@ -13010,7 +13315,7 @@
       </p:grpSpPr>
       <p:sp>
         <p:nvSpPr>
-          <p:cNvPr id="69" name="PlaceHolder 1"/>
+          <p:cNvPr id="64" name="PlaceHolder 1"/>
           <p:cNvSpPr>
             <a:spLocks noGrp="1"/>
           </p:cNvSpPr>
@@ -13021,7 +13326,7 @@
         <p:spPr>
           <a:xfrm>
             <a:off x="235080" y="807120"/>
-            <a:ext cx="8676000" cy="1325160"/>
+            <a:ext cx="8675640" cy="1324800"/>
           </a:xfrm>
           <a:prstGeom prst="rect">
             <a:avLst/>
@@ -13041,6 +13346,9 @@
                 <a:spcPct val="90000"/>
               </a:lnSpc>
               <a:buNone/>
+              <a:tabLst>
+                <a:tab algn="l" pos="0"/>
+              </a:tabLst>
             </a:pPr>
             <a:r>
               <a:rPr b="0" lang="en-US" sz="4400" spc="-1" strike="noStrike">
@@ -13062,7 +13370,7 @@
       </p:sp>
       <p:sp>
         <p:nvSpPr>
-          <p:cNvPr id="70" name="PlaceHolder 2"/>
+          <p:cNvPr id="65" name="PlaceHolder 2"/>
           <p:cNvSpPr>
             <a:spLocks noGrp="1"/>
           </p:cNvSpPr>
@@ -13073,7 +13381,7 @@
         <p:spPr>
           <a:xfrm>
             <a:off x="457200" y="1825560"/>
-            <a:ext cx="8001000" cy="4350960"/>
+            <a:ext cx="8000640" cy="4350600"/>
           </a:xfrm>
           <a:prstGeom prst="rect">
             <a:avLst/>
@@ -13103,10 +13411,11 @@
               <a:buChar char=""/>
             </a:pPr>
             <a:r>
-              <a:rPr b="0" lang="en-US" sz="2800" spc="-1" strike="noStrike">
-                <a:solidFill>
-                  <a:srgbClr val="000000"/>
-                </a:solidFill>
+              <a:rPr b="0" lang="en-US" sz="2800" spc="-1" strike="noStrike" u="sng">
+                <a:solidFill>
+                  <a:srgbClr val="0000ee"/>
+                </a:solidFill>
+                <a:uFillTx/>
                 <a:latin typeface="Arial"/>
                 <a:hlinkClick r:id="rId1"/>
               </a:rPr>
@@ -13166,10 +13475,11 @@
               <a:buChar char=""/>
             </a:pPr>
             <a:r>
-              <a:rPr b="0" lang="en-US" sz="2800" spc="-1" strike="noStrike">
-                <a:solidFill>
-                  <a:srgbClr val="000000"/>
-                </a:solidFill>
+              <a:rPr b="0" lang="en-US" sz="2800" spc="-1" strike="noStrike" u="sng">
+                <a:solidFill>
+                  <a:srgbClr val="0000ee"/>
+                </a:solidFill>
+                <a:uFillTx/>
                 <a:latin typeface="Arial"/>
                 <a:hlinkClick r:id="rId2"/>
               </a:rPr>
@@ -13229,10 +13539,11 @@
               <a:buChar char=""/>
             </a:pPr>
             <a:r>
-              <a:rPr b="0" lang="en-US" sz="2800" spc="-1" strike="noStrike">
-                <a:solidFill>
-                  <a:srgbClr val="000000"/>
-                </a:solidFill>
+              <a:rPr b="0" lang="en-US" sz="2800" spc="-1" strike="noStrike" u="sng">
+                <a:solidFill>
+                  <a:srgbClr val="0000ee"/>
+                </a:solidFill>
+                <a:uFillTx/>
                 <a:latin typeface="Arial"/>
                 <a:hlinkClick r:id="rId3"/>
               </a:rPr>
@@ -13280,14 +13591,14 @@
       </p:sp>
       <p:sp>
         <p:nvSpPr>
-          <p:cNvPr id="71" name=""/>
-          <p:cNvSpPr txBox="1"/>
+          <p:cNvPr id="66" name=""/>
+          <p:cNvSpPr/>
           <p:nvPr/>
         </p:nvSpPr>
         <p:spPr>
           <a:xfrm>
             <a:off x="6696000" y="2027160"/>
-            <a:ext cx="180720" cy="232560"/>
+            <a:ext cx="180360" cy="232200"/>
           </a:xfrm>
           <a:prstGeom prst="rect">
             <a:avLst/>
@@ -13297,11 +13608,22 @@
             <a:noFill/>
           </a:ln>
         </p:spPr>
+        <p:style>
+          <a:lnRef idx="0"/>
+          <a:fillRef idx="0"/>
+          <a:effectRef idx="0"/>
+          <a:fontRef idx="minor"/>
+        </p:style>
         <p:txBody>
           <a:bodyPr lIns="90000" rIns="90000" tIns="45000" bIns="45000" anchor="t">
             <a:noAutofit/>
           </a:bodyPr>
           <a:p>
+            <a:pPr>
+              <a:lnSpc>
+                <a:spcPct val="100000"/>
+              </a:lnSpc>
+            </a:pPr>
             <a:endParaRPr b="0" lang="en-US" sz="1000" spc="-1" strike="noStrike">
               <a:solidFill>
                 <a:srgbClr val="000000"/>
@@ -13313,14 +13635,14 @@
       </p:sp>
       <p:sp>
         <p:nvSpPr>
-          <p:cNvPr id="72" name=""/>
-          <p:cNvSpPr txBox="1"/>
+          <p:cNvPr id="67" name=""/>
+          <p:cNvSpPr/>
           <p:nvPr/>
         </p:nvSpPr>
         <p:spPr>
           <a:xfrm>
             <a:off x="6357240" y="3831120"/>
-            <a:ext cx="180720" cy="232560"/>
+            <a:ext cx="180360" cy="232200"/>
           </a:xfrm>
           <a:prstGeom prst="rect">
             <a:avLst/>
@@ -13330,11 +13652,22 @@
             <a:noFill/>
           </a:ln>
         </p:spPr>
+        <p:style>
+          <a:lnRef idx="0"/>
+          <a:fillRef idx="0"/>
+          <a:effectRef idx="0"/>
+          <a:fontRef idx="minor"/>
+        </p:style>
         <p:txBody>
           <a:bodyPr lIns="90000" rIns="90000" tIns="45000" bIns="45000" anchor="t">
             <a:noAutofit/>
           </a:bodyPr>
           <a:p>
+            <a:pPr>
+              <a:lnSpc>
+                <a:spcPct val="100000"/>
+              </a:lnSpc>
+            </a:pPr>
             <a:endParaRPr b="0" lang="en-US" sz="1000" spc="-1" strike="noStrike">
               <a:solidFill>
                 <a:srgbClr val="000000"/>
@@ -13346,14 +13679,14 @@
       </p:sp>
       <p:sp>
         <p:nvSpPr>
-          <p:cNvPr id="73" name=""/>
-          <p:cNvSpPr txBox="1"/>
+          <p:cNvPr id="68" name=""/>
+          <p:cNvSpPr/>
           <p:nvPr/>
         </p:nvSpPr>
         <p:spPr>
           <a:xfrm>
             <a:off x="228600" y="6539040"/>
-            <a:ext cx="8686800" cy="319320"/>
+            <a:ext cx="8686440" cy="318960"/>
           </a:xfrm>
           <a:prstGeom prst="rect">
             <a:avLst/>
@@ -13363,11 +13696,22 @@
             <a:noFill/>
           </a:ln>
         </p:spPr>
+        <p:style>
+          <a:lnRef idx="0"/>
+          <a:fillRef idx="0"/>
+          <a:effectRef idx="0"/>
+          <a:fontRef idx="minor"/>
+        </p:style>
         <p:txBody>
           <a:bodyPr lIns="90000" rIns="90000" tIns="45000" bIns="45000" anchor="t">
             <a:noAutofit/>
           </a:bodyPr>
           <a:p>
+            <a:pPr>
+              <a:lnSpc>
+                <a:spcPct val="100000"/>
+              </a:lnSpc>
+            </a:pPr>
             <a:r>
               <a:rPr b="1" lang="en-US" sz="1800" spc="-1" strike="noStrike">
                 <a:solidFill>
@@ -13472,7 +13816,7 @@
       </p:grpSpPr>
       <p:sp>
         <p:nvSpPr>
-          <p:cNvPr id="74" name="PlaceHolder 1"/>
+          <p:cNvPr id="69" name="PlaceHolder 1"/>
           <p:cNvSpPr>
             <a:spLocks noGrp="1"/>
           </p:cNvSpPr>
@@ -13483,7 +13827,7 @@
         <p:spPr>
           <a:xfrm>
             <a:off x="235080" y="807120"/>
-            <a:ext cx="8676000" cy="1021680"/>
+            <a:ext cx="8675640" cy="1021320"/>
           </a:xfrm>
           <a:prstGeom prst="rect">
             <a:avLst/>
@@ -13503,6 +13847,9 @@
                 <a:spcPct val="90000"/>
               </a:lnSpc>
               <a:buNone/>
+              <a:tabLst>
+                <a:tab algn="l" pos="0"/>
+              </a:tabLst>
             </a:pPr>
             <a:r>
               <a:rPr b="1" lang="en-US" sz="3000" spc="-1" strike="noStrike">
@@ -13511,70 +13858,7 @@
                 </a:solidFill>
                 <a:latin typeface="Arial"/>
               </a:rPr>
-              <a:t>AI-</a:t>
-            </a:r>
-            <a:r>
-              <a:rPr b="1" lang="en-US" sz="3000" spc="-1" strike="noStrike">
-                <a:solidFill>
-                  <a:srgbClr val="000000"/>
-                </a:solidFill>
-                <a:latin typeface="Arial"/>
-              </a:rPr>
-              <a:t>Drive</a:t>
-            </a:r>
-            <a:r>
-              <a:rPr b="1" lang="en-US" sz="3000" spc="-1" strike="noStrike">
-                <a:solidFill>
-                  <a:srgbClr val="000000"/>
-                </a:solidFill>
-                <a:latin typeface="Arial"/>
-              </a:rPr>
-              <a:t>n </a:t>
-            </a:r>
-            <a:r>
-              <a:rPr b="1" lang="en-US" sz="3000" spc="-1" strike="noStrike">
-                <a:solidFill>
-                  <a:srgbClr val="000000"/>
-                </a:solidFill>
-                <a:latin typeface="Arial"/>
-              </a:rPr>
-              <a:t>Senti</a:t>
-            </a:r>
-            <a:r>
-              <a:rPr b="1" lang="en-US" sz="3000" spc="-1" strike="noStrike">
-                <a:solidFill>
-                  <a:srgbClr val="000000"/>
-                </a:solidFill>
-                <a:latin typeface="Arial"/>
-              </a:rPr>
-              <a:t>ment </a:t>
-            </a:r>
-            <a:r>
-              <a:rPr b="1" lang="en-US" sz="3000" spc="-1" strike="noStrike">
-                <a:solidFill>
-                  <a:srgbClr val="000000"/>
-                </a:solidFill>
-                <a:latin typeface="Arial"/>
-              </a:rPr>
-              <a:t>Analy</a:t>
-            </a:r>
-            <a:r>
-              <a:rPr b="1" lang="en-US" sz="3000" spc="-1" strike="noStrike">
-                <a:solidFill>
-                  <a:srgbClr val="000000"/>
-                </a:solidFill>
-                <a:latin typeface="Arial"/>
-              </a:rPr>
-              <a:t>sis of </a:t>
-            </a:r>
-            <a:r>
-              <a:rPr b="1" lang="en-US" sz="3000" spc="-1" strike="noStrike">
-                <a:solidFill>
-                  <a:srgbClr val="000000"/>
-                </a:solidFill>
-                <a:latin typeface="Arial"/>
-              </a:rPr>
-              <a:t>Social </a:t>
+              <a:t>AI-Driven Sentiment Analysis of Social </a:t>
             </a:r>
             <a:br>
               <a:rPr sz="3000"/>
@@ -13586,63 +13870,9 @@
                 </a:solidFill>
                 <a:latin typeface="Arial"/>
               </a:rPr>
-              <a:t>Media </a:t>
-            </a:r>
-            <a:r>
-              <a:rPr b="1" lang="en-US" sz="3000" spc="-1" strike="noStrike">
-                <a:solidFill>
-                  <a:srgbClr val="000000"/>
-                </a:solidFill>
-                <a:latin typeface="Arial"/>
-              </a:rPr>
-              <a:t>for </a:t>
-            </a:r>
-            <a:r>
-              <a:rPr b="1" lang="en-US" sz="3000" spc="-1" strike="noStrike">
-                <a:solidFill>
-                  <a:srgbClr val="000000"/>
-                </a:solidFill>
-                <a:latin typeface="Arial"/>
-              </a:rPr>
-              <a:t>Menta</a:t>
-            </a:r>
-            <a:r>
-              <a:rPr b="1" lang="en-US" sz="3000" spc="-1" strike="noStrike">
-                <a:solidFill>
-                  <a:srgbClr val="000000"/>
-                </a:solidFill>
-                <a:latin typeface="Arial"/>
-              </a:rPr>
-              <a:t>l </a:t>
-            </a:r>
-            <a:r>
-              <a:rPr b="1" lang="en-US" sz="3000" spc="-1" strike="noStrike">
-                <a:solidFill>
-                  <a:srgbClr val="000000"/>
-                </a:solidFill>
-                <a:latin typeface="Arial"/>
-              </a:rPr>
-              <a:t>Health </a:t>
-            </a:r>
-            <a:r>
-              <a:rPr b="1" lang="en-US" sz="3000" spc="-1" strike="noStrike">
-                <a:solidFill>
-                  <a:srgbClr val="000000"/>
-                </a:solidFill>
-                <a:latin typeface="Arial"/>
-              </a:rPr>
-              <a:t>Indica</a:t>
-            </a:r>
-            <a:r>
-              <a:rPr b="1" lang="en-US" sz="3000" spc="-1" strike="noStrike">
-                <a:solidFill>
-                  <a:srgbClr val="000000"/>
-                </a:solidFill>
-                <a:latin typeface="Arial"/>
-              </a:rPr>
-              <a:t>tors</a:t>
-            </a:r>
-            <a:endParaRPr b="1" lang="en-US" sz="3000" spc="-1" strike="noStrike">
+              <a:t>Media for Mental Health Indicators</a:t>
+            </a:r>
+            <a:endParaRPr b="0" lang="en-US" sz="3000" spc="-1" strike="noStrike">
               <a:solidFill>
                 <a:srgbClr val="000000"/>
               </a:solidFill>
@@ -13653,7 +13883,7 @@
       </p:sp>
       <p:sp>
         <p:nvSpPr>
-          <p:cNvPr id="75" name="PlaceHolder 2"/>
+          <p:cNvPr id="70" name="PlaceHolder 2"/>
           <p:cNvSpPr>
             <a:spLocks noGrp="1"/>
           </p:cNvSpPr>
@@ -13664,7 +13894,7 @@
         <p:spPr>
           <a:xfrm>
             <a:off x="628560" y="1825560"/>
-            <a:ext cx="3885840" cy="4350960"/>
+            <a:ext cx="3885480" cy="4350600"/>
           </a:xfrm>
           <a:prstGeom prst="rect">
             <a:avLst/>
@@ -13731,16 +13961,7 @@
                 </a:solidFill>
                 <a:latin typeface="Arial"/>
               </a:rPr>
-              <a:t>Data</a:t>
-            </a:r>
-            <a:r>
-              <a:rPr b="0" lang="en-US" sz="2800" spc="-1" strike="noStrike">
-                <a:solidFill>
-                  <a:srgbClr val="000000"/>
-                </a:solidFill>
-                <a:latin typeface="Arial"/>
-              </a:rPr>
-              <a:t> </a:t>
+              <a:t>Data </a:t>
             </a:r>
             <a:endParaRPr b="0" lang="en-US" sz="2800" spc="-1" strike="noStrike">
               <a:solidFill>
@@ -13846,14 +14067,14 @@
       </p:sp>
       <p:sp>
         <p:nvSpPr>
-          <p:cNvPr id="76" name=""/>
-          <p:cNvSpPr txBox="1"/>
+          <p:cNvPr id="71" name=""/>
+          <p:cNvSpPr/>
           <p:nvPr/>
         </p:nvSpPr>
         <p:spPr>
           <a:xfrm>
             <a:off x="6696000" y="2027160"/>
-            <a:ext cx="180720" cy="232560"/>
+            <a:ext cx="180360" cy="232200"/>
           </a:xfrm>
           <a:prstGeom prst="rect">
             <a:avLst/>
@@ -13863,11 +14084,22 @@
             <a:noFill/>
           </a:ln>
         </p:spPr>
+        <p:style>
+          <a:lnRef idx="0"/>
+          <a:fillRef idx="0"/>
+          <a:effectRef idx="0"/>
+          <a:fontRef idx="minor"/>
+        </p:style>
         <p:txBody>
           <a:bodyPr lIns="90000" rIns="90000" tIns="45000" bIns="45000" anchor="t">
             <a:noAutofit/>
           </a:bodyPr>
           <a:p>
+            <a:pPr>
+              <a:lnSpc>
+                <a:spcPct val="100000"/>
+              </a:lnSpc>
+            </a:pPr>
             <a:endParaRPr b="0" lang="en-US" sz="1000" spc="-1" strike="noStrike">
               <a:solidFill>
                 <a:srgbClr val="000000"/>
@@ -13879,14 +14111,14 @@
       </p:sp>
       <p:sp>
         <p:nvSpPr>
-          <p:cNvPr id="77" name=""/>
-          <p:cNvSpPr txBox="1"/>
+          <p:cNvPr id="72" name=""/>
+          <p:cNvSpPr/>
           <p:nvPr/>
         </p:nvSpPr>
         <p:spPr>
           <a:xfrm>
             <a:off x="6357240" y="3831120"/>
-            <a:ext cx="180720" cy="232560"/>
+            <a:ext cx="180360" cy="232200"/>
           </a:xfrm>
           <a:prstGeom prst="rect">
             <a:avLst/>
@@ -13896,11 +14128,22 @@
             <a:noFill/>
           </a:ln>
         </p:spPr>
+        <p:style>
+          <a:lnRef idx="0"/>
+          <a:fillRef idx="0"/>
+          <a:effectRef idx="0"/>
+          <a:fontRef idx="minor"/>
+        </p:style>
         <p:txBody>
           <a:bodyPr lIns="90000" rIns="90000" tIns="45000" bIns="45000" anchor="t">
             <a:noAutofit/>
           </a:bodyPr>
           <a:p>
+            <a:pPr>
+              <a:lnSpc>
+                <a:spcPct val="100000"/>
+              </a:lnSpc>
+            </a:pPr>
             <a:endParaRPr b="0" lang="en-US" sz="1000" spc="-1" strike="noStrike">
               <a:solidFill>
                 <a:srgbClr val="000000"/>
@@ -13912,7 +14155,7 @@
       </p:sp>
       <p:pic>
         <p:nvPicPr>
-          <p:cNvPr id="78" name="" descr=""/>
+          <p:cNvPr id="73" name="" descr=""/>
           <p:cNvPicPr/>
           <p:nvPr/>
         </p:nvPicPr>
@@ -13923,7 +14166,7 @@
         <p:spPr>
           <a:xfrm>
             <a:off x="2857680" y="1828800"/>
-            <a:ext cx="5829120" cy="3971520"/>
+            <a:ext cx="5828760" cy="3971160"/>
           </a:xfrm>
           <a:prstGeom prst="rect">
             <a:avLst/>
@@ -13935,14 +14178,14 @@
       </p:pic>
       <p:sp>
         <p:nvSpPr>
-          <p:cNvPr id="79" name=""/>
-          <p:cNvSpPr txBox="1"/>
+          <p:cNvPr id="74" name=""/>
+          <p:cNvSpPr/>
           <p:nvPr/>
         </p:nvSpPr>
         <p:spPr>
           <a:xfrm>
             <a:off x="228600" y="6539040"/>
-            <a:ext cx="8686800" cy="319320"/>
+            <a:ext cx="8686440" cy="318960"/>
           </a:xfrm>
           <a:prstGeom prst="rect">
             <a:avLst/>
@@ -13952,11 +14195,22 @@
             <a:noFill/>
           </a:ln>
         </p:spPr>
+        <p:style>
+          <a:lnRef idx="0"/>
+          <a:fillRef idx="0"/>
+          <a:effectRef idx="0"/>
+          <a:fontRef idx="minor"/>
+        </p:style>
         <p:txBody>
           <a:bodyPr lIns="90000" rIns="90000" tIns="45000" bIns="45000" anchor="t">
             <a:noAutofit/>
           </a:bodyPr>
           <a:p>
+            <a:pPr>
+              <a:lnSpc>
+                <a:spcPct val="100000"/>
+              </a:lnSpc>
+            </a:pPr>
             <a:r>
               <a:rPr b="1" lang="en-US" sz="1800" spc="-1" strike="noStrike">
                 <a:solidFill>
@@ -14061,7 +14315,7 @@
       </p:grpSpPr>
       <p:sp>
         <p:nvSpPr>
-          <p:cNvPr id="80" name="PlaceHolder 1"/>
+          <p:cNvPr id="75" name="PlaceHolder 1"/>
           <p:cNvSpPr>
             <a:spLocks noGrp="1"/>
           </p:cNvSpPr>
@@ -14072,7 +14326,7 @@
         <p:spPr>
           <a:xfrm>
             <a:off x="235080" y="807120"/>
-            <a:ext cx="8676000" cy="1325160"/>
+            <a:ext cx="8675640" cy="1324800"/>
           </a:xfrm>
           <a:prstGeom prst="rect">
             <a:avLst/>
@@ -14092,6 +14346,9 @@
                 <a:spcPct val="90000"/>
               </a:lnSpc>
               <a:buNone/>
+              <a:tabLst>
+                <a:tab algn="l" pos="0"/>
+              </a:tabLst>
             </a:pPr>
             <a:r>
               <a:rPr b="0" lang="en-US" sz="4400" spc="-1" strike="noStrike">
@@ -14113,7 +14370,7 @@
       </p:sp>
       <p:sp>
         <p:nvSpPr>
-          <p:cNvPr id="81" name="PlaceHolder 2"/>
+          <p:cNvPr id="76" name="PlaceHolder 2"/>
           <p:cNvSpPr>
             <a:spLocks noGrp="1"/>
           </p:cNvSpPr>
@@ -14124,7 +14381,7 @@
         <p:spPr>
           <a:xfrm>
             <a:off x="228600" y="1821240"/>
-            <a:ext cx="6629400" cy="4350960"/>
+            <a:ext cx="6629040" cy="4350600"/>
           </a:xfrm>
           <a:prstGeom prst="rect">
             <a:avLst/>
@@ -14421,14 +14678,14 @@
       </p:sp>
       <p:sp>
         <p:nvSpPr>
-          <p:cNvPr id="82" name=""/>
-          <p:cNvSpPr txBox="1"/>
+          <p:cNvPr id="77" name=""/>
+          <p:cNvSpPr/>
           <p:nvPr/>
         </p:nvSpPr>
         <p:spPr>
           <a:xfrm>
             <a:off x="6696000" y="2027160"/>
-            <a:ext cx="180720" cy="232560"/>
+            <a:ext cx="180360" cy="232200"/>
           </a:xfrm>
           <a:prstGeom prst="rect">
             <a:avLst/>
@@ -14438,11 +14695,22 @@
             <a:noFill/>
           </a:ln>
         </p:spPr>
+        <p:style>
+          <a:lnRef idx="0"/>
+          <a:fillRef idx="0"/>
+          <a:effectRef idx="0"/>
+          <a:fontRef idx="minor"/>
+        </p:style>
         <p:txBody>
           <a:bodyPr lIns="90000" rIns="90000" tIns="45000" bIns="45000" anchor="t">
             <a:noAutofit/>
           </a:bodyPr>
           <a:p>
+            <a:pPr>
+              <a:lnSpc>
+                <a:spcPct val="100000"/>
+              </a:lnSpc>
+            </a:pPr>
             <a:endParaRPr b="0" lang="en-US" sz="1000" spc="-1" strike="noStrike">
               <a:solidFill>
                 <a:srgbClr val="000000"/>
@@ -14454,14 +14722,14 @@
       </p:sp>
       <p:sp>
         <p:nvSpPr>
-          <p:cNvPr id="83" name=""/>
-          <p:cNvSpPr txBox="1"/>
+          <p:cNvPr id="78" name=""/>
+          <p:cNvSpPr/>
           <p:nvPr/>
         </p:nvSpPr>
         <p:spPr>
           <a:xfrm>
             <a:off x="6357240" y="3831120"/>
-            <a:ext cx="180720" cy="232560"/>
+            <a:ext cx="180360" cy="232200"/>
           </a:xfrm>
           <a:prstGeom prst="rect">
             <a:avLst/>
@@ -14471,11 +14739,22 @@
             <a:noFill/>
           </a:ln>
         </p:spPr>
+        <p:style>
+          <a:lnRef idx="0"/>
+          <a:fillRef idx="0"/>
+          <a:effectRef idx="0"/>
+          <a:fontRef idx="minor"/>
+        </p:style>
         <p:txBody>
           <a:bodyPr lIns="90000" rIns="90000" tIns="45000" bIns="45000" anchor="t">
             <a:noAutofit/>
           </a:bodyPr>
           <a:p>
+            <a:pPr>
+              <a:lnSpc>
+                <a:spcPct val="100000"/>
+              </a:lnSpc>
+            </a:pPr>
             <a:endParaRPr b="0" lang="en-US" sz="1000" spc="-1" strike="noStrike">
               <a:solidFill>
                 <a:srgbClr val="000000"/>
@@ -14487,14 +14766,14 @@
       </p:sp>
       <p:sp>
         <p:nvSpPr>
-          <p:cNvPr id="84" name=""/>
-          <p:cNvSpPr txBox="1"/>
+          <p:cNvPr id="79" name=""/>
+          <p:cNvSpPr/>
           <p:nvPr/>
         </p:nvSpPr>
         <p:spPr>
           <a:xfrm>
             <a:off x="228600" y="6539040"/>
-            <a:ext cx="8686800" cy="319320"/>
+            <a:ext cx="8686440" cy="318960"/>
           </a:xfrm>
           <a:prstGeom prst="rect">
             <a:avLst/>
@@ -14504,11 +14783,22 @@
             <a:noFill/>
           </a:ln>
         </p:spPr>
+        <p:style>
+          <a:lnRef idx="0"/>
+          <a:fillRef idx="0"/>
+          <a:effectRef idx="0"/>
+          <a:fontRef idx="minor"/>
+        </p:style>
         <p:txBody>
           <a:bodyPr lIns="90000" rIns="90000" tIns="45000" bIns="45000" anchor="t">
             <a:noAutofit/>
           </a:bodyPr>
           <a:p>
+            <a:pPr>
+              <a:lnSpc>
+                <a:spcPct val="100000"/>
+              </a:lnSpc>
+            </a:pPr>
             <a:r>
               <a:rPr b="1" lang="en-US" sz="1800" spc="-1" strike="noStrike">
                 <a:solidFill>
@@ -14583,7 +14873,7 @@
       </p:sp>
       <p:pic>
         <p:nvPicPr>
-          <p:cNvPr id="85" name="" descr=""/>
+          <p:cNvPr id="80" name="" descr=""/>
           <p:cNvPicPr/>
           <p:nvPr/>
         </p:nvPicPr>
@@ -14594,7 +14884,7 @@
         <p:spPr>
           <a:xfrm>
             <a:off x="6172200" y="807120"/>
-            <a:ext cx="2743200" cy="2743200"/>
+            <a:ext cx="2742840" cy="2742840"/>
           </a:xfrm>
           <a:prstGeom prst="rect">
             <a:avLst/>
@@ -14636,7 +14926,7 @@
       </p:grpSpPr>
       <p:sp>
         <p:nvSpPr>
-          <p:cNvPr id="86" name="PlaceHolder 1"/>
+          <p:cNvPr id="81" name="PlaceHolder 1"/>
           <p:cNvSpPr>
             <a:spLocks noGrp="1"/>
           </p:cNvSpPr>
@@ -14647,7 +14937,7 @@
         <p:spPr>
           <a:xfrm>
             <a:off x="235080" y="807120"/>
-            <a:ext cx="8676000" cy="1325160"/>
+            <a:ext cx="8675640" cy="1324800"/>
           </a:xfrm>
           <a:prstGeom prst="rect">
             <a:avLst/>
@@ -14667,6 +14957,9 @@
                 <a:spcPct val="90000"/>
               </a:lnSpc>
               <a:buNone/>
+              <a:tabLst>
+                <a:tab algn="l" pos="0"/>
+              </a:tabLst>
             </a:pPr>
             <a:r>
               <a:rPr b="0" lang="en-US" sz="4400" spc="-1" strike="noStrike">
@@ -14675,43 +14968,7 @@
                 </a:solidFill>
                 <a:latin typeface="Arial"/>
               </a:rPr>
-              <a:t>Mod</a:t>
-            </a:r>
-            <a:r>
-              <a:rPr b="0" lang="en-US" sz="4400" spc="-1" strike="noStrike">
-                <a:solidFill>
-                  <a:srgbClr val="000000"/>
-                </a:solidFill>
-                <a:latin typeface="Arial"/>
-              </a:rPr>
-              <a:t>el </a:t>
-            </a:r>
-            <a:r>
-              <a:rPr b="0" lang="en-US" sz="4400" spc="-1" strike="noStrike">
-                <a:solidFill>
-                  <a:srgbClr val="000000"/>
-                </a:solidFill>
-                <a:latin typeface="Arial"/>
-              </a:rPr>
-              <a:t>Arch</a:t>
-            </a:r>
-            <a:r>
-              <a:rPr b="0" lang="en-US" sz="4400" spc="-1" strike="noStrike">
-                <a:solidFill>
-                  <a:srgbClr val="000000"/>
-                </a:solidFill>
-                <a:latin typeface="Arial"/>
-              </a:rPr>
-              <a:t>itect</a:t>
-            </a:r>
-            <a:r>
-              <a:rPr b="0" lang="en-US" sz="4400" spc="-1" strike="noStrike">
-                <a:solidFill>
-                  <a:srgbClr val="000000"/>
-                </a:solidFill>
-                <a:latin typeface="Arial"/>
-              </a:rPr>
-              <a:t>ures</a:t>
+              <a:t>Model Architectures</a:t>
             </a:r>
             <a:endParaRPr b="0" lang="en-US" sz="4400" spc="-1" strike="noStrike">
               <a:solidFill>
@@ -14724,7 +14981,7 @@
       </p:sp>
       <p:sp>
         <p:nvSpPr>
-          <p:cNvPr id="87" name="PlaceHolder 2"/>
+          <p:cNvPr id="82" name="PlaceHolder 2"/>
           <p:cNvSpPr>
             <a:spLocks noGrp="1"/>
           </p:cNvSpPr>
@@ -14735,7 +14992,7 @@
         <p:spPr>
           <a:xfrm>
             <a:off x="228600" y="1821240"/>
-            <a:ext cx="6629400" cy="4350960"/>
+            <a:ext cx="6629040" cy="4350600"/>
           </a:xfrm>
           <a:prstGeom prst="rect">
             <a:avLst/>
@@ -15032,14 +15289,14 @@
       </p:sp>
       <p:sp>
         <p:nvSpPr>
-          <p:cNvPr id="88" name=""/>
-          <p:cNvSpPr txBox="1"/>
+          <p:cNvPr id="83" name=""/>
+          <p:cNvSpPr/>
           <p:nvPr/>
         </p:nvSpPr>
         <p:spPr>
           <a:xfrm>
             <a:off x="6696000" y="2027160"/>
-            <a:ext cx="180720" cy="232560"/>
+            <a:ext cx="180360" cy="232200"/>
           </a:xfrm>
           <a:prstGeom prst="rect">
             <a:avLst/>
@@ -15049,11 +15306,22 @@
             <a:noFill/>
           </a:ln>
         </p:spPr>
+        <p:style>
+          <a:lnRef idx="0"/>
+          <a:fillRef idx="0"/>
+          <a:effectRef idx="0"/>
+          <a:fontRef idx="minor"/>
+        </p:style>
         <p:txBody>
           <a:bodyPr lIns="90000" rIns="90000" tIns="45000" bIns="45000" anchor="t">
             <a:noAutofit/>
           </a:bodyPr>
           <a:p>
+            <a:pPr>
+              <a:lnSpc>
+                <a:spcPct val="100000"/>
+              </a:lnSpc>
+            </a:pPr>
             <a:endParaRPr b="0" lang="en-US" sz="1000" spc="-1" strike="noStrike">
               <a:solidFill>
                 <a:srgbClr val="000000"/>
@@ -15065,14 +15333,14 @@
       </p:sp>
       <p:sp>
         <p:nvSpPr>
-          <p:cNvPr id="89" name=""/>
-          <p:cNvSpPr txBox="1"/>
+          <p:cNvPr id="84" name=""/>
+          <p:cNvSpPr/>
           <p:nvPr/>
         </p:nvSpPr>
         <p:spPr>
           <a:xfrm>
             <a:off x="6357240" y="3831120"/>
-            <a:ext cx="180720" cy="232560"/>
+            <a:ext cx="180360" cy="232200"/>
           </a:xfrm>
           <a:prstGeom prst="rect">
             <a:avLst/>
@@ -15082,11 +15350,22 @@
             <a:noFill/>
           </a:ln>
         </p:spPr>
+        <p:style>
+          <a:lnRef idx="0"/>
+          <a:fillRef idx="0"/>
+          <a:effectRef idx="0"/>
+          <a:fontRef idx="minor"/>
+        </p:style>
         <p:txBody>
           <a:bodyPr lIns="90000" rIns="90000" tIns="45000" bIns="45000" anchor="t">
             <a:noAutofit/>
           </a:bodyPr>
           <a:p>
+            <a:pPr>
+              <a:lnSpc>
+                <a:spcPct val="100000"/>
+              </a:lnSpc>
+            </a:pPr>
             <a:endParaRPr b="0" lang="en-US" sz="1000" spc="-1" strike="noStrike">
               <a:solidFill>
                 <a:srgbClr val="000000"/>
@@ -15098,14 +15377,14 @@
       </p:sp>
       <p:sp>
         <p:nvSpPr>
-          <p:cNvPr id="90" name=""/>
-          <p:cNvSpPr txBox="1"/>
+          <p:cNvPr id="85" name=""/>
+          <p:cNvSpPr/>
           <p:nvPr/>
         </p:nvSpPr>
         <p:spPr>
           <a:xfrm>
             <a:off x="228600" y="6539040"/>
-            <a:ext cx="8686800" cy="319320"/>
+            <a:ext cx="8686440" cy="318960"/>
           </a:xfrm>
           <a:prstGeom prst="rect">
             <a:avLst/>
@@ -15115,11 +15394,22 @@
             <a:noFill/>
           </a:ln>
         </p:spPr>
+        <p:style>
+          <a:lnRef idx="0"/>
+          <a:fillRef idx="0"/>
+          <a:effectRef idx="0"/>
+          <a:fontRef idx="minor"/>
+        </p:style>
         <p:txBody>
           <a:bodyPr lIns="90000" rIns="90000" tIns="45000" bIns="45000" anchor="t">
             <a:noAutofit/>
           </a:bodyPr>
           <a:p>
+            <a:pPr>
+              <a:lnSpc>
+                <a:spcPct val="100000"/>
+              </a:lnSpc>
+            </a:pPr>
             <a:r>
               <a:rPr b="1" lang="en-US" sz="1800" spc="-1" strike="noStrike">
                 <a:solidFill>
@@ -15194,7 +15484,7 @@
       </p:sp>
       <p:pic>
         <p:nvPicPr>
-          <p:cNvPr id="91" name="" descr=""/>
+          <p:cNvPr id="86" name="" descr=""/>
           <p:cNvPicPr/>
           <p:nvPr/>
         </p:nvPicPr>
@@ -15205,7 +15495,7 @@
         <p:spPr>
           <a:xfrm>
             <a:off x="5715000" y="807120"/>
-            <a:ext cx="3206520" cy="2404800"/>
+            <a:ext cx="3206160" cy="2404440"/>
           </a:xfrm>
           <a:prstGeom prst="rect">
             <a:avLst/>
@@ -15217,7 +15507,7 @@
       </p:pic>
       <p:pic>
         <p:nvPicPr>
-          <p:cNvPr id="92" name="" descr=""/>
+          <p:cNvPr id="87" name="" descr=""/>
           <p:cNvPicPr/>
           <p:nvPr/>
         </p:nvPicPr>
@@ -15228,7 +15518,7 @@
         <p:spPr>
           <a:xfrm>
             <a:off x="5257800" y="2743200"/>
-            <a:ext cx="3657600" cy="2057400"/>
+            <a:ext cx="3657240" cy="2057040"/>
           </a:xfrm>
           <a:prstGeom prst="rect">
             <a:avLst/>
@@ -15270,7 +15560,7 @@
       </p:grpSpPr>
       <p:sp>
         <p:nvSpPr>
-          <p:cNvPr id="93" name="PlaceHolder 1"/>
+          <p:cNvPr id="88" name="PlaceHolder 1"/>
           <p:cNvSpPr>
             <a:spLocks noGrp="1"/>
           </p:cNvSpPr>
@@ -15281,7 +15571,7 @@
         <p:spPr>
           <a:xfrm>
             <a:off x="235080" y="807120"/>
-            <a:ext cx="8676000" cy="1021680"/>
+            <a:ext cx="8675640" cy="1021320"/>
           </a:xfrm>
           <a:prstGeom prst="rect">
             <a:avLst/>
@@ -15301,6 +15591,9 @@
                 <a:spcPct val="90000"/>
               </a:lnSpc>
               <a:buNone/>
+              <a:tabLst>
+                <a:tab algn="l" pos="0"/>
+              </a:tabLst>
             </a:pPr>
             <a:r>
               <a:rPr b="1" lang="en-US" sz="3000" spc="-1" strike="noStrike">
@@ -15323,7 +15616,7 @@
               </a:rPr>
               <a:t>Media for Mental Health Indicators</a:t>
             </a:r>
-            <a:endParaRPr b="1" lang="en-US" sz="3000" spc="-1" strike="noStrike">
+            <a:endParaRPr b="0" lang="en-US" sz="3000" spc="-1" strike="noStrike">
               <a:solidFill>
                 <a:srgbClr val="000000"/>
               </a:solidFill>
@@ -15334,7 +15627,7 @@
       </p:sp>
       <p:sp>
         <p:nvSpPr>
-          <p:cNvPr id="94" name="PlaceHolder 2"/>
+          <p:cNvPr id="89" name="PlaceHolder 2"/>
           <p:cNvSpPr>
             <a:spLocks noGrp="1"/>
           </p:cNvSpPr>
@@ -15345,7 +15638,7 @@
         <p:spPr>
           <a:xfrm>
             <a:off x="628560" y="1825560"/>
-            <a:ext cx="3885840" cy="4350960"/>
+            <a:ext cx="3885480" cy="4350600"/>
           </a:xfrm>
           <a:prstGeom prst="rect">
             <a:avLst/>
@@ -15412,16 +15705,7 @@
                 </a:solidFill>
                 <a:latin typeface="Arial"/>
               </a:rPr>
-              <a:t>Data</a:t>
-            </a:r>
-            <a:r>
-              <a:rPr b="0" lang="en-US" sz="2800" spc="-1" strike="noStrike">
-                <a:solidFill>
-                  <a:srgbClr val="000000"/>
-                </a:solidFill>
-                <a:latin typeface="Arial"/>
-              </a:rPr>
-              <a:t> </a:t>
+              <a:t>Data </a:t>
             </a:r>
             <a:endParaRPr b="0" lang="en-US" sz="2800" spc="-1" strike="noStrike">
               <a:solidFill>
@@ -15527,14 +15811,14 @@
       </p:sp>
       <p:sp>
         <p:nvSpPr>
-          <p:cNvPr id="95" name=""/>
-          <p:cNvSpPr txBox="1"/>
+          <p:cNvPr id="90" name=""/>
+          <p:cNvSpPr/>
           <p:nvPr/>
         </p:nvSpPr>
         <p:spPr>
           <a:xfrm>
             <a:off x="6696000" y="2027160"/>
-            <a:ext cx="180720" cy="232560"/>
+            <a:ext cx="180360" cy="232200"/>
           </a:xfrm>
           <a:prstGeom prst="rect">
             <a:avLst/>
@@ -15544,11 +15828,22 @@
             <a:noFill/>
           </a:ln>
         </p:spPr>
+        <p:style>
+          <a:lnRef idx="0"/>
+          <a:fillRef idx="0"/>
+          <a:effectRef idx="0"/>
+          <a:fontRef idx="minor"/>
+        </p:style>
         <p:txBody>
           <a:bodyPr lIns="90000" rIns="90000" tIns="45000" bIns="45000" anchor="t">
             <a:noAutofit/>
           </a:bodyPr>
           <a:p>
+            <a:pPr>
+              <a:lnSpc>
+                <a:spcPct val="100000"/>
+              </a:lnSpc>
+            </a:pPr>
             <a:endParaRPr b="0" lang="en-US" sz="1000" spc="-1" strike="noStrike">
               <a:solidFill>
                 <a:srgbClr val="000000"/>
@@ -15560,14 +15855,14 @@
       </p:sp>
       <p:sp>
         <p:nvSpPr>
-          <p:cNvPr id="96" name=""/>
-          <p:cNvSpPr txBox="1"/>
+          <p:cNvPr id="91" name=""/>
+          <p:cNvSpPr/>
           <p:nvPr/>
         </p:nvSpPr>
         <p:spPr>
           <a:xfrm>
             <a:off x="6357240" y="3831120"/>
-            <a:ext cx="180720" cy="232560"/>
+            <a:ext cx="180360" cy="232200"/>
           </a:xfrm>
           <a:prstGeom prst="rect">
             <a:avLst/>
@@ -15577,11 +15872,22 @@
             <a:noFill/>
           </a:ln>
         </p:spPr>
+        <p:style>
+          <a:lnRef idx="0"/>
+          <a:fillRef idx="0"/>
+          <a:effectRef idx="0"/>
+          <a:fontRef idx="minor"/>
+        </p:style>
         <p:txBody>
           <a:bodyPr lIns="90000" rIns="90000" tIns="45000" bIns="45000" anchor="t">
             <a:noAutofit/>
           </a:bodyPr>
           <a:p>
+            <a:pPr>
+              <a:lnSpc>
+                <a:spcPct val="100000"/>
+              </a:lnSpc>
+            </a:pPr>
             <a:endParaRPr b="0" lang="en-US" sz="1000" spc="-1" strike="noStrike">
               <a:solidFill>
                 <a:srgbClr val="000000"/>
@@ -15593,7 +15899,7 @@
       </p:sp>
       <p:pic>
         <p:nvPicPr>
-          <p:cNvPr id="97" name="" descr=""/>
+          <p:cNvPr id="92" name="" descr=""/>
           <p:cNvPicPr/>
           <p:nvPr/>
         </p:nvPicPr>
@@ -15604,7 +15910,7 @@
         <p:spPr>
           <a:xfrm>
             <a:off x="2857680" y="1828800"/>
-            <a:ext cx="5829120" cy="3971520"/>
+            <a:ext cx="5828760" cy="3971160"/>
           </a:xfrm>
           <a:prstGeom prst="rect">
             <a:avLst/>
@@ -15616,14 +15922,14 @@
       </p:pic>
       <p:sp>
         <p:nvSpPr>
-          <p:cNvPr id="98" name=""/>
-          <p:cNvSpPr txBox="1"/>
+          <p:cNvPr id="93" name=""/>
+          <p:cNvSpPr/>
           <p:nvPr/>
         </p:nvSpPr>
         <p:spPr>
           <a:xfrm>
             <a:off x="228600" y="6539040"/>
-            <a:ext cx="8686800" cy="319320"/>
+            <a:ext cx="8686440" cy="318960"/>
           </a:xfrm>
           <a:prstGeom prst="rect">
             <a:avLst/>
@@ -15633,11 +15939,22 @@
             <a:noFill/>
           </a:ln>
         </p:spPr>
+        <p:style>
+          <a:lnRef idx="0"/>
+          <a:fillRef idx="0"/>
+          <a:effectRef idx="0"/>
+          <a:fontRef idx="minor"/>
+        </p:style>
         <p:txBody>
           <a:bodyPr lIns="90000" rIns="90000" tIns="45000" bIns="45000" anchor="t">
             <a:noAutofit/>
           </a:bodyPr>
           <a:p>
+            <a:pPr>
+              <a:lnSpc>
+                <a:spcPct val="100000"/>
+              </a:lnSpc>
+            </a:pPr>
             <a:r>
               <a:rPr b="1" lang="en-US" sz="1800" spc="-1" strike="noStrike">
                 <a:solidFill>
